--- a/Stat 184 work in progress slides.pptx
+++ b/Stat 184 work in progress slides.pptx
@@ -1,38 +1,38 @@
 
 <file path=ppt/presentation.xml><?xml version="1.0" encoding="utf-8"?>
-<p:presentation xmlns:a="http://schemas.openxmlformats.org/drawingml/2006/main" xmlns:r="http://schemas.openxmlformats.org/officeDocument/2006/relationships" xmlns:mc="http://schemas.openxmlformats.org/markup-compatibility/2006" xmlns:mv="urn:schemas-microsoft-com:mac:vml" xmlns:p="http://schemas.openxmlformats.org/presentationml/2006/main" xmlns:c="http://schemas.openxmlformats.org/drawingml/2006/chart" xmlns:dgm="http://schemas.openxmlformats.org/drawingml/2006/diagram" xmlns:o="urn:schemas-microsoft-com:office:office" xmlns:v="urn:schemas-microsoft-com:vml" xmlns:pvml="urn:schemas-microsoft-com:office:powerpoint" xmlns:com="http://schemas.openxmlformats.org/drawingml/2006/compatibility" xmlns:p14="http://schemas.microsoft.com/office/powerpoint/2010/main" xmlns:p15="http://schemas.microsoft.com/office/powerpoint/2012/main" xmlns:ahyp="http://schemas.microsoft.com/office/drawing/2018/hyperlinkcolor" autoCompressPictures="0" embedTrueTypeFonts="1" strictFirstAndLastChars="0" saveSubsetFonts="1">
+<p:presentation xmlns:a="http://schemas.openxmlformats.org/drawingml/2006/main" xmlns:r="http://schemas.openxmlformats.org/officeDocument/2006/relationships" xmlns:p="http://schemas.openxmlformats.org/presentationml/2006/main" strictFirstAndLastChars="0" embedTrueTypeFonts="1" saveSubsetFonts="1" autoCompressPictures="0">
   <p:sldMasterIdLst>
-    <p:sldMasterId id="2147483659" r:id="rId4"/>
+    <p:sldMasterId id="2147483659" r:id="rId1"/>
   </p:sldMasterIdLst>
   <p:notesMasterIdLst>
-    <p:notesMasterId r:id="rId5"/>
+    <p:notesMasterId r:id="rId13"/>
   </p:notesMasterIdLst>
   <p:sldIdLst>
-    <p:sldId id="256" r:id="rId6"/>
-    <p:sldId id="257" r:id="rId7"/>
-    <p:sldId id="258" r:id="rId8"/>
-    <p:sldId id="259" r:id="rId9"/>
-    <p:sldId id="260" r:id="rId10"/>
-    <p:sldId id="261" r:id="rId11"/>
-    <p:sldId id="262" r:id="rId12"/>
-    <p:sldId id="263" r:id="rId13"/>
-    <p:sldId id="264" r:id="rId14"/>
-    <p:sldId id="265" r:id="rId15"/>
-    <p:sldId id="266" r:id="rId16"/>
+    <p:sldId id="256" r:id="rId2"/>
+    <p:sldId id="257" r:id="rId3"/>
+    <p:sldId id="258" r:id="rId4"/>
+    <p:sldId id="259" r:id="rId5"/>
+    <p:sldId id="260" r:id="rId6"/>
+    <p:sldId id="261" r:id="rId7"/>
+    <p:sldId id="262" r:id="rId8"/>
+    <p:sldId id="263" r:id="rId9"/>
+    <p:sldId id="264" r:id="rId10"/>
+    <p:sldId id="265" r:id="rId11"/>
+    <p:sldId id="266" r:id="rId12"/>
   </p:sldIdLst>
-  <p:sldSz cy="5143500" cx="9144000"/>
+  <p:sldSz cx="9144000" cy="5143500" type="screen16x9"/>
   <p:notesSz cx="6858000" cy="9144000"/>
   <p:embeddedFontLst>
     <p:embeddedFont>
-      <p:font typeface="Roboto"/>
-      <p:regular r:id="rId17"/>
-      <p:bold r:id="rId18"/>
-      <p:italic r:id="rId19"/>
-      <p:boldItalic r:id="rId20"/>
+      <p:font typeface="Roboto" panose="02000000000000000000" pitchFamily="2" charset="0"/>
+      <p:regular r:id="rId14"/>
+      <p:bold r:id="rId15"/>
+      <p:italic r:id="rId16"/>
+      <p:boldItalic r:id="rId17"/>
     </p:embeddedFont>
   </p:embeddedFontLst>
   <p:defaultTextStyle>
-    <a:defPPr lvl="0" marR="0" rtl="0" algn="l">
+    <a:defPPr marR="0" lvl="0" algn="l" rtl="0">
       <a:lnSpc>
         <a:spcPct val="100000"/>
       </a:lnSpc>
@@ -43,7 +43,7 @@
         <a:spcPts val="0"/>
       </a:spcAft>
     </a:defPPr>
-    <a:lvl1pPr lvl="0" marR="0" rtl="0" algn="l">
+    <a:lvl1pPr marR="0" lvl="0" algn="l" rtl="0">
       <a:lnSpc>
         <a:spcPct val="100000"/>
       </a:lnSpc>
@@ -57,7 +57,7 @@
         <a:srgbClr val="000000"/>
       </a:buClr>
       <a:buFont typeface="Arial"/>
-      <a:defRPr b="0" i="0" sz="1400" u="none" cap="none" strike="noStrike">
+      <a:defRPr sz="1400" b="0" i="0" u="none" strike="noStrike" cap="none">
         <a:solidFill>
           <a:srgbClr val="000000"/>
         </a:solidFill>
@@ -67,7 +67,7 @@
         <a:sym typeface="Arial"/>
       </a:defRPr>
     </a:lvl1pPr>
-    <a:lvl2pPr lvl="1" marR="0" rtl="0" algn="l">
+    <a:lvl2pPr marR="0" lvl="1" algn="l" rtl="0">
       <a:lnSpc>
         <a:spcPct val="100000"/>
       </a:lnSpc>
@@ -81,7 +81,7 @@
         <a:srgbClr val="000000"/>
       </a:buClr>
       <a:buFont typeface="Arial"/>
-      <a:defRPr b="0" i="0" sz="1400" u="none" cap="none" strike="noStrike">
+      <a:defRPr sz="1400" b="0" i="0" u="none" strike="noStrike" cap="none">
         <a:solidFill>
           <a:srgbClr val="000000"/>
         </a:solidFill>
@@ -91,7 +91,7 @@
         <a:sym typeface="Arial"/>
       </a:defRPr>
     </a:lvl2pPr>
-    <a:lvl3pPr lvl="2" marR="0" rtl="0" algn="l">
+    <a:lvl3pPr marR="0" lvl="2" algn="l" rtl="0">
       <a:lnSpc>
         <a:spcPct val="100000"/>
       </a:lnSpc>
@@ -105,7 +105,7 @@
         <a:srgbClr val="000000"/>
       </a:buClr>
       <a:buFont typeface="Arial"/>
-      <a:defRPr b="0" i="0" sz="1400" u="none" cap="none" strike="noStrike">
+      <a:defRPr sz="1400" b="0" i="0" u="none" strike="noStrike" cap="none">
         <a:solidFill>
           <a:srgbClr val="000000"/>
         </a:solidFill>
@@ -115,7 +115,7 @@
         <a:sym typeface="Arial"/>
       </a:defRPr>
     </a:lvl3pPr>
-    <a:lvl4pPr lvl="3" marR="0" rtl="0" algn="l">
+    <a:lvl4pPr marR="0" lvl="3" algn="l" rtl="0">
       <a:lnSpc>
         <a:spcPct val="100000"/>
       </a:lnSpc>
@@ -129,7 +129,7 @@
         <a:srgbClr val="000000"/>
       </a:buClr>
       <a:buFont typeface="Arial"/>
-      <a:defRPr b="0" i="0" sz="1400" u="none" cap="none" strike="noStrike">
+      <a:defRPr sz="1400" b="0" i="0" u="none" strike="noStrike" cap="none">
         <a:solidFill>
           <a:srgbClr val="000000"/>
         </a:solidFill>
@@ -139,7 +139,7 @@
         <a:sym typeface="Arial"/>
       </a:defRPr>
     </a:lvl4pPr>
-    <a:lvl5pPr lvl="4" marR="0" rtl="0" algn="l">
+    <a:lvl5pPr marR="0" lvl="4" algn="l" rtl="0">
       <a:lnSpc>
         <a:spcPct val="100000"/>
       </a:lnSpc>
@@ -153,7 +153,7 @@
         <a:srgbClr val="000000"/>
       </a:buClr>
       <a:buFont typeface="Arial"/>
-      <a:defRPr b="0" i="0" sz="1400" u="none" cap="none" strike="noStrike">
+      <a:defRPr sz="1400" b="0" i="0" u="none" strike="noStrike" cap="none">
         <a:solidFill>
           <a:srgbClr val="000000"/>
         </a:solidFill>
@@ -163,7 +163,7 @@
         <a:sym typeface="Arial"/>
       </a:defRPr>
     </a:lvl5pPr>
-    <a:lvl6pPr lvl="5" marR="0" rtl="0" algn="l">
+    <a:lvl6pPr marR="0" lvl="5" algn="l" rtl="0">
       <a:lnSpc>
         <a:spcPct val="100000"/>
       </a:lnSpc>
@@ -177,7 +177,7 @@
         <a:srgbClr val="000000"/>
       </a:buClr>
       <a:buFont typeface="Arial"/>
-      <a:defRPr b="0" i="0" sz="1400" u="none" cap="none" strike="noStrike">
+      <a:defRPr sz="1400" b="0" i="0" u="none" strike="noStrike" cap="none">
         <a:solidFill>
           <a:srgbClr val="000000"/>
         </a:solidFill>
@@ -187,7 +187,7 @@
         <a:sym typeface="Arial"/>
       </a:defRPr>
     </a:lvl6pPr>
-    <a:lvl7pPr lvl="6" marR="0" rtl="0" algn="l">
+    <a:lvl7pPr marR="0" lvl="6" algn="l" rtl="0">
       <a:lnSpc>
         <a:spcPct val="100000"/>
       </a:lnSpc>
@@ -201,7 +201,7 @@
         <a:srgbClr val="000000"/>
       </a:buClr>
       <a:buFont typeface="Arial"/>
-      <a:defRPr b="0" i="0" sz="1400" u="none" cap="none" strike="noStrike">
+      <a:defRPr sz="1400" b="0" i="0" u="none" strike="noStrike" cap="none">
         <a:solidFill>
           <a:srgbClr val="000000"/>
         </a:solidFill>
@@ -211,7 +211,7 @@
         <a:sym typeface="Arial"/>
       </a:defRPr>
     </a:lvl7pPr>
-    <a:lvl8pPr lvl="7" marR="0" rtl="0" algn="l">
+    <a:lvl8pPr marR="0" lvl="7" algn="l" rtl="0">
       <a:lnSpc>
         <a:spcPct val="100000"/>
       </a:lnSpc>
@@ -225,7 +225,7 @@
         <a:srgbClr val="000000"/>
       </a:buClr>
       <a:buFont typeface="Arial"/>
-      <a:defRPr b="0" i="0" sz="1400" u="none" cap="none" strike="noStrike">
+      <a:defRPr sz="1400" b="0" i="0" u="none" strike="noStrike" cap="none">
         <a:solidFill>
           <a:srgbClr val="000000"/>
         </a:solidFill>
@@ -235,7 +235,7 @@
         <a:sym typeface="Arial"/>
       </a:defRPr>
     </a:lvl8pPr>
-    <a:lvl9pPr lvl="8" marR="0" rtl="0" algn="l">
+    <a:lvl9pPr marR="0" lvl="8" algn="l" rtl="0">
       <a:lnSpc>
         <a:spcPct val="100000"/>
       </a:lnSpc>
@@ -249,7 +249,7 @@
         <a:srgbClr val="000000"/>
       </a:buClr>
       <a:buFont typeface="Arial"/>
-      <a:defRPr b="0" i="0" sz="1400" u="none" cap="none" strike="noStrike">
+      <a:defRPr sz="1400" b="0" i="0" u="none" strike="noStrike" cap="none">
         <a:solidFill>
           <a:srgbClr val="000000"/>
         </a:solidFill>
@@ -262,7 +262,7 @@
   </p:defaultTextStyle>
   <p:extLst>
     <p:ext uri="{EFAFB233-063F-42B5-8137-9DF3F51BA10A}">
-      <p15:sldGuideLst>
+      <p15:sldGuideLst xmlns:p15="http://schemas.microsoft.com/office/powerpoint/2012/main">
         <p15:guide id="1" orient="horz" pos="1620">
           <p15:clr>
             <a:srgbClr val="747775"/>
@@ -280,11 +280,16 @@
 </file>
 
 <file path=ppt/notesMasters/notesMaster1.xml><?xml version="1.0" encoding="utf-8"?>
-<p:notesMaster xmlns:a="http://schemas.openxmlformats.org/drawingml/2006/main" xmlns:r="http://schemas.openxmlformats.org/officeDocument/2006/relationships" xmlns:mc="http://schemas.openxmlformats.org/markup-compatibility/2006" xmlns:mv="urn:schemas-microsoft-com:mac:vml" xmlns:p="http://schemas.openxmlformats.org/presentationml/2006/main" xmlns:c="http://schemas.openxmlformats.org/drawingml/2006/chart" xmlns:dgm="http://schemas.openxmlformats.org/drawingml/2006/diagram" xmlns:o="urn:schemas-microsoft-com:office:office" xmlns:v="urn:schemas-microsoft-com:vml" xmlns:pvml="urn:schemas-microsoft-com:office:powerpoint" xmlns:com="http://schemas.openxmlformats.org/drawingml/2006/compatibility" xmlns:p14="http://schemas.microsoft.com/office/powerpoint/2010/main" xmlns:p15="http://schemas.microsoft.com/office/powerpoint/2012/main" xmlns:ahyp="http://schemas.microsoft.com/office/drawing/2018/hyperlinkcolor">
+<p:notesMaster xmlns:a="http://schemas.openxmlformats.org/drawingml/2006/main" xmlns:r="http://schemas.openxmlformats.org/officeDocument/2006/relationships" xmlns:p="http://schemas.openxmlformats.org/presentationml/2006/main">
   <p:cSld>
+    <p:bg>
+      <p:bgRef idx="1001">
+        <a:schemeClr val="bg1"/>
+      </p:bgRef>
+    </p:bg>
     <p:spTree>
       <p:nvGrpSpPr>
-        <p:cNvPr id="2" name="Shape 2"/>
+        <p:cNvPr id="1" name="Shape 2"/>
         <p:cNvGrpSpPr/>
         <p:nvPr/>
       </p:nvGrpSpPr>
@@ -299,9 +304,11 @@
       <p:sp>
         <p:nvSpPr>
           <p:cNvPr id="3" name="Google Shape;3;n"/>
-          <p:cNvSpPr/>
+          <p:cNvSpPr>
+            <a:spLocks noGrp="1" noRot="1" noChangeAspect="1"/>
+          </p:cNvSpPr>
           <p:nvPr>
-            <p:ph idx="2" type="sldImg"/>
+            <p:ph type="sldImg" idx="2"/>
           </p:nvPr>
         </p:nvSpPr>
         <p:spPr>
@@ -310,9 +317,13 @@
             <a:ext cx="6096075" cy="3429000"/>
           </a:xfrm>
           <a:custGeom>
-            <a:rect b="b" l="l" r="r" t="t"/>
+            <a:avLst/>
+            <a:gdLst/>
+            <a:ahLst/>
+            <a:cxnLst/>
+            <a:rect l="l" t="t" r="r" b="b"/>
             <a:pathLst>
-              <a:path extrusionOk="0" h="120000" w="120000">
+              <a:path w="120000" h="120000" extrusionOk="0">
                 <a:moveTo>
                   <a:pt x="0" y="0"/>
                 </a:moveTo>
@@ -330,23 +341,25 @@
             </a:pathLst>
           </a:custGeom>
           <a:noFill/>
-          <a:ln cap="flat" cmpd="sng" w="9525">
+          <a:ln w="9525" cap="flat" cmpd="sng">
             <a:solidFill>
               <a:srgbClr val="000000"/>
             </a:solidFill>
             <a:prstDash val="solid"/>
             <a:round/>
-            <a:headEnd len="sm" w="sm" type="none"/>
-            <a:tailEnd len="sm" w="sm" type="none"/>
+            <a:headEnd type="none" w="sm" len="sm"/>
+            <a:tailEnd type="none" w="sm" len="sm"/>
           </a:ln>
         </p:spPr>
       </p:sp>
       <p:sp>
         <p:nvSpPr>
           <p:cNvPr id="4" name="Google Shape;4;n"/>
-          <p:cNvSpPr txBox="1"/>
+          <p:cNvSpPr txBox="1">
+            <a:spLocks noGrp="1"/>
+          </p:cNvSpPr>
           <p:nvPr>
-            <p:ph idx="1" type="body"/>
+            <p:ph type="body" idx="1"/>
           </p:nvPr>
         </p:nvSpPr>
         <p:spPr>
@@ -363,11 +376,11 @@
           </a:ln>
         </p:spPr>
         <p:txBody>
-          <a:bodyPr anchorCtr="0" anchor="t" bIns="91425" lIns="91425" spcFirstLastPara="1" rIns="91425" wrap="square" tIns="91425">
+          <a:bodyPr spcFirstLastPara="1" wrap="square" lIns="91425" tIns="91425" rIns="91425" bIns="91425" anchor="t" anchorCtr="0">
             <a:noAutofit/>
           </a:bodyPr>
           <a:lstStyle>
-            <a:lvl1pPr indent="-317500" lvl="0" marL="457200">
+            <a:lvl1pPr marL="457200" lvl="0" indent="-317500">
               <a:spcBef>
                 <a:spcPts val="0"/>
               </a:spcBef>
@@ -378,7 +391,7 @@
               <a:buChar char="●"/>
               <a:defRPr sz="1100"/>
             </a:lvl1pPr>
-            <a:lvl2pPr indent="-317500" lvl="1" marL="914400">
+            <a:lvl2pPr marL="914400" lvl="1" indent="-317500">
               <a:spcBef>
                 <a:spcPts val="0"/>
               </a:spcBef>
@@ -389,7 +402,7 @@
               <a:buChar char="○"/>
               <a:defRPr sz="1100"/>
             </a:lvl2pPr>
-            <a:lvl3pPr indent="-317500" lvl="2" marL="1371600">
+            <a:lvl3pPr marL="1371600" lvl="2" indent="-317500">
               <a:spcBef>
                 <a:spcPts val="0"/>
               </a:spcBef>
@@ -400,7 +413,7 @@
               <a:buChar char="■"/>
               <a:defRPr sz="1100"/>
             </a:lvl3pPr>
-            <a:lvl4pPr indent="-317500" lvl="3" marL="1828800">
+            <a:lvl4pPr marL="1828800" lvl="3" indent="-317500">
               <a:spcBef>
                 <a:spcPts val="0"/>
               </a:spcBef>
@@ -411,7 +424,7 @@
               <a:buChar char="●"/>
               <a:defRPr sz="1100"/>
             </a:lvl4pPr>
-            <a:lvl5pPr indent="-317500" lvl="4" marL="2286000">
+            <a:lvl5pPr marL="2286000" lvl="4" indent="-317500">
               <a:spcBef>
                 <a:spcPts val="0"/>
               </a:spcBef>
@@ -422,7 +435,7 @@
               <a:buChar char="○"/>
               <a:defRPr sz="1100"/>
             </a:lvl5pPr>
-            <a:lvl6pPr indent="-317500" lvl="5" marL="2743200">
+            <a:lvl6pPr marL="2743200" lvl="5" indent="-317500">
               <a:spcBef>
                 <a:spcPts val="0"/>
               </a:spcBef>
@@ -433,7 +446,7 @@
               <a:buChar char="■"/>
               <a:defRPr sz="1100"/>
             </a:lvl6pPr>
-            <a:lvl7pPr indent="-317500" lvl="6" marL="3200400">
+            <a:lvl7pPr marL="3200400" lvl="6" indent="-317500">
               <a:spcBef>
                 <a:spcPts val="0"/>
               </a:spcBef>
@@ -444,7 +457,7 @@
               <a:buChar char="●"/>
               <a:defRPr sz="1100"/>
             </a:lvl7pPr>
-            <a:lvl8pPr indent="-317500" lvl="7" marL="3657600">
+            <a:lvl8pPr marL="3657600" lvl="7" indent="-317500">
               <a:spcBef>
                 <a:spcPts val="0"/>
               </a:spcBef>
@@ -455,7 +468,7 @@
               <a:buChar char="○"/>
               <a:defRPr sz="1100"/>
             </a:lvl8pPr>
-            <a:lvl9pPr indent="-317500" lvl="8" marL="4114800">
+            <a:lvl9pPr marL="4114800" lvl="8" indent="-317500">
               <a:spcBef>
                 <a:spcPts val="0"/>
               </a:spcBef>
@@ -467,14 +480,16 @@
               <a:defRPr sz="1100"/>
             </a:lvl9pPr>
           </a:lstStyle>
-          <a:p/>
+          <a:p>
+            <a:endParaRPr/>
+          </a:p>
         </p:txBody>
       </p:sp>
     </p:spTree>
   </p:cSld>
-  <p:clrMap accent1="accent1" accent2="accent2" accent3="accent3" accent4="accent4" accent5="accent5" accent6="accent6" bg1="lt1" bg2="dk2" tx1="dk1" tx2="lt2" folHlink="folHlink" hlink="hlink"/>
+  <p:clrMap bg1="lt1" tx1="dk1" bg2="dk2" tx2="lt2" accent1="accent1" accent2="accent2" accent3="accent3" accent4="accent4" accent5="accent5" accent6="accent6" hlink="hlink" folHlink="folHlink"/>
   <p:notesStyle>
-    <a:defPPr lvl="0" marR="0" rtl="0" algn="l">
+    <a:defPPr marR="0" lvl="0" algn="l" rtl="0">
       <a:lnSpc>
         <a:spcPct val="100000"/>
       </a:lnSpc>
@@ -485,7 +500,7 @@
         <a:spcPts val="0"/>
       </a:spcAft>
     </a:defPPr>
-    <a:lvl1pPr lvl="0" marR="0" rtl="0" algn="l">
+    <a:lvl1pPr marR="0" lvl="0" algn="l" rtl="0">
       <a:lnSpc>
         <a:spcPct val="100000"/>
       </a:lnSpc>
@@ -499,7 +514,7 @@
         <a:srgbClr val="000000"/>
       </a:buClr>
       <a:buFont typeface="Arial"/>
-      <a:defRPr b="0" i="0" sz="1400" u="none" cap="none" strike="noStrike">
+      <a:defRPr sz="1400" b="0" i="0" u="none" strike="noStrike" cap="none">
         <a:solidFill>
           <a:srgbClr val="000000"/>
         </a:solidFill>
@@ -509,7 +524,7 @@
         <a:sym typeface="Arial"/>
       </a:defRPr>
     </a:lvl1pPr>
-    <a:lvl2pPr lvl="1" marR="0" rtl="0" algn="l">
+    <a:lvl2pPr marR="0" lvl="1" algn="l" rtl="0">
       <a:lnSpc>
         <a:spcPct val="100000"/>
       </a:lnSpc>
@@ -523,7 +538,7 @@
         <a:srgbClr val="000000"/>
       </a:buClr>
       <a:buFont typeface="Arial"/>
-      <a:defRPr b="0" i="0" sz="1400" u="none" cap="none" strike="noStrike">
+      <a:defRPr sz="1400" b="0" i="0" u="none" strike="noStrike" cap="none">
         <a:solidFill>
           <a:srgbClr val="000000"/>
         </a:solidFill>
@@ -533,7 +548,7 @@
         <a:sym typeface="Arial"/>
       </a:defRPr>
     </a:lvl2pPr>
-    <a:lvl3pPr lvl="2" marR="0" rtl="0" algn="l">
+    <a:lvl3pPr marR="0" lvl="2" algn="l" rtl="0">
       <a:lnSpc>
         <a:spcPct val="100000"/>
       </a:lnSpc>
@@ -547,7 +562,7 @@
         <a:srgbClr val="000000"/>
       </a:buClr>
       <a:buFont typeface="Arial"/>
-      <a:defRPr b="0" i="0" sz="1400" u="none" cap="none" strike="noStrike">
+      <a:defRPr sz="1400" b="0" i="0" u="none" strike="noStrike" cap="none">
         <a:solidFill>
           <a:srgbClr val="000000"/>
         </a:solidFill>
@@ -557,7 +572,7 @@
         <a:sym typeface="Arial"/>
       </a:defRPr>
     </a:lvl3pPr>
-    <a:lvl4pPr lvl="3" marR="0" rtl="0" algn="l">
+    <a:lvl4pPr marR="0" lvl="3" algn="l" rtl="0">
       <a:lnSpc>
         <a:spcPct val="100000"/>
       </a:lnSpc>
@@ -571,7 +586,7 @@
         <a:srgbClr val="000000"/>
       </a:buClr>
       <a:buFont typeface="Arial"/>
-      <a:defRPr b="0" i="0" sz="1400" u="none" cap="none" strike="noStrike">
+      <a:defRPr sz="1400" b="0" i="0" u="none" strike="noStrike" cap="none">
         <a:solidFill>
           <a:srgbClr val="000000"/>
         </a:solidFill>
@@ -581,7 +596,7 @@
         <a:sym typeface="Arial"/>
       </a:defRPr>
     </a:lvl4pPr>
-    <a:lvl5pPr lvl="4" marR="0" rtl="0" algn="l">
+    <a:lvl5pPr marR="0" lvl="4" algn="l" rtl="0">
       <a:lnSpc>
         <a:spcPct val="100000"/>
       </a:lnSpc>
@@ -595,7 +610,7 @@
         <a:srgbClr val="000000"/>
       </a:buClr>
       <a:buFont typeface="Arial"/>
-      <a:defRPr b="0" i="0" sz="1400" u="none" cap="none" strike="noStrike">
+      <a:defRPr sz="1400" b="0" i="0" u="none" strike="noStrike" cap="none">
         <a:solidFill>
           <a:srgbClr val="000000"/>
         </a:solidFill>
@@ -605,7 +620,7 @@
         <a:sym typeface="Arial"/>
       </a:defRPr>
     </a:lvl5pPr>
-    <a:lvl6pPr lvl="5" marR="0" rtl="0" algn="l">
+    <a:lvl6pPr marR="0" lvl="5" algn="l" rtl="0">
       <a:lnSpc>
         <a:spcPct val="100000"/>
       </a:lnSpc>
@@ -619,7 +634,7 @@
         <a:srgbClr val="000000"/>
       </a:buClr>
       <a:buFont typeface="Arial"/>
-      <a:defRPr b="0" i="0" sz="1400" u="none" cap="none" strike="noStrike">
+      <a:defRPr sz="1400" b="0" i="0" u="none" strike="noStrike" cap="none">
         <a:solidFill>
           <a:srgbClr val="000000"/>
         </a:solidFill>
@@ -629,7 +644,7 @@
         <a:sym typeface="Arial"/>
       </a:defRPr>
     </a:lvl6pPr>
-    <a:lvl7pPr lvl="6" marR="0" rtl="0" algn="l">
+    <a:lvl7pPr marR="0" lvl="6" algn="l" rtl="0">
       <a:lnSpc>
         <a:spcPct val="100000"/>
       </a:lnSpc>
@@ -643,7 +658,7 @@
         <a:srgbClr val="000000"/>
       </a:buClr>
       <a:buFont typeface="Arial"/>
-      <a:defRPr b="0" i="0" sz="1400" u="none" cap="none" strike="noStrike">
+      <a:defRPr sz="1400" b="0" i="0" u="none" strike="noStrike" cap="none">
         <a:solidFill>
           <a:srgbClr val="000000"/>
         </a:solidFill>
@@ -653,7 +668,7 @@
         <a:sym typeface="Arial"/>
       </a:defRPr>
     </a:lvl7pPr>
-    <a:lvl8pPr lvl="7" marR="0" rtl="0" algn="l">
+    <a:lvl8pPr marR="0" lvl="7" algn="l" rtl="0">
       <a:lnSpc>
         <a:spcPct val="100000"/>
       </a:lnSpc>
@@ -667,7 +682,7 @@
         <a:srgbClr val="000000"/>
       </a:buClr>
       <a:buFont typeface="Arial"/>
-      <a:defRPr b="0" i="0" sz="1400" u="none" cap="none" strike="noStrike">
+      <a:defRPr sz="1400" b="0" i="0" u="none" strike="noStrike" cap="none">
         <a:solidFill>
           <a:srgbClr val="000000"/>
         </a:solidFill>
@@ -677,7 +692,7 @@
         <a:sym typeface="Arial"/>
       </a:defRPr>
     </a:lvl8pPr>
-    <a:lvl9pPr lvl="8" marR="0" rtl="0" algn="l">
+    <a:lvl9pPr marR="0" lvl="8" algn="l" rtl="0">
       <a:lnSpc>
         <a:spcPct val="100000"/>
       </a:lnSpc>
@@ -691,7 +706,7 @@
         <a:srgbClr val="000000"/>
       </a:buClr>
       <a:buFont typeface="Arial"/>
-      <a:defRPr b="0" i="0" sz="1400" u="none" cap="none" strike="noStrike">
+      <a:defRPr sz="1400" b="0" i="0" u="none" strike="noStrike" cap="none">
         <a:solidFill>
           <a:srgbClr val="000000"/>
         </a:solidFill>
@@ -706,11 +721,11 @@
 </file>
 
 <file path=ppt/notesSlides/notesSlide1.xml><?xml version="1.0" encoding="utf-8"?>
-<p:notes xmlns:a="http://schemas.openxmlformats.org/drawingml/2006/main" xmlns:r="http://schemas.openxmlformats.org/officeDocument/2006/relationships" xmlns:mc="http://schemas.openxmlformats.org/markup-compatibility/2006" xmlns:mv="urn:schemas-microsoft-com:mac:vml" xmlns:p="http://schemas.openxmlformats.org/presentationml/2006/main" xmlns:c="http://schemas.openxmlformats.org/drawingml/2006/chart" xmlns:dgm="http://schemas.openxmlformats.org/drawingml/2006/diagram" xmlns:o="urn:schemas-microsoft-com:office:office" xmlns:v="urn:schemas-microsoft-com:vml" xmlns:pvml="urn:schemas-microsoft-com:office:powerpoint" xmlns:com="http://schemas.openxmlformats.org/drawingml/2006/compatibility" xmlns:p14="http://schemas.microsoft.com/office/powerpoint/2010/main" xmlns:p15="http://schemas.microsoft.com/office/powerpoint/2012/main" xmlns:ahyp="http://schemas.microsoft.com/office/drawing/2018/hyperlinkcolor" showMasterPhAnim="0" showMasterSp="0">
+<p:notes xmlns:a="http://schemas.openxmlformats.org/drawingml/2006/main" xmlns:r="http://schemas.openxmlformats.org/officeDocument/2006/relationships" xmlns:p="http://schemas.openxmlformats.org/presentationml/2006/main" showMasterSp="0" showMasterPhAnim="0">
   <p:cSld>
     <p:spTree>
       <p:nvGrpSpPr>
-        <p:cNvPr id="81" name="Shape 81"/>
+        <p:cNvPr id="1" name="Shape 81"/>
         <p:cNvGrpSpPr/>
         <p:nvPr/>
       </p:nvGrpSpPr>
@@ -725,9 +740,11 @@
       <p:sp>
         <p:nvSpPr>
           <p:cNvPr id="82" name="Google Shape;82;gc6f9e470d_0_0:notes"/>
-          <p:cNvSpPr/>
+          <p:cNvSpPr>
+            <a:spLocks noGrp="1" noRot="1" noChangeAspect="1"/>
+          </p:cNvSpPr>
           <p:nvPr>
-            <p:ph idx="2" type="sldImg"/>
+            <p:ph type="sldImg" idx="2"/>
           </p:nvPr>
         </p:nvSpPr>
         <p:spPr>
@@ -736,9 +753,13 @@
             <a:ext cx="6096300" cy="3429000"/>
           </a:xfrm>
           <a:custGeom>
-            <a:rect b="b" l="l" r="r" t="t"/>
+            <a:avLst/>
+            <a:gdLst/>
+            <a:ahLst/>
+            <a:cxnLst/>
+            <a:rect l="l" t="t" r="r" b="b"/>
             <a:pathLst>
-              <a:path extrusionOk="0" h="120000" w="120000">
+              <a:path w="120000" h="120000" extrusionOk="0">
                 <a:moveTo>
                   <a:pt x="0" y="0"/>
                 </a:moveTo>
@@ -760,9 +781,11 @@
       <p:sp>
         <p:nvSpPr>
           <p:cNvPr id="83" name="Google Shape;83;gc6f9e470d_0_0:notes"/>
-          <p:cNvSpPr txBox="1"/>
+          <p:cNvSpPr txBox="1">
+            <a:spLocks noGrp="1"/>
+          </p:cNvSpPr>
           <p:nvPr>
-            <p:ph idx="1" type="body"/>
+            <p:ph type="body" idx="1"/>
           </p:nvPr>
         </p:nvSpPr>
         <p:spPr>
@@ -775,12 +798,12 @@
           </a:prstGeom>
         </p:spPr>
         <p:txBody>
-          <a:bodyPr anchorCtr="0" anchor="t" bIns="91425" lIns="91425" spcFirstLastPara="1" rIns="91425" wrap="square" tIns="91425">
+          <a:bodyPr spcFirstLastPara="1" wrap="square" lIns="91425" tIns="91425" rIns="91425" bIns="91425" anchor="t" anchorCtr="0">
             <a:noAutofit/>
           </a:bodyPr>
           <a:lstStyle/>
           <a:p>
-            <a:pPr indent="0" lvl="0" marL="0" rtl="0" algn="l">
+            <a:pPr marL="0" lvl="0" indent="0" algn="l" rtl="0">
               <a:spcBef>
                 <a:spcPts val="0"/>
               </a:spcBef>
@@ -789,9 +812,6 @@
               </a:spcAft>
               <a:buNone/>
             </a:pPr>
-            <a:r>
-              <a:t/>
-            </a:r>
             <a:endParaRPr/>
           </a:p>
         </p:txBody>
@@ -805,11 +825,11 @@
 </file>
 
 <file path=ppt/notesSlides/notesSlide10.xml><?xml version="1.0" encoding="utf-8"?>
-<p:notes xmlns:a="http://schemas.openxmlformats.org/drawingml/2006/main" xmlns:r="http://schemas.openxmlformats.org/officeDocument/2006/relationships" xmlns:mc="http://schemas.openxmlformats.org/markup-compatibility/2006" xmlns:mv="urn:schemas-microsoft-com:mac:vml" xmlns:p="http://schemas.openxmlformats.org/presentationml/2006/main" xmlns:c="http://schemas.openxmlformats.org/drawingml/2006/chart" xmlns:dgm="http://schemas.openxmlformats.org/drawingml/2006/diagram" xmlns:o="urn:schemas-microsoft-com:office:office" xmlns:v="urn:schemas-microsoft-com:vml" xmlns:pvml="urn:schemas-microsoft-com:office:powerpoint" xmlns:com="http://schemas.openxmlformats.org/drawingml/2006/compatibility" xmlns:p14="http://schemas.microsoft.com/office/powerpoint/2010/main" xmlns:p15="http://schemas.microsoft.com/office/powerpoint/2012/main" xmlns:ahyp="http://schemas.microsoft.com/office/drawing/2018/hyperlinkcolor" showMasterPhAnim="0" showMasterSp="0">
+<p:notes xmlns:a="http://schemas.openxmlformats.org/drawingml/2006/main" xmlns:r="http://schemas.openxmlformats.org/officeDocument/2006/relationships" xmlns:p="http://schemas.openxmlformats.org/presentationml/2006/main" showMasterSp="0" showMasterPhAnim="0">
   <p:cSld>
     <p:spTree>
       <p:nvGrpSpPr>
-        <p:cNvPr id="152" name="Shape 152"/>
+        <p:cNvPr id="1" name="Shape 152"/>
         <p:cNvGrpSpPr/>
         <p:nvPr/>
       </p:nvGrpSpPr>
@@ -824,20 +844,26 @@
       <p:sp>
         <p:nvSpPr>
           <p:cNvPr id="153" name="Google Shape;153;g3afeb016a2a_2_56:notes"/>
-          <p:cNvSpPr/>
+          <p:cNvSpPr>
+            <a:spLocks noGrp="1" noRot="1" noChangeAspect="1"/>
+          </p:cNvSpPr>
           <p:nvPr>
-            <p:ph idx="2" type="sldImg"/>
+            <p:ph type="sldImg" idx="2"/>
           </p:nvPr>
         </p:nvSpPr>
         <p:spPr>
           <a:xfrm>
-            <a:off x="381300" y="685800"/>
+            <a:off x="381000" y="685800"/>
             <a:ext cx="6096000" cy="3429000"/>
           </a:xfrm>
           <a:custGeom>
-            <a:rect b="b" l="l" r="r" t="t"/>
+            <a:avLst/>
+            <a:gdLst/>
+            <a:ahLst/>
+            <a:cxnLst/>
+            <a:rect l="l" t="t" r="r" b="b"/>
             <a:pathLst>
-              <a:path extrusionOk="0" h="120000" w="120000">
+              <a:path w="120000" h="120000" extrusionOk="0">
                 <a:moveTo>
                   <a:pt x="0" y="0"/>
                 </a:moveTo>
@@ -859,9 +885,11 @@
       <p:sp>
         <p:nvSpPr>
           <p:cNvPr id="154" name="Google Shape;154;g3afeb016a2a_2_56:notes"/>
-          <p:cNvSpPr txBox="1"/>
+          <p:cNvSpPr txBox="1">
+            <a:spLocks noGrp="1"/>
+          </p:cNvSpPr>
           <p:nvPr>
-            <p:ph idx="1" type="body"/>
+            <p:ph type="body" idx="1"/>
           </p:nvPr>
         </p:nvSpPr>
         <p:spPr>
@@ -874,12 +902,12 @@
           </a:prstGeom>
         </p:spPr>
         <p:txBody>
-          <a:bodyPr anchorCtr="0" anchor="t" bIns="91425" lIns="91425" spcFirstLastPara="1" rIns="91425" wrap="square" tIns="91425">
+          <a:bodyPr spcFirstLastPara="1" wrap="square" lIns="91425" tIns="91425" rIns="91425" bIns="91425" anchor="t" anchorCtr="0">
             <a:noAutofit/>
           </a:bodyPr>
           <a:lstStyle/>
           <a:p>
-            <a:pPr indent="0" lvl="0" marL="0" rtl="0" algn="l">
+            <a:pPr marL="0" lvl="0" indent="0" algn="l" rtl="0">
               <a:spcBef>
                 <a:spcPts val="0"/>
               </a:spcBef>
@@ -888,9 +916,6 @@
               </a:spcAft>
               <a:buNone/>
             </a:pPr>
-            <a:r>
-              <a:t/>
-            </a:r>
             <a:endParaRPr/>
           </a:p>
         </p:txBody>
@@ -904,11 +929,11 @@
 </file>
 
 <file path=ppt/notesSlides/notesSlide11.xml><?xml version="1.0" encoding="utf-8"?>
-<p:notes xmlns:a="http://schemas.openxmlformats.org/drawingml/2006/main" xmlns:r="http://schemas.openxmlformats.org/officeDocument/2006/relationships" xmlns:mc="http://schemas.openxmlformats.org/markup-compatibility/2006" xmlns:mv="urn:schemas-microsoft-com:mac:vml" xmlns:p="http://schemas.openxmlformats.org/presentationml/2006/main" xmlns:c="http://schemas.openxmlformats.org/drawingml/2006/chart" xmlns:dgm="http://schemas.openxmlformats.org/drawingml/2006/diagram" xmlns:o="urn:schemas-microsoft-com:office:office" xmlns:v="urn:schemas-microsoft-com:vml" xmlns:pvml="urn:schemas-microsoft-com:office:powerpoint" xmlns:com="http://schemas.openxmlformats.org/drawingml/2006/compatibility" xmlns:p14="http://schemas.microsoft.com/office/powerpoint/2010/main" xmlns:p15="http://schemas.microsoft.com/office/powerpoint/2012/main" xmlns:ahyp="http://schemas.microsoft.com/office/drawing/2018/hyperlinkcolor" showMasterPhAnim="0" showMasterSp="0">
+<p:notes xmlns:a="http://schemas.openxmlformats.org/drawingml/2006/main" xmlns:r="http://schemas.openxmlformats.org/officeDocument/2006/relationships" xmlns:p="http://schemas.openxmlformats.org/presentationml/2006/main" showMasterSp="0" showMasterPhAnim="0">
   <p:cSld>
     <p:spTree>
       <p:nvGrpSpPr>
-        <p:cNvPr id="159" name="Shape 159"/>
+        <p:cNvPr id="1" name="Shape 159"/>
         <p:cNvGrpSpPr/>
         <p:nvPr/>
       </p:nvGrpSpPr>
@@ -923,9 +948,11 @@
       <p:sp>
         <p:nvSpPr>
           <p:cNvPr id="160" name="Google Shape;160;g3afeb016a2a_2_70:notes"/>
-          <p:cNvSpPr/>
+          <p:cNvSpPr>
+            <a:spLocks noGrp="1" noRot="1" noChangeAspect="1"/>
+          </p:cNvSpPr>
           <p:nvPr>
-            <p:ph idx="2" type="sldImg"/>
+            <p:ph type="sldImg" idx="2"/>
           </p:nvPr>
         </p:nvSpPr>
         <p:spPr>
@@ -934,9 +961,13 @@
             <a:ext cx="6096000" cy="3429000"/>
           </a:xfrm>
           <a:custGeom>
-            <a:rect b="b" l="l" r="r" t="t"/>
+            <a:avLst/>
+            <a:gdLst/>
+            <a:ahLst/>
+            <a:cxnLst/>
+            <a:rect l="l" t="t" r="r" b="b"/>
             <a:pathLst>
-              <a:path extrusionOk="0" h="120000" w="120000">
+              <a:path w="120000" h="120000" extrusionOk="0">
                 <a:moveTo>
                   <a:pt x="0" y="0"/>
                 </a:moveTo>
@@ -958,9 +989,11 @@
       <p:sp>
         <p:nvSpPr>
           <p:cNvPr id="161" name="Google Shape;161;g3afeb016a2a_2_70:notes"/>
-          <p:cNvSpPr txBox="1"/>
+          <p:cNvSpPr txBox="1">
+            <a:spLocks noGrp="1"/>
+          </p:cNvSpPr>
           <p:nvPr>
-            <p:ph idx="1" type="body"/>
+            <p:ph type="body" idx="1"/>
           </p:nvPr>
         </p:nvSpPr>
         <p:spPr>
@@ -973,12 +1006,12 @@
           </a:prstGeom>
         </p:spPr>
         <p:txBody>
-          <a:bodyPr anchorCtr="0" anchor="t" bIns="91425" lIns="91425" spcFirstLastPara="1" rIns="91425" wrap="square" tIns="91425">
+          <a:bodyPr spcFirstLastPara="1" wrap="square" lIns="91425" tIns="91425" rIns="91425" bIns="91425" anchor="t" anchorCtr="0">
             <a:noAutofit/>
           </a:bodyPr>
           <a:lstStyle/>
           <a:p>
-            <a:pPr indent="0" lvl="0" marL="0" rtl="0" algn="l">
+            <a:pPr marL="0" lvl="0" indent="0" algn="l" rtl="0">
               <a:spcBef>
                 <a:spcPts val="0"/>
               </a:spcBef>
@@ -987,9 +1020,6 @@
               </a:spcAft>
               <a:buNone/>
             </a:pPr>
-            <a:r>
-              <a:t/>
-            </a:r>
             <a:endParaRPr/>
           </a:p>
         </p:txBody>
@@ -1003,11 +1033,11 @@
 </file>
 
 <file path=ppt/notesSlides/notesSlide2.xml><?xml version="1.0" encoding="utf-8"?>
-<p:notes xmlns:a="http://schemas.openxmlformats.org/drawingml/2006/main" xmlns:r="http://schemas.openxmlformats.org/officeDocument/2006/relationships" xmlns:mc="http://schemas.openxmlformats.org/markup-compatibility/2006" xmlns:mv="urn:schemas-microsoft-com:mac:vml" xmlns:p="http://schemas.openxmlformats.org/presentationml/2006/main" xmlns:c="http://schemas.openxmlformats.org/drawingml/2006/chart" xmlns:dgm="http://schemas.openxmlformats.org/drawingml/2006/diagram" xmlns:o="urn:schemas-microsoft-com:office:office" xmlns:v="urn:schemas-microsoft-com:vml" xmlns:pvml="urn:schemas-microsoft-com:office:powerpoint" xmlns:com="http://schemas.openxmlformats.org/drawingml/2006/compatibility" xmlns:p14="http://schemas.microsoft.com/office/powerpoint/2010/main" xmlns:p15="http://schemas.microsoft.com/office/powerpoint/2012/main" xmlns:ahyp="http://schemas.microsoft.com/office/drawing/2018/hyperlinkcolor" showMasterPhAnim="0" showMasterSp="0">
+<p:notes xmlns:a="http://schemas.openxmlformats.org/drawingml/2006/main" xmlns:r="http://schemas.openxmlformats.org/officeDocument/2006/relationships" xmlns:p="http://schemas.openxmlformats.org/presentationml/2006/main" showMasterSp="0" showMasterPhAnim="0">
   <p:cSld>
     <p:spTree>
       <p:nvGrpSpPr>
-        <p:cNvPr id="87" name="Shape 87"/>
+        <p:cNvPr id="1" name="Shape 87"/>
         <p:cNvGrpSpPr/>
         <p:nvPr/>
       </p:nvGrpSpPr>
@@ -1022,9 +1052,11 @@
       <p:sp>
         <p:nvSpPr>
           <p:cNvPr id="88" name="Google Shape;88;gc6f9e470d_0_24:notes"/>
-          <p:cNvSpPr/>
+          <p:cNvSpPr>
+            <a:spLocks noGrp="1" noRot="1" noChangeAspect="1"/>
+          </p:cNvSpPr>
           <p:nvPr>
-            <p:ph idx="2" type="sldImg"/>
+            <p:ph type="sldImg" idx="2"/>
           </p:nvPr>
         </p:nvSpPr>
         <p:spPr>
@@ -1033,9 +1065,13 @@
             <a:ext cx="6096300" cy="3429000"/>
           </a:xfrm>
           <a:custGeom>
-            <a:rect b="b" l="l" r="r" t="t"/>
+            <a:avLst/>
+            <a:gdLst/>
+            <a:ahLst/>
+            <a:cxnLst/>
+            <a:rect l="l" t="t" r="r" b="b"/>
             <a:pathLst>
-              <a:path extrusionOk="0" h="120000" w="120000">
+              <a:path w="120000" h="120000" extrusionOk="0">
                 <a:moveTo>
                   <a:pt x="0" y="0"/>
                 </a:moveTo>
@@ -1057,9 +1093,11 @@
       <p:sp>
         <p:nvSpPr>
           <p:cNvPr id="89" name="Google Shape;89;gc6f9e470d_0_24:notes"/>
-          <p:cNvSpPr txBox="1"/>
+          <p:cNvSpPr txBox="1">
+            <a:spLocks noGrp="1"/>
+          </p:cNvSpPr>
           <p:nvPr>
-            <p:ph idx="1" type="body"/>
+            <p:ph type="body" idx="1"/>
           </p:nvPr>
         </p:nvSpPr>
         <p:spPr>
@@ -1072,12 +1110,12 @@
           </a:prstGeom>
         </p:spPr>
         <p:txBody>
-          <a:bodyPr anchorCtr="0" anchor="t" bIns="91425" lIns="91425" spcFirstLastPara="1" rIns="91425" wrap="square" tIns="91425">
+          <a:bodyPr spcFirstLastPara="1" wrap="square" lIns="91425" tIns="91425" rIns="91425" bIns="91425" anchor="t" anchorCtr="0">
             <a:noAutofit/>
           </a:bodyPr>
           <a:lstStyle/>
           <a:p>
-            <a:pPr indent="0" lvl="0" marL="0" rtl="0" algn="l">
+            <a:pPr marL="0" lvl="0" indent="0" algn="l" rtl="0">
               <a:spcBef>
                 <a:spcPts val="0"/>
               </a:spcBef>
@@ -1086,9 +1124,6 @@
               </a:spcAft>
               <a:buNone/>
             </a:pPr>
-            <a:r>
-              <a:t/>
-            </a:r>
             <a:endParaRPr/>
           </a:p>
         </p:txBody>
@@ -1102,11 +1137,11 @@
 </file>
 
 <file path=ppt/notesSlides/notesSlide3.xml><?xml version="1.0" encoding="utf-8"?>
-<p:notes xmlns:a="http://schemas.openxmlformats.org/drawingml/2006/main" xmlns:r="http://schemas.openxmlformats.org/officeDocument/2006/relationships" xmlns:mc="http://schemas.openxmlformats.org/markup-compatibility/2006" xmlns:mv="urn:schemas-microsoft-com:mac:vml" xmlns:p="http://schemas.openxmlformats.org/presentationml/2006/main" xmlns:c="http://schemas.openxmlformats.org/drawingml/2006/chart" xmlns:dgm="http://schemas.openxmlformats.org/drawingml/2006/diagram" xmlns:o="urn:schemas-microsoft-com:office:office" xmlns:v="urn:schemas-microsoft-com:vml" xmlns:pvml="urn:schemas-microsoft-com:office:powerpoint" xmlns:com="http://schemas.openxmlformats.org/drawingml/2006/compatibility" xmlns:p14="http://schemas.microsoft.com/office/powerpoint/2010/main" xmlns:p15="http://schemas.microsoft.com/office/powerpoint/2012/main" xmlns:ahyp="http://schemas.microsoft.com/office/drawing/2018/hyperlinkcolor" showMasterPhAnim="0" showMasterSp="0">
+<p:notes xmlns:a="http://schemas.openxmlformats.org/drawingml/2006/main" xmlns:r="http://schemas.openxmlformats.org/officeDocument/2006/relationships" xmlns:p="http://schemas.openxmlformats.org/presentationml/2006/main" showMasterSp="0" showMasterPhAnim="0">
   <p:cSld>
     <p:spTree>
       <p:nvGrpSpPr>
-        <p:cNvPr id="101" name="Shape 101"/>
+        <p:cNvPr id="1" name="Shape 101"/>
         <p:cNvGrpSpPr/>
         <p:nvPr/>
       </p:nvGrpSpPr>
@@ -1121,9 +1156,11 @@
       <p:sp>
         <p:nvSpPr>
           <p:cNvPr id="102" name="Google Shape;102;g3afe94f2308_0_24:notes"/>
-          <p:cNvSpPr/>
+          <p:cNvSpPr>
+            <a:spLocks noGrp="1" noRot="1" noChangeAspect="1"/>
+          </p:cNvSpPr>
           <p:nvPr>
-            <p:ph idx="2" type="sldImg"/>
+            <p:ph type="sldImg" idx="2"/>
           </p:nvPr>
         </p:nvSpPr>
         <p:spPr>
@@ -1132,9 +1169,13 @@
             <a:ext cx="6096000" cy="3429000"/>
           </a:xfrm>
           <a:custGeom>
-            <a:rect b="b" l="l" r="r" t="t"/>
+            <a:avLst/>
+            <a:gdLst/>
+            <a:ahLst/>
+            <a:cxnLst/>
+            <a:rect l="l" t="t" r="r" b="b"/>
             <a:pathLst>
-              <a:path extrusionOk="0" h="120000" w="120000">
+              <a:path w="120000" h="120000" extrusionOk="0">
                 <a:moveTo>
                   <a:pt x="0" y="0"/>
                 </a:moveTo>
@@ -1156,9 +1197,11 @@
       <p:sp>
         <p:nvSpPr>
           <p:cNvPr id="103" name="Google Shape;103;g3afe94f2308_0_24:notes"/>
-          <p:cNvSpPr txBox="1"/>
+          <p:cNvSpPr txBox="1">
+            <a:spLocks noGrp="1"/>
+          </p:cNvSpPr>
           <p:nvPr>
-            <p:ph idx="1" type="body"/>
+            <p:ph type="body" idx="1"/>
           </p:nvPr>
         </p:nvSpPr>
         <p:spPr>
@@ -1171,12 +1214,12 @@
           </a:prstGeom>
         </p:spPr>
         <p:txBody>
-          <a:bodyPr anchorCtr="0" anchor="t" bIns="91425" lIns="91425" spcFirstLastPara="1" rIns="91425" wrap="square" tIns="91425">
+          <a:bodyPr spcFirstLastPara="1" wrap="square" lIns="91425" tIns="91425" rIns="91425" bIns="91425" anchor="t" anchorCtr="0">
             <a:noAutofit/>
           </a:bodyPr>
           <a:lstStyle/>
           <a:p>
-            <a:pPr indent="0" lvl="0" marL="0" rtl="0" algn="l">
+            <a:pPr marL="0" lvl="0" indent="0" algn="l" rtl="0">
               <a:spcBef>
                 <a:spcPts val="0"/>
               </a:spcBef>
@@ -1185,9 +1228,6 @@
               </a:spcAft>
               <a:buNone/>
             </a:pPr>
-            <a:r>
-              <a:t/>
-            </a:r>
             <a:endParaRPr/>
           </a:p>
         </p:txBody>
@@ -1201,11 +1241,11 @@
 </file>
 
 <file path=ppt/notesSlides/notesSlide4.xml><?xml version="1.0" encoding="utf-8"?>
-<p:notes xmlns:a="http://schemas.openxmlformats.org/drawingml/2006/main" xmlns:r="http://schemas.openxmlformats.org/officeDocument/2006/relationships" xmlns:mc="http://schemas.openxmlformats.org/markup-compatibility/2006" xmlns:mv="urn:schemas-microsoft-com:mac:vml" xmlns:p="http://schemas.openxmlformats.org/presentationml/2006/main" xmlns:c="http://schemas.openxmlformats.org/drawingml/2006/chart" xmlns:dgm="http://schemas.openxmlformats.org/drawingml/2006/diagram" xmlns:o="urn:schemas-microsoft-com:office:office" xmlns:v="urn:schemas-microsoft-com:vml" xmlns:pvml="urn:schemas-microsoft-com:office:powerpoint" xmlns:com="http://schemas.openxmlformats.org/drawingml/2006/compatibility" xmlns:p14="http://schemas.microsoft.com/office/powerpoint/2010/main" xmlns:p15="http://schemas.microsoft.com/office/powerpoint/2012/main" xmlns:ahyp="http://schemas.microsoft.com/office/drawing/2018/hyperlinkcolor" showMasterPhAnim="0" showMasterSp="0">
+<p:notes xmlns:a="http://schemas.openxmlformats.org/drawingml/2006/main" xmlns:r="http://schemas.openxmlformats.org/officeDocument/2006/relationships" xmlns:p="http://schemas.openxmlformats.org/presentationml/2006/main" showMasterSp="0" showMasterPhAnim="0">
   <p:cSld>
     <p:spTree>
       <p:nvGrpSpPr>
-        <p:cNvPr id="109" name="Shape 109"/>
+        <p:cNvPr id="1" name="Shape 109"/>
         <p:cNvGrpSpPr/>
         <p:nvPr/>
       </p:nvGrpSpPr>
@@ -1220,9 +1260,11 @@
       <p:sp>
         <p:nvSpPr>
           <p:cNvPr id="110" name="Google Shape;110;g3afe94f2308_0_49:notes"/>
-          <p:cNvSpPr/>
+          <p:cNvSpPr>
+            <a:spLocks noGrp="1" noRot="1" noChangeAspect="1"/>
+          </p:cNvSpPr>
           <p:nvPr>
-            <p:ph idx="2" type="sldImg"/>
+            <p:ph type="sldImg" idx="2"/>
           </p:nvPr>
         </p:nvSpPr>
         <p:spPr>
@@ -1231,9 +1273,13 @@
             <a:ext cx="6096000" cy="3429000"/>
           </a:xfrm>
           <a:custGeom>
-            <a:rect b="b" l="l" r="r" t="t"/>
+            <a:avLst/>
+            <a:gdLst/>
+            <a:ahLst/>
+            <a:cxnLst/>
+            <a:rect l="l" t="t" r="r" b="b"/>
             <a:pathLst>
-              <a:path extrusionOk="0" h="120000" w="120000">
+              <a:path w="120000" h="120000" extrusionOk="0">
                 <a:moveTo>
                   <a:pt x="0" y="0"/>
                 </a:moveTo>
@@ -1255,9 +1301,11 @@
       <p:sp>
         <p:nvSpPr>
           <p:cNvPr id="111" name="Google Shape;111;g3afe94f2308_0_49:notes"/>
-          <p:cNvSpPr txBox="1"/>
+          <p:cNvSpPr txBox="1">
+            <a:spLocks noGrp="1"/>
+          </p:cNvSpPr>
           <p:nvPr>
-            <p:ph idx="1" type="body"/>
+            <p:ph type="body" idx="1"/>
           </p:nvPr>
         </p:nvSpPr>
         <p:spPr>
@@ -1270,12 +1318,12 @@
           </a:prstGeom>
         </p:spPr>
         <p:txBody>
-          <a:bodyPr anchorCtr="0" anchor="t" bIns="91425" lIns="91425" spcFirstLastPara="1" rIns="91425" wrap="square" tIns="91425">
+          <a:bodyPr spcFirstLastPara="1" wrap="square" lIns="91425" tIns="91425" rIns="91425" bIns="91425" anchor="t" anchorCtr="0">
             <a:noAutofit/>
           </a:bodyPr>
           <a:lstStyle/>
           <a:p>
-            <a:pPr indent="0" lvl="0" marL="0" rtl="0" algn="l">
+            <a:pPr marL="0" lvl="0" indent="0" algn="l" rtl="0">
               <a:spcBef>
                 <a:spcPts val="0"/>
               </a:spcBef>
@@ -1284,9 +1332,6 @@
               </a:spcAft>
               <a:buNone/>
             </a:pPr>
-            <a:r>
-              <a:t/>
-            </a:r>
             <a:endParaRPr/>
           </a:p>
         </p:txBody>
@@ -1300,11 +1345,11 @@
 </file>
 
 <file path=ppt/notesSlides/notesSlide5.xml><?xml version="1.0" encoding="utf-8"?>
-<p:notes xmlns:a="http://schemas.openxmlformats.org/drawingml/2006/main" xmlns:r="http://schemas.openxmlformats.org/officeDocument/2006/relationships" xmlns:mc="http://schemas.openxmlformats.org/markup-compatibility/2006" xmlns:mv="urn:schemas-microsoft-com:mac:vml" xmlns:p="http://schemas.openxmlformats.org/presentationml/2006/main" xmlns:c="http://schemas.openxmlformats.org/drawingml/2006/chart" xmlns:dgm="http://schemas.openxmlformats.org/drawingml/2006/diagram" xmlns:o="urn:schemas-microsoft-com:office:office" xmlns:v="urn:schemas-microsoft-com:vml" xmlns:pvml="urn:schemas-microsoft-com:office:powerpoint" xmlns:com="http://schemas.openxmlformats.org/drawingml/2006/compatibility" xmlns:p14="http://schemas.microsoft.com/office/powerpoint/2010/main" xmlns:p15="http://schemas.microsoft.com/office/powerpoint/2012/main" xmlns:ahyp="http://schemas.microsoft.com/office/drawing/2018/hyperlinkcolor" showMasterPhAnim="0" showMasterSp="0">
+<p:notes xmlns:a="http://schemas.openxmlformats.org/drawingml/2006/main" xmlns:r="http://schemas.openxmlformats.org/officeDocument/2006/relationships" xmlns:p="http://schemas.openxmlformats.org/presentationml/2006/main" showMasterSp="0" showMasterPhAnim="0">
   <p:cSld>
     <p:spTree>
       <p:nvGrpSpPr>
-        <p:cNvPr id="116" name="Shape 116"/>
+        <p:cNvPr id="1" name="Shape 116"/>
         <p:cNvGrpSpPr/>
         <p:nvPr/>
       </p:nvGrpSpPr>
@@ -1319,9 +1364,11 @@
       <p:sp>
         <p:nvSpPr>
           <p:cNvPr id="117" name="Google Shape;117;g3afe94f2308_0_61:notes"/>
-          <p:cNvSpPr/>
+          <p:cNvSpPr>
+            <a:spLocks noGrp="1" noRot="1" noChangeAspect="1"/>
+          </p:cNvSpPr>
           <p:nvPr>
-            <p:ph idx="2" type="sldImg"/>
+            <p:ph type="sldImg" idx="2"/>
           </p:nvPr>
         </p:nvSpPr>
         <p:spPr>
@@ -1330,9 +1377,13 @@
             <a:ext cx="6096000" cy="3429000"/>
           </a:xfrm>
           <a:custGeom>
-            <a:rect b="b" l="l" r="r" t="t"/>
+            <a:avLst/>
+            <a:gdLst/>
+            <a:ahLst/>
+            <a:cxnLst/>
+            <a:rect l="l" t="t" r="r" b="b"/>
             <a:pathLst>
-              <a:path extrusionOk="0" h="120000" w="120000">
+              <a:path w="120000" h="120000" extrusionOk="0">
                 <a:moveTo>
                   <a:pt x="0" y="0"/>
                 </a:moveTo>
@@ -1354,9 +1405,11 @@
       <p:sp>
         <p:nvSpPr>
           <p:cNvPr id="118" name="Google Shape;118;g3afe94f2308_0_61:notes"/>
-          <p:cNvSpPr txBox="1"/>
+          <p:cNvSpPr txBox="1">
+            <a:spLocks noGrp="1"/>
+          </p:cNvSpPr>
           <p:nvPr>
-            <p:ph idx="1" type="body"/>
+            <p:ph type="body" idx="1"/>
           </p:nvPr>
         </p:nvSpPr>
         <p:spPr>
@@ -1369,12 +1422,12 @@
           </a:prstGeom>
         </p:spPr>
         <p:txBody>
-          <a:bodyPr anchorCtr="0" anchor="t" bIns="91425" lIns="91425" spcFirstLastPara="1" rIns="91425" wrap="square" tIns="91425">
+          <a:bodyPr spcFirstLastPara="1" wrap="square" lIns="91425" tIns="91425" rIns="91425" bIns="91425" anchor="t" anchorCtr="0">
             <a:noAutofit/>
           </a:bodyPr>
           <a:lstStyle/>
           <a:p>
-            <a:pPr indent="0" lvl="0" marL="0" rtl="0" algn="l">
+            <a:pPr marL="0" lvl="0" indent="0" algn="l" rtl="0">
               <a:spcBef>
                 <a:spcPts val="0"/>
               </a:spcBef>
@@ -1383,9 +1436,6 @@
               </a:spcAft>
               <a:buNone/>
             </a:pPr>
-            <a:r>
-              <a:t/>
-            </a:r>
             <a:endParaRPr/>
           </a:p>
         </p:txBody>
@@ -1399,11 +1449,11 @@
 </file>
 
 <file path=ppt/notesSlides/notesSlide6.xml><?xml version="1.0" encoding="utf-8"?>
-<p:notes xmlns:a="http://schemas.openxmlformats.org/drawingml/2006/main" xmlns:r="http://schemas.openxmlformats.org/officeDocument/2006/relationships" xmlns:mc="http://schemas.openxmlformats.org/markup-compatibility/2006" xmlns:mv="urn:schemas-microsoft-com:mac:vml" xmlns:p="http://schemas.openxmlformats.org/presentationml/2006/main" xmlns:c="http://schemas.openxmlformats.org/drawingml/2006/chart" xmlns:dgm="http://schemas.openxmlformats.org/drawingml/2006/diagram" xmlns:o="urn:schemas-microsoft-com:office:office" xmlns:v="urn:schemas-microsoft-com:vml" xmlns:pvml="urn:schemas-microsoft-com:office:powerpoint" xmlns:com="http://schemas.openxmlformats.org/drawingml/2006/compatibility" xmlns:p14="http://schemas.microsoft.com/office/powerpoint/2010/main" xmlns:p15="http://schemas.microsoft.com/office/powerpoint/2012/main" xmlns:ahyp="http://schemas.microsoft.com/office/drawing/2018/hyperlinkcolor" showMasterPhAnim="0" showMasterSp="0">
+<p:notes xmlns:a="http://schemas.openxmlformats.org/drawingml/2006/main" xmlns:r="http://schemas.openxmlformats.org/officeDocument/2006/relationships" xmlns:p="http://schemas.openxmlformats.org/presentationml/2006/main" showMasterSp="0" showMasterPhAnim="0">
   <p:cSld>
     <p:spTree>
       <p:nvGrpSpPr>
-        <p:cNvPr id="124" name="Shape 124"/>
+        <p:cNvPr id="1" name="Shape 124"/>
         <p:cNvGrpSpPr/>
         <p:nvPr/>
       </p:nvGrpSpPr>
@@ -1418,9 +1468,11 @@
       <p:sp>
         <p:nvSpPr>
           <p:cNvPr id="125" name="Google Shape;125;g3afe94f2308_0_71:notes"/>
-          <p:cNvSpPr/>
+          <p:cNvSpPr>
+            <a:spLocks noGrp="1" noRot="1" noChangeAspect="1"/>
+          </p:cNvSpPr>
           <p:nvPr>
-            <p:ph idx="2" type="sldImg"/>
+            <p:ph type="sldImg" idx="2"/>
           </p:nvPr>
         </p:nvSpPr>
         <p:spPr>
@@ -1429,9 +1481,13 @@
             <a:ext cx="6096000" cy="3429000"/>
           </a:xfrm>
           <a:custGeom>
-            <a:rect b="b" l="l" r="r" t="t"/>
+            <a:avLst/>
+            <a:gdLst/>
+            <a:ahLst/>
+            <a:cxnLst/>
+            <a:rect l="l" t="t" r="r" b="b"/>
             <a:pathLst>
-              <a:path extrusionOk="0" h="120000" w="120000">
+              <a:path w="120000" h="120000" extrusionOk="0">
                 <a:moveTo>
                   <a:pt x="0" y="0"/>
                 </a:moveTo>
@@ -1453,9 +1509,11 @@
       <p:sp>
         <p:nvSpPr>
           <p:cNvPr id="126" name="Google Shape;126;g3afe94f2308_0_71:notes"/>
-          <p:cNvSpPr txBox="1"/>
+          <p:cNvSpPr txBox="1">
+            <a:spLocks noGrp="1"/>
+          </p:cNvSpPr>
           <p:nvPr>
-            <p:ph idx="1" type="body"/>
+            <p:ph type="body" idx="1"/>
           </p:nvPr>
         </p:nvSpPr>
         <p:spPr>
@@ -1468,12 +1526,12 @@
           </a:prstGeom>
         </p:spPr>
         <p:txBody>
-          <a:bodyPr anchorCtr="0" anchor="t" bIns="91425" lIns="91425" spcFirstLastPara="1" rIns="91425" wrap="square" tIns="91425">
+          <a:bodyPr spcFirstLastPara="1" wrap="square" lIns="91425" tIns="91425" rIns="91425" bIns="91425" anchor="t" anchorCtr="0">
             <a:noAutofit/>
           </a:bodyPr>
           <a:lstStyle/>
           <a:p>
-            <a:pPr indent="0" lvl="0" marL="0" rtl="0" algn="l">
+            <a:pPr marL="0" lvl="0" indent="0" algn="l" rtl="0">
               <a:spcBef>
                 <a:spcPts val="0"/>
               </a:spcBef>
@@ -1482,9 +1540,6 @@
               </a:spcAft>
               <a:buNone/>
             </a:pPr>
-            <a:r>
-              <a:t/>
-            </a:r>
             <a:endParaRPr/>
           </a:p>
         </p:txBody>
@@ -1498,11 +1553,11 @@
 </file>
 
 <file path=ppt/notesSlides/notesSlide7.xml><?xml version="1.0" encoding="utf-8"?>
-<p:notes xmlns:a="http://schemas.openxmlformats.org/drawingml/2006/main" xmlns:r="http://schemas.openxmlformats.org/officeDocument/2006/relationships" xmlns:mc="http://schemas.openxmlformats.org/markup-compatibility/2006" xmlns:mv="urn:schemas-microsoft-com:mac:vml" xmlns:p="http://schemas.openxmlformats.org/presentationml/2006/main" xmlns:c="http://schemas.openxmlformats.org/drawingml/2006/chart" xmlns:dgm="http://schemas.openxmlformats.org/drawingml/2006/diagram" xmlns:o="urn:schemas-microsoft-com:office:office" xmlns:v="urn:schemas-microsoft-com:vml" xmlns:pvml="urn:schemas-microsoft-com:office:powerpoint" xmlns:com="http://schemas.openxmlformats.org/drawingml/2006/compatibility" xmlns:p14="http://schemas.microsoft.com/office/powerpoint/2010/main" xmlns:p15="http://schemas.microsoft.com/office/powerpoint/2012/main" xmlns:ahyp="http://schemas.microsoft.com/office/drawing/2018/hyperlinkcolor" showMasterPhAnim="0" showMasterSp="0">
+<p:notes xmlns:a="http://schemas.openxmlformats.org/drawingml/2006/main" xmlns:r="http://schemas.openxmlformats.org/officeDocument/2006/relationships" xmlns:p="http://schemas.openxmlformats.org/presentationml/2006/main" showMasterSp="0" showMasterPhAnim="0">
   <p:cSld>
     <p:spTree>
       <p:nvGrpSpPr>
-        <p:cNvPr id="132" name="Shape 132"/>
+        <p:cNvPr id="1" name="Shape 132"/>
         <p:cNvGrpSpPr/>
         <p:nvPr/>
       </p:nvGrpSpPr>
@@ -1517,9 +1572,11 @@
       <p:sp>
         <p:nvSpPr>
           <p:cNvPr id="133" name="Google Shape;133;g3afeb016a2a_2_3:notes"/>
-          <p:cNvSpPr/>
+          <p:cNvSpPr>
+            <a:spLocks noGrp="1" noRot="1" noChangeAspect="1"/>
+          </p:cNvSpPr>
           <p:nvPr>
-            <p:ph idx="2" type="sldImg"/>
+            <p:ph type="sldImg" idx="2"/>
           </p:nvPr>
         </p:nvSpPr>
         <p:spPr>
@@ -1528,9 +1585,13 @@
             <a:ext cx="6096000" cy="3429000"/>
           </a:xfrm>
           <a:custGeom>
-            <a:rect b="b" l="l" r="r" t="t"/>
+            <a:avLst/>
+            <a:gdLst/>
+            <a:ahLst/>
+            <a:cxnLst/>
+            <a:rect l="l" t="t" r="r" b="b"/>
             <a:pathLst>
-              <a:path extrusionOk="0" h="120000" w="120000">
+              <a:path w="120000" h="120000" extrusionOk="0">
                 <a:moveTo>
                   <a:pt x="0" y="0"/>
                 </a:moveTo>
@@ -1552,9 +1613,11 @@
       <p:sp>
         <p:nvSpPr>
           <p:cNvPr id="134" name="Google Shape;134;g3afeb016a2a_2_3:notes"/>
-          <p:cNvSpPr txBox="1"/>
+          <p:cNvSpPr txBox="1">
+            <a:spLocks noGrp="1"/>
+          </p:cNvSpPr>
           <p:nvPr>
-            <p:ph idx="1" type="body"/>
+            <p:ph type="body" idx="1"/>
           </p:nvPr>
         </p:nvSpPr>
         <p:spPr>
@@ -1567,12 +1630,12 @@
           </a:prstGeom>
         </p:spPr>
         <p:txBody>
-          <a:bodyPr anchorCtr="0" anchor="t" bIns="91425" lIns="91425" spcFirstLastPara="1" rIns="91425" wrap="square" tIns="91425">
+          <a:bodyPr spcFirstLastPara="1" wrap="square" lIns="91425" tIns="91425" rIns="91425" bIns="91425" anchor="t" anchorCtr="0">
             <a:noAutofit/>
           </a:bodyPr>
           <a:lstStyle/>
           <a:p>
-            <a:pPr indent="0" lvl="0" marL="0" rtl="0" algn="l">
+            <a:pPr marL="0" lvl="0" indent="0" algn="l" rtl="0">
               <a:spcBef>
                 <a:spcPts val="0"/>
               </a:spcBef>
@@ -1581,9 +1644,6 @@
               </a:spcAft>
               <a:buNone/>
             </a:pPr>
-            <a:r>
-              <a:t/>
-            </a:r>
             <a:endParaRPr/>
           </a:p>
         </p:txBody>
@@ -1597,11 +1657,11 @@
 </file>
 
 <file path=ppt/notesSlides/notesSlide8.xml><?xml version="1.0" encoding="utf-8"?>
-<p:notes xmlns:a="http://schemas.openxmlformats.org/drawingml/2006/main" xmlns:r="http://schemas.openxmlformats.org/officeDocument/2006/relationships" xmlns:mc="http://schemas.openxmlformats.org/markup-compatibility/2006" xmlns:mv="urn:schemas-microsoft-com:mac:vml" xmlns:p="http://schemas.openxmlformats.org/presentationml/2006/main" xmlns:c="http://schemas.openxmlformats.org/drawingml/2006/chart" xmlns:dgm="http://schemas.openxmlformats.org/drawingml/2006/diagram" xmlns:o="urn:schemas-microsoft-com:office:office" xmlns:v="urn:schemas-microsoft-com:vml" xmlns:pvml="urn:schemas-microsoft-com:office:powerpoint" xmlns:com="http://schemas.openxmlformats.org/drawingml/2006/compatibility" xmlns:p14="http://schemas.microsoft.com/office/powerpoint/2010/main" xmlns:p15="http://schemas.microsoft.com/office/powerpoint/2012/main" xmlns:ahyp="http://schemas.microsoft.com/office/drawing/2018/hyperlinkcolor" showMasterPhAnim="0" showMasterSp="0">
+<p:notes xmlns:a="http://schemas.openxmlformats.org/drawingml/2006/main" xmlns:r="http://schemas.openxmlformats.org/officeDocument/2006/relationships" xmlns:p="http://schemas.openxmlformats.org/presentationml/2006/main" showMasterSp="0" showMasterPhAnim="0">
   <p:cSld>
     <p:spTree>
       <p:nvGrpSpPr>
-        <p:cNvPr id="140" name="Shape 140"/>
+        <p:cNvPr id="1" name="Shape 140"/>
         <p:cNvGrpSpPr/>
         <p:nvPr/>
       </p:nvGrpSpPr>
@@ -1616,9 +1676,11 @@
       <p:sp>
         <p:nvSpPr>
           <p:cNvPr id="141" name="Google Shape;141;g3afeb016a2a_2_8:notes"/>
-          <p:cNvSpPr/>
+          <p:cNvSpPr>
+            <a:spLocks noGrp="1" noRot="1" noChangeAspect="1"/>
+          </p:cNvSpPr>
           <p:nvPr>
-            <p:ph idx="2" type="sldImg"/>
+            <p:ph type="sldImg" idx="2"/>
           </p:nvPr>
         </p:nvSpPr>
         <p:spPr>
@@ -1627,9 +1689,13 @@
             <a:ext cx="6096000" cy="3429000"/>
           </a:xfrm>
           <a:custGeom>
-            <a:rect b="b" l="l" r="r" t="t"/>
+            <a:avLst/>
+            <a:gdLst/>
+            <a:ahLst/>
+            <a:cxnLst/>
+            <a:rect l="l" t="t" r="r" b="b"/>
             <a:pathLst>
-              <a:path extrusionOk="0" h="120000" w="120000">
+              <a:path w="120000" h="120000" extrusionOk="0">
                 <a:moveTo>
                   <a:pt x="0" y="0"/>
                 </a:moveTo>
@@ -1651,9 +1717,11 @@
       <p:sp>
         <p:nvSpPr>
           <p:cNvPr id="142" name="Google Shape;142;g3afeb016a2a_2_8:notes"/>
-          <p:cNvSpPr txBox="1"/>
+          <p:cNvSpPr txBox="1">
+            <a:spLocks noGrp="1"/>
+          </p:cNvSpPr>
           <p:nvPr>
-            <p:ph idx="1" type="body"/>
+            <p:ph type="body" idx="1"/>
           </p:nvPr>
         </p:nvSpPr>
         <p:spPr>
@@ -1666,12 +1734,12 @@
           </a:prstGeom>
         </p:spPr>
         <p:txBody>
-          <a:bodyPr anchorCtr="0" anchor="t" bIns="91425" lIns="91425" spcFirstLastPara="1" rIns="91425" wrap="square" tIns="91425">
+          <a:bodyPr spcFirstLastPara="1" wrap="square" lIns="91425" tIns="91425" rIns="91425" bIns="91425" anchor="t" anchorCtr="0">
             <a:noAutofit/>
           </a:bodyPr>
           <a:lstStyle/>
           <a:p>
-            <a:pPr indent="0" lvl="0" marL="0" rtl="0" algn="l">
+            <a:pPr marL="0" lvl="0" indent="0" algn="l" rtl="0">
               <a:spcBef>
                 <a:spcPts val="0"/>
               </a:spcBef>
@@ -1680,9 +1748,6 @@
               </a:spcAft>
               <a:buNone/>
             </a:pPr>
-            <a:r>
-              <a:t/>
-            </a:r>
             <a:endParaRPr/>
           </a:p>
         </p:txBody>
@@ -1696,11 +1761,11 @@
 </file>
 
 <file path=ppt/notesSlides/notesSlide9.xml><?xml version="1.0" encoding="utf-8"?>
-<p:notes xmlns:a="http://schemas.openxmlformats.org/drawingml/2006/main" xmlns:r="http://schemas.openxmlformats.org/officeDocument/2006/relationships" xmlns:mc="http://schemas.openxmlformats.org/markup-compatibility/2006" xmlns:mv="urn:schemas-microsoft-com:mac:vml" xmlns:p="http://schemas.openxmlformats.org/presentationml/2006/main" xmlns:c="http://schemas.openxmlformats.org/drawingml/2006/chart" xmlns:dgm="http://schemas.openxmlformats.org/drawingml/2006/diagram" xmlns:o="urn:schemas-microsoft-com:office:office" xmlns:v="urn:schemas-microsoft-com:vml" xmlns:pvml="urn:schemas-microsoft-com:office:powerpoint" xmlns:com="http://schemas.openxmlformats.org/drawingml/2006/compatibility" xmlns:p14="http://schemas.microsoft.com/office/powerpoint/2010/main" xmlns:p15="http://schemas.microsoft.com/office/powerpoint/2012/main" xmlns:ahyp="http://schemas.microsoft.com/office/drawing/2018/hyperlinkcolor" showMasterPhAnim="0" showMasterSp="0">
+<p:notes xmlns:a="http://schemas.openxmlformats.org/drawingml/2006/main" xmlns:r="http://schemas.openxmlformats.org/officeDocument/2006/relationships" xmlns:p="http://schemas.openxmlformats.org/presentationml/2006/main" showMasterSp="0" showMasterPhAnim="0">
   <p:cSld>
     <p:spTree>
       <p:nvGrpSpPr>
-        <p:cNvPr id="146" name="Shape 146"/>
+        <p:cNvPr id="1" name="Shape 146"/>
         <p:cNvGrpSpPr/>
         <p:nvPr/>
       </p:nvGrpSpPr>
@@ -1715,9 +1780,11 @@
       <p:sp>
         <p:nvSpPr>
           <p:cNvPr id="147" name="Google Shape;147;g3afeb016a2a_2_45:notes"/>
-          <p:cNvSpPr/>
+          <p:cNvSpPr>
+            <a:spLocks noGrp="1" noRot="1" noChangeAspect="1"/>
+          </p:cNvSpPr>
           <p:nvPr>
-            <p:ph idx="2" type="sldImg"/>
+            <p:ph type="sldImg" idx="2"/>
           </p:nvPr>
         </p:nvSpPr>
         <p:spPr>
@@ -1726,9 +1793,13 @@
             <a:ext cx="6096000" cy="3429000"/>
           </a:xfrm>
           <a:custGeom>
-            <a:rect b="b" l="l" r="r" t="t"/>
+            <a:avLst/>
+            <a:gdLst/>
+            <a:ahLst/>
+            <a:cxnLst/>
+            <a:rect l="l" t="t" r="r" b="b"/>
             <a:pathLst>
-              <a:path extrusionOk="0" h="120000" w="120000">
+              <a:path w="120000" h="120000" extrusionOk="0">
                 <a:moveTo>
                   <a:pt x="0" y="0"/>
                 </a:moveTo>
@@ -1750,9 +1821,11 @@
       <p:sp>
         <p:nvSpPr>
           <p:cNvPr id="148" name="Google Shape;148;g3afeb016a2a_2_45:notes"/>
-          <p:cNvSpPr txBox="1"/>
+          <p:cNvSpPr txBox="1">
+            <a:spLocks noGrp="1"/>
+          </p:cNvSpPr>
           <p:nvPr>
-            <p:ph idx="1" type="body"/>
+            <p:ph type="body" idx="1"/>
           </p:nvPr>
         </p:nvSpPr>
         <p:spPr>
@@ -1765,12 +1838,12 @@
           </a:prstGeom>
         </p:spPr>
         <p:txBody>
-          <a:bodyPr anchorCtr="0" anchor="t" bIns="91425" lIns="91425" spcFirstLastPara="1" rIns="91425" wrap="square" tIns="91425">
+          <a:bodyPr spcFirstLastPara="1" wrap="square" lIns="91425" tIns="91425" rIns="91425" bIns="91425" anchor="t" anchorCtr="0">
             <a:noAutofit/>
           </a:bodyPr>
           <a:lstStyle/>
           <a:p>
-            <a:pPr indent="0" lvl="0" marL="0" rtl="0" algn="l">
+            <a:pPr marL="0" lvl="0" indent="0" algn="l" rtl="0">
               <a:spcBef>
                 <a:spcPts val="0"/>
               </a:spcBef>
@@ -1779,9 +1852,6 @@
               </a:spcAft>
               <a:buNone/>
             </a:pPr>
-            <a:r>
-              <a:t/>
-            </a:r>
             <a:endParaRPr/>
           </a:p>
         </p:txBody>
@@ -1795,18 +1865,19 @@
 </file>
 
 <file path=ppt/slideLayouts/slideLayout1.xml><?xml version="1.0" encoding="utf-8"?>
-<p:sldLayout xmlns:a="http://schemas.openxmlformats.org/drawingml/2006/main" xmlns:r="http://schemas.openxmlformats.org/officeDocument/2006/relationships" xmlns:mc="http://schemas.openxmlformats.org/markup-compatibility/2006" xmlns:mv="urn:schemas-microsoft-com:mac:vml" xmlns:p="http://schemas.openxmlformats.org/presentationml/2006/main" xmlns:c="http://schemas.openxmlformats.org/drawingml/2006/chart" xmlns:dgm="http://schemas.openxmlformats.org/drawingml/2006/diagram" xmlns:o="urn:schemas-microsoft-com:office:office" xmlns:v="urn:schemas-microsoft-com:vml" xmlns:pvml="urn:schemas-microsoft-com:office:powerpoint" xmlns:com="http://schemas.openxmlformats.org/drawingml/2006/compatibility" xmlns:p14="http://schemas.microsoft.com/office/powerpoint/2010/main" xmlns:p15="http://schemas.microsoft.com/office/powerpoint/2012/main" xmlns:ahyp="http://schemas.microsoft.com/office/drawing/2018/hyperlinkcolor" matchingName="Title slide" type="title">
+<p:sldLayout xmlns:a="http://schemas.openxmlformats.org/drawingml/2006/main" xmlns:r="http://schemas.openxmlformats.org/officeDocument/2006/relationships" xmlns:p="http://schemas.openxmlformats.org/presentationml/2006/main" matchingName="Title slide" type="title">
   <p:cSld name="TITLE">
     <p:bg>
       <p:bgPr>
         <a:solidFill>
           <a:schemeClr val="dk1"/>
         </a:solidFill>
+        <a:effectLst/>
       </p:bgPr>
     </p:bg>
     <p:spTree>
       <p:nvGrpSpPr>
-        <p:cNvPr id="9" name="Shape 9"/>
+        <p:cNvPr id="1" name="Shape 9"/>
         <p:cNvGrpSpPr/>
         <p:nvPr/>
       </p:nvGrpSpPr>
@@ -1854,12 +1925,12 @@
             </a:ln>
           </p:spPr>
           <p:txBody>
-            <a:bodyPr anchorCtr="0" anchor="ctr" bIns="91425" lIns="91425" spcFirstLastPara="1" rIns="91425" wrap="square" tIns="91425">
+            <a:bodyPr spcFirstLastPara="1" wrap="square" lIns="91425" tIns="91425" rIns="91425" bIns="91425" anchor="ctr" anchorCtr="0">
               <a:noAutofit/>
             </a:bodyPr>
             <a:lstStyle/>
             <a:p>
-              <a:pPr indent="0" lvl="0" marL="0" rtl="0" algn="l">
+              <a:pPr marL="0" lvl="0" indent="0" algn="l" rtl="0">
                 <a:spcBef>
                   <a:spcPts val="0"/>
                 </a:spcBef>
@@ -1868,9 +1939,6 @@
                 </a:spcAft>
                 <a:buNone/>
               </a:pPr>
-              <a:r>
-                <a:t/>
-              </a:r>
               <a:endParaRPr/>
             </a:p>
           </p:txBody>
@@ -1897,12 +1965,12 @@
             </a:ln>
           </p:spPr>
           <p:txBody>
-            <a:bodyPr anchorCtr="0" anchor="ctr" bIns="91425" lIns="91425" spcFirstLastPara="1" rIns="91425" wrap="square" tIns="91425">
+            <a:bodyPr spcFirstLastPara="1" wrap="square" lIns="91425" tIns="91425" rIns="91425" bIns="91425" anchor="ctr" anchorCtr="0">
               <a:noAutofit/>
             </a:bodyPr>
             <a:lstStyle/>
             <a:p>
-              <a:pPr indent="0" lvl="0" marL="0" rtl="0" algn="l">
+              <a:pPr marL="0" lvl="0" indent="0" algn="l" rtl="0">
                 <a:spcBef>
                   <a:spcPts val="0"/>
                 </a:spcBef>
@@ -1911,9 +1979,6 @@
                 </a:spcAft>
                 <a:buNone/>
               </a:pPr>
-              <a:r>
-                <a:t/>
-              </a:r>
               <a:endParaRPr/>
             </a:p>
           </p:txBody>
@@ -1925,7 +1990,7 @@
             <p:nvPr/>
           </p:nvSpPr>
           <p:spPr>
-            <a:xfrm flipH="1" rot="10800000">
+            <a:xfrm rot="10800000" flipH="1">
               <a:off x="7113588" y="107"/>
               <a:ext cx="1015200" cy="1015200"/>
             </a:xfrm>
@@ -1940,12 +2005,12 @@
             </a:ln>
           </p:spPr>
           <p:txBody>
-            <a:bodyPr anchorCtr="0" anchor="ctr" bIns="91425" lIns="91425" spcFirstLastPara="1" rIns="91425" wrap="square" tIns="91425">
+            <a:bodyPr spcFirstLastPara="1" wrap="square" lIns="91425" tIns="91425" rIns="91425" bIns="91425" anchor="ctr" anchorCtr="0">
               <a:noAutofit/>
             </a:bodyPr>
             <a:lstStyle/>
             <a:p>
-              <a:pPr indent="0" lvl="0" marL="0" rtl="0" algn="l">
+              <a:pPr marL="0" lvl="0" indent="0" algn="l" rtl="0">
                 <a:spcBef>
                   <a:spcPts val="0"/>
                 </a:spcBef>
@@ -1954,9 +2019,6 @@
                 </a:spcAft>
                 <a:buNone/>
               </a:pPr>
-              <a:r>
-                <a:t/>
-              </a:r>
               <a:endParaRPr/>
             </a:p>
           </p:txBody>
@@ -1983,12 +2045,12 @@
             </a:ln>
           </p:spPr>
           <p:txBody>
-            <a:bodyPr anchorCtr="0" anchor="ctr" bIns="91425" lIns="91425" spcFirstLastPara="1" rIns="91425" wrap="square" tIns="91425">
+            <a:bodyPr spcFirstLastPara="1" wrap="square" lIns="91425" tIns="91425" rIns="91425" bIns="91425" anchor="ctr" anchorCtr="0">
               <a:noAutofit/>
             </a:bodyPr>
             <a:lstStyle/>
             <a:p>
-              <a:pPr indent="0" lvl="0" marL="0" rtl="0" algn="l">
+              <a:pPr marL="0" lvl="0" indent="0" algn="l" rtl="0">
                 <a:spcBef>
                   <a:spcPts val="0"/>
                 </a:spcBef>
@@ -1997,9 +2059,6 @@
                 </a:spcAft>
                 <a:buNone/>
               </a:pPr>
-              <a:r>
-                <a:t/>
-              </a:r>
               <a:endParaRPr/>
             </a:p>
           </p:txBody>
@@ -2026,12 +2085,12 @@
             </a:ln>
           </p:spPr>
           <p:txBody>
-            <a:bodyPr anchorCtr="0" anchor="ctr" bIns="91425" lIns="91425" spcFirstLastPara="1" rIns="91425" wrap="square" tIns="91425">
+            <a:bodyPr spcFirstLastPara="1" wrap="square" lIns="91425" tIns="91425" rIns="91425" bIns="91425" anchor="ctr" anchorCtr="0">
               <a:noAutofit/>
             </a:bodyPr>
             <a:lstStyle/>
             <a:p>
-              <a:pPr indent="0" lvl="0" marL="0" rtl="0" algn="l">
+              <a:pPr marL="0" lvl="0" indent="0" algn="l" rtl="0">
                 <a:spcBef>
                   <a:spcPts val="0"/>
                 </a:spcBef>
@@ -2040,9 +2099,6 @@
                 </a:spcAft>
                 <a:buNone/>
               </a:pPr>
-              <a:r>
-                <a:t/>
-              </a:r>
               <a:endParaRPr/>
             </a:p>
           </p:txBody>
@@ -2051,7 +2107,9 @@
       <p:sp>
         <p:nvSpPr>
           <p:cNvPr id="16" name="Google Shape;16;p2"/>
-          <p:cNvSpPr txBox="1"/>
+          <p:cNvSpPr txBox="1">
+            <a:spLocks noGrp="1"/>
+          </p:cNvSpPr>
           <p:nvPr>
             <p:ph type="ctrTitle"/>
           </p:nvPr>
@@ -2066,7 +2124,7 @@
           </a:prstGeom>
         </p:spPr>
         <p:txBody>
-          <a:bodyPr anchorCtr="0" anchor="b" bIns="91425" lIns="91425" spcFirstLastPara="1" rIns="91425" wrap="square" tIns="91425">
+          <a:bodyPr spcFirstLastPara="1" wrap="square" lIns="91425" tIns="91425" rIns="91425" bIns="91425" anchor="b" anchorCtr="0">
             <a:noAutofit/>
           </a:bodyPr>
           <a:lstStyle>
@@ -2233,15 +2291,19 @@
               </a:defRPr>
             </a:lvl9pPr>
           </a:lstStyle>
-          <a:p/>
+          <a:p>
+            <a:endParaRPr/>
+          </a:p>
         </p:txBody>
       </p:sp>
       <p:sp>
         <p:nvSpPr>
           <p:cNvPr id="17" name="Google Shape;17;p2"/>
-          <p:cNvSpPr txBox="1"/>
+          <p:cNvSpPr txBox="1">
+            <a:spLocks noGrp="1"/>
+          </p:cNvSpPr>
           <p:nvPr>
-            <p:ph idx="1" type="subTitle"/>
+            <p:ph type="subTitle" idx="1"/>
           </p:nvPr>
         </p:nvSpPr>
         <p:spPr>
@@ -2254,7 +2316,7 @@
           </a:prstGeom>
         </p:spPr>
         <p:txBody>
-          <a:bodyPr anchorCtr="0" anchor="t" bIns="91425" lIns="91425" spcFirstLastPara="1" rIns="91425" wrap="square" tIns="91425">
+          <a:bodyPr spcFirstLastPara="1" wrap="square" lIns="91425" tIns="91425" rIns="91425" bIns="91425" anchor="t" anchorCtr="0">
             <a:noAutofit/>
           </a:bodyPr>
           <a:lstStyle>
@@ -2448,15 +2510,19 @@
               </a:defRPr>
             </a:lvl9pPr>
           </a:lstStyle>
-          <a:p/>
+          <a:p>
+            <a:endParaRPr/>
+          </a:p>
         </p:txBody>
       </p:sp>
       <p:sp>
         <p:nvSpPr>
           <p:cNvPr id="18" name="Google Shape;18;p2"/>
-          <p:cNvSpPr txBox="1"/>
+          <p:cNvSpPr txBox="1">
+            <a:spLocks noGrp="1"/>
+          </p:cNvSpPr>
           <p:nvPr>
-            <p:ph idx="12" type="sldNum"/>
+            <p:ph type="sldNum" idx="12"/>
           </p:nvPr>
         </p:nvSpPr>
         <p:spPr>
@@ -2469,7 +2535,7 @@
           </a:prstGeom>
         </p:spPr>
         <p:txBody>
-          <a:bodyPr anchorCtr="0" anchor="ctr" bIns="91425" lIns="91425" spcFirstLastPara="1" rIns="91425" wrap="square" tIns="91425">
+          <a:bodyPr spcFirstLastPara="1" wrap="square" lIns="91425" tIns="91425" rIns="91425" bIns="91425" anchor="ctr" anchorCtr="0">
             <a:noAutofit/>
           </a:bodyPr>
           <a:lstStyle>
@@ -2511,7 +2577,7 @@
             </a:lvl9pPr>
           </a:lstStyle>
           <a:p>
-            <a:pPr indent="0" lvl="0" marL="0" rtl="0" algn="r">
+            <a:pPr marL="0" lvl="0" indent="0" algn="r" rtl="0">
               <a:spcBef>
                 <a:spcPts val="0"/>
               </a:spcBef>
@@ -2537,18 +2603,19 @@
 </file>
 
 <file path=ppt/slideLayouts/slideLayout10.xml><?xml version="1.0" encoding="utf-8"?>
-<p:sldLayout xmlns:a="http://schemas.openxmlformats.org/drawingml/2006/main" xmlns:r="http://schemas.openxmlformats.org/officeDocument/2006/relationships" xmlns:mc="http://schemas.openxmlformats.org/markup-compatibility/2006" xmlns:mv="urn:schemas-microsoft-com:mac:vml" xmlns:p="http://schemas.openxmlformats.org/presentationml/2006/main" xmlns:c="http://schemas.openxmlformats.org/drawingml/2006/chart" xmlns:dgm="http://schemas.openxmlformats.org/drawingml/2006/diagram" xmlns:o="urn:schemas-microsoft-com:office:office" xmlns:v="urn:schemas-microsoft-com:vml" xmlns:pvml="urn:schemas-microsoft-com:office:powerpoint" xmlns:com="http://schemas.openxmlformats.org/drawingml/2006/compatibility" xmlns:p14="http://schemas.microsoft.com/office/powerpoint/2010/main" xmlns:p15="http://schemas.microsoft.com/office/powerpoint/2012/main" xmlns:ahyp="http://schemas.microsoft.com/office/drawing/2018/hyperlinkcolor" matchingName="Big number">
+<p:sldLayout xmlns:a="http://schemas.openxmlformats.org/drawingml/2006/main" xmlns:r="http://schemas.openxmlformats.org/officeDocument/2006/relationships" xmlns:p="http://schemas.openxmlformats.org/presentationml/2006/main" matchingName="Big number">
   <p:cSld name="BIG_NUMBER">
     <p:bg>
       <p:bgPr>
         <a:solidFill>
           <a:schemeClr val="dk1"/>
         </a:solidFill>
+        <a:effectLst/>
       </p:bgPr>
     </p:bg>
     <p:spTree>
       <p:nvGrpSpPr>
-        <p:cNvPr id="69" name="Shape 69"/>
+        <p:cNvPr id="1" name="Shape 69"/>
         <p:cNvGrpSpPr/>
         <p:nvPr/>
       </p:nvGrpSpPr>
@@ -2596,12 +2663,12 @@
             </a:ln>
           </p:spPr>
           <p:txBody>
-            <a:bodyPr anchorCtr="0" anchor="ctr" bIns="91425" lIns="91425" spcFirstLastPara="1" rIns="91425" wrap="square" tIns="91425">
+            <a:bodyPr spcFirstLastPara="1" wrap="square" lIns="91425" tIns="91425" rIns="91425" bIns="91425" anchor="ctr" anchorCtr="0">
               <a:noAutofit/>
             </a:bodyPr>
             <a:lstStyle/>
             <a:p>
-              <a:pPr indent="0" lvl="0" marL="0" rtl="0" algn="l">
+              <a:pPr marL="0" lvl="0" indent="0" algn="l" rtl="0">
                 <a:spcBef>
                   <a:spcPts val="0"/>
                 </a:spcBef>
@@ -2610,9 +2677,6 @@
                 </a:spcAft>
                 <a:buNone/>
               </a:pPr>
-              <a:r>
-                <a:t/>
-              </a:r>
               <a:endParaRPr/>
             </a:p>
           </p:txBody>
@@ -2639,12 +2703,12 @@
             </a:ln>
           </p:spPr>
           <p:txBody>
-            <a:bodyPr anchorCtr="0" anchor="ctr" bIns="91425" lIns="91425" spcFirstLastPara="1" rIns="91425" wrap="square" tIns="91425">
+            <a:bodyPr spcFirstLastPara="1" wrap="square" lIns="91425" tIns="91425" rIns="91425" bIns="91425" anchor="ctr" anchorCtr="0">
               <a:noAutofit/>
             </a:bodyPr>
             <a:lstStyle/>
             <a:p>
-              <a:pPr indent="0" lvl="0" marL="0" rtl="0" algn="l">
+              <a:pPr marL="0" lvl="0" indent="0" algn="l" rtl="0">
                 <a:spcBef>
                   <a:spcPts val="0"/>
                 </a:spcBef>
@@ -2653,9 +2717,6 @@
                 </a:spcAft>
                 <a:buNone/>
               </a:pPr>
-              <a:r>
-                <a:t/>
-              </a:r>
               <a:endParaRPr/>
             </a:p>
           </p:txBody>
@@ -2667,7 +2728,7 @@
             <p:nvPr/>
           </p:nvSpPr>
           <p:spPr>
-            <a:xfrm flipH="1" rot="10800000">
+            <a:xfrm rot="10800000" flipH="1">
               <a:off x="7113588" y="107"/>
               <a:ext cx="1015200" cy="1015200"/>
             </a:xfrm>
@@ -2682,12 +2743,12 @@
             </a:ln>
           </p:spPr>
           <p:txBody>
-            <a:bodyPr anchorCtr="0" anchor="ctr" bIns="91425" lIns="91425" spcFirstLastPara="1" rIns="91425" wrap="square" tIns="91425">
+            <a:bodyPr spcFirstLastPara="1" wrap="square" lIns="91425" tIns="91425" rIns="91425" bIns="91425" anchor="ctr" anchorCtr="0">
               <a:noAutofit/>
             </a:bodyPr>
             <a:lstStyle/>
             <a:p>
-              <a:pPr indent="0" lvl="0" marL="0" rtl="0" algn="l">
+              <a:pPr marL="0" lvl="0" indent="0" algn="l" rtl="0">
                 <a:spcBef>
                   <a:spcPts val="0"/>
                 </a:spcBef>
@@ -2696,9 +2757,6 @@
                 </a:spcAft>
                 <a:buNone/>
               </a:pPr>
-              <a:r>
-                <a:t/>
-              </a:r>
               <a:endParaRPr/>
             </a:p>
           </p:txBody>
@@ -2725,12 +2783,12 @@
             </a:ln>
           </p:spPr>
           <p:txBody>
-            <a:bodyPr anchorCtr="0" anchor="ctr" bIns="91425" lIns="91425" spcFirstLastPara="1" rIns="91425" wrap="square" tIns="91425">
+            <a:bodyPr spcFirstLastPara="1" wrap="square" lIns="91425" tIns="91425" rIns="91425" bIns="91425" anchor="ctr" anchorCtr="0">
               <a:noAutofit/>
             </a:bodyPr>
             <a:lstStyle/>
             <a:p>
-              <a:pPr indent="0" lvl="0" marL="0" rtl="0" algn="l">
+              <a:pPr marL="0" lvl="0" indent="0" algn="l" rtl="0">
                 <a:spcBef>
                   <a:spcPts val="0"/>
                 </a:spcBef>
@@ -2739,9 +2797,6 @@
                 </a:spcAft>
                 <a:buNone/>
               </a:pPr>
-              <a:r>
-                <a:t/>
-              </a:r>
               <a:endParaRPr/>
             </a:p>
           </p:txBody>
@@ -2768,12 +2823,12 @@
             </a:ln>
           </p:spPr>
           <p:txBody>
-            <a:bodyPr anchorCtr="0" anchor="ctr" bIns="91425" lIns="91425" spcFirstLastPara="1" rIns="91425" wrap="square" tIns="91425">
+            <a:bodyPr spcFirstLastPara="1" wrap="square" lIns="91425" tIns="91425" rIns="91425" bIns="91425" anchor="ctr" anchorCtr="0">
               <a:noAutofit/>
             </a:bodyPr>
             <a:lstStyle/>
             <a:p>
-              <a:pPr indent="0" lvl="0" marL="0" rtl="0" algn="l">
+              <a:pPr marL="0" lvl="0" indent="0" algn="l" rtl="0">
                 <a:spcBef>
                   <a:spcPts val="0"/>
                 </a:spcBef>
@@ -2782,9 +2837,6 @@
                 </a:spcAft>
                 <a:buNone/>
               </a:pPr>
-              <a:r>
-                <a:t/>
-              </a:r>
               <a:endParaRPr/>
             </a:p>
           </p:txBody>
@@ -2793,9 +2845,11 @@
       <p:sp>
         <p:nvSpPr>
           <p:cNvPr id="76" name="Google Shape;76;p11"/>
-          <p:cNvSpPr txBox="1"/>
+          <p:cNvSpPr txBox="1">
+            <a:spLocks noGrp="1"/>
+          </p:cNvSpPr>
           <p:nvPr>
-            <p:ph hasCustomPrompt="1" type="title"/>
+            <p:ph type="title" hasCustomPrompt="1"/>
           </p:nvPr>
         </p:nvSpPr>
         <p:spPr>
@@ -2808,7 +2862,7 @@
           </a:prstGeom>
         </p:spPr>
         <p:txBody>
-          <a:bodyPr anchorCtr="0" anchor="b" bIns="91425" lIns="91425" spcFirstLastPara="1" rIns="91425" wrap="square" tIns="91425">
+          <a:bodyPr spcFirstLastPara="1" wrap="square" lIns="91425" tIns="91425" rIns="91425" bIns="91425" anchor="b" anchorCtr="0">
             <a:noAutofit/>
           </a:bodyPr>
           <a:lstStyle>
@@ -2985,9 +3039,11 @@
       <p:sp>
         <p:nvSpPr>
           <p:cNvPr id="77" name="Google Shape;77;p11"/>
-          <p:cNvSpPr txBox="1"/>
+          <p:cNvSpPr txBox="1">
+            <a:spLocks noGrp="1"/>
+          </p:cNvSpPr>
           <p:nvPr>
-            <p:ph idx="1" type="body"/>
+            <p:ph type="body" idx="1"/>
           </p:nvPr>
         </p:nvSpPr>
         <p:spPr>
@@ -3000,11 +3056,11 @@
           </a:prstGeom>
         </p:spPr>
         <p:txBody>
-          <a:bodyPr anchorCtr="0" anchor="t" bIns="91425" lIns="91425" spcFirstLastPara="1" rIns="91425" wrap="square" tIns="91425">
+          <a:bodyPr spcFirstLastPara="1" wrap="square" lIns="91425" tIns="91425" rIns="91425" bIns="91425" anchor="t" anchorCtr="0">
             <a:noAutofit/>
           </a:bodyPr>
           <a:lstStyle>
-            <a:lvl1pPr indent="-342900" lvl="0" marL="457200" algn="ctr">
+            <a:lvl1pPr marL="457200" lvl="0" indent="-342900" algn="ctr">
               <a:spcBef>
                 <a:spcPts val="0"/>
               </a:spcBef>
@@ -3022,7 +3078,7 @@
                 </a:solidFill>
               </a:defRPr>
             </a:lvl1pPr>
-            <a:lvl2pPr indent="-317500" lvl="1" marL="914400" algn="ctr">
+            <a:lvl2pPr marL="914400" lvl="1" indent="-317500" algn="ctr">
               <a:spcBef>
                 <a:spcPts val="1600"/>
               </a:spcBef>
@@ -3040,7 +3096,7 @@
                 </a:solidFill>
               </a:defRPr>
             </a:lvl2pPr>
-            <a:lvl3pPr indent="-317500" lvl="2" marL="1371600" algn="ctr">
+            <a:lvl3pPr marL="1371600" lvl="2" indent="-317500" algn="ctr">
               <a:spcBef>
                 <a:spcPts val="1600"/>
               </a:spcBef>
@@ -3058,7 +3114,7 @@
                 </a:solidFill>
               </a:defRPr>
             </a:lvl3pPr>
-            <a:lvl4pPr indent="-317500" lvl="3" marL="1828800" algn="ctr">
+            <a:lvl4pPr marL="1828800" lvl="3" indent="-317500" algn="ctr">
               <a:spcBef>
                 <a:spcPts val="1600"/>
               </a:spcBef>
@@ -3076,7 +3132,7 @@
                 </a:solidFill>
               </a:defRPr>
             </a:lvl4pPr>
-            <a:lvl5pPr indent="-317500" lvl="4" marL="2286000" algn="ctr">
+            <a:lvl5pPr marL="2286000" lvl="4" indent="-317500" algn="ctr">
               <a:spcBef>
                 <a:spcPts val="1600"/>
               </a:spcBef>
@@ -3094,7 +3150,7 @@
                 </a:solidFill>
               </a:defRPr>
             </a:lvl5pPr>
-            <a:lvl6pPr indent="-317500" lvl="5" marL="2743200" algn="ctr">
+            <a:lvl6pPr marL="2743200" lvl="5" indent="-317500" algn="ctr">
               <a:spcBef>
                 <a:spcPts val="1600"/>
               </a:spcBef>
@@ -3112,7 +3168,7 @@
                 </a:solidFill>
               </a:defRPr>
             </a:lvl6pPr>
-            <a:lvl7pPr indent="-317500" lvl="6" marL="3200400" algn="ctr">
+            <a:lvl7pPr marL="3200400" lvl="6" indent="-317500" algn="ctr">
               <a:spcBef>
                 <a:spcPts val="1600"/>
               </a:spcBef>
@@ -3130,7 +3186,7 @@
                 </a:solidFill>
               </a:defRPr>
             </a:lvl7pPr>
-            <a:lvl8pPr indent="-317500" lvl="7" marL="3657600" algn="ctr">
+            <a:lvl8pPr marL="3657600" lvl="7" indent="-317500" algn="ctr">
               <a:spcBef>
                 <a:spcPts val="1600"/>
               </a:spcBef>
@@ -3148,7 +3204,7 @@
                 </a:solidFill>
               </a:defRPr>
             </a:lvl8pPr>
-            <a:lvl9pPr indent="-317500" lvl="8" marL="4114800" algn="ctr">
+            <a:lvl9pPr marL="4114800" lvl="8" indent="-317500" algn="ctr">
               <a:spcBef>
                 <a:spcPts val="1600"/>
               </a:spcBef>
@@ -3167,15 +3223,19 @@
               </a:defRPr>
             </a:lvl9pPr>
           </a:lstStyle>
-          <a:p/>
+          <a:p>
+            <a:endParaRPr/>
+          </a:p>
         </p:txBody>
       </p:sp>
       <p:sp>
         <p:nvSpPr>
           <p:cNvPr id="78" name="Google Shape;78;p11"/>
-          <p:cNvSpPr txBox="1"/>
+          <p:cNvSpPr txBox="1">
+            <a:spLocks noGrp="1"/>
+          </p:cNvSpPr>
           <p:nvPr>
-            <p:ph idx="12" type="sldNum"/>
+            <p:ph type="sldNum" idx="12"/>
           </p:nvPr>
         </p:nvSpPr>
         <p:spPr>
@@ -3188,7 +3248,7 @@
           </a:prstGeom>
         </p:spPr>
         <p:txBody>
-          <a:bodyPr anchorCtr="0" anchor="ctr" bIns="91425" lIns="91425" spcFirstLastPara="1" rIns="91425" wrap="square" tIns="91425">
+          <a:bodyPr spcFirstLastPara="1" wrap="square" lIns="91425" tIns="91425" rIns="91425" bIns="91425" anchor="ctr" anchorCtr="0">
             <a:noAutofit/>
           </a:bodyPr>
           <a:lstStyle>
@@ -3230,7 +3290,7 @@
             </a:lvl9pPr>
           </a:lstStyle>
           <a:p>
-            <a:pPr indent="0" lvl="0" marL="0" rtl="0" algn="r">
+            <a:pPr marL="0" lvl="0" indent="0" algn="r" rtl="0">
               <a:spcBef>
                 <a:spcPts val="0"/>
               </a:spcBef>
@@ -3256,11 +3316,11 @@
 </file>
 
 <file path=ppt/slideLayouts/slideLayout11.xml><?xml version="1.0" encoding="utf-8"?>
-<p:sldLayout xmlns:a="http://schemas.openxmlformats.org/drawingml/2006/main" xmlns:r="http://schemas.openxmlformats.org/officeDocument/2006/relationships" xmlns:mc="http://schemas.openxmlformats.org/markup-compatibility/2006" xmlns:mv="urn:schemas-microsoft-com:mac:vml" xmlns:p="http://schemas.openxmlformats.org/presentationml/2006/main" xmlns:c="http://schemas.openxmlformats.org/drawingml/2006/chart" xmlns:dgm="http://schemas.openxmlformats.org/drawingml/2006/diagram" xmlns:o="urn:schemas-microsoft-com:office:office" xmlns:v="urn:schemas-microsoft-com:vml" xmlns:pvml="urn:schemas-microsoft-com:office:powerpoint" xmlns:com="http://schemas.openxmlformats.org/drawingml/2006/compatibility" xmlns:p14="http://schemas.microsoft.com/office/powerpoint/2010/main" xmlns:p15="http://schemas.microsoft.com/office/powerpoint/2012/main" xmlns:ahyp="http://schemas.microsoft.com/office/drawing/2018/hyperlinkcolor" matchingName="Blank" type="blank">
+<p:sldLayout xmlns:a="http://schemas.openxmlformats.org/drawingml/2006/main" xmlns:r="http://schemas.openxmlformats.org/officeDocument/2006/relationships" xmlns:p="http://schemas.openxmlformats.org/presentationml/2006/main" matchingName="Blank" type="blank">
   <p:cSld name="BLANK">
     <p:spTree>
       <p:nvGrpSpPr>
-        <p:cNvPr id="79" name="Shape 79"/>
+        <p:cNvPr id="1" name="Shape 79"/>
         <p:cNvGrpSpPr/>
         <p:nvPr/>
       </p:nvGrpSpPr>
@@ -3275,9 +3335,11 @@
       <p:sp>
         <p:nvSpPr>
           <p:cNvPr id="80" name="Google Shape;80;p12"/>
-          <p:cNvSpPr txBox="1"/>
+          <p:cNvSpPr txBox="1">
+            <a:spLocks noGrp="1"/>
+          </p:cNvSpPr>
           <p:nvPr>
-            <p:ph idx="12" type="sldNum"/>
+            <p:ph type="sldNum" idx="12"/>
           </p:nvPr>
         </p:nvSpPr>
         <p:spPr>
@@ -3290,7 +3352,7 @@
           </a:prstGeom>
         </p:spPr>
         <p:txBody>
-          <a:bodyPr anchorCtr="0" anchor="ctr" bIns="91425" lIns="91425" spcFirstLastPara="1" rIns="91425" wrap="square" tIns="91425">
+          <a:bodyPr spcFirstLastPara="1" wrap="square" lIns="91425" tIns="91425" rIns="91425" bIns="91425" anchor="ctr" anchorCtr="0">
             <a:noAutofit/>
           </a:bodyPr>
           <a:lstStyle>
@@ -3368,7 +3430,7 @@
             </a:lvl9pPr>
           </a:lstStyle>
           <a:p>
-            <a:pPr indent="0" lvl="0" marL="0" rtl="0" algn="r">
+            <a:pPr marL="0" lvl="0" indent="0" algn="r" rtl="0">
               <a:spcBef>
                 <a:spcPts val="0"/>
               </a:spcBef>
@@ -3394,18 +3456,19 @@
 </file>
 
 <file path=ppt/slideLayouts/slideLayout2.xml><?xml version="1.0" encoding="utf-8"?>
-<p:sldLayout xmlns:a="http://schemas.openxmlformats.org/drawingml/2006/main" xmlns:r="http://schemas.openxmlformats.org/officeDocument/2006/relationships" xmlns:mc="http://schemas.openxmlformats.org/markup-compatibility/2006" xmlns:mv="urn:schemas-microsoft-com:mac:vml" xmlns:p="http://schemas.openxmlformats.org/presentationml/2006/main" xmlns:c="http://schemas.openxmlformats.org/drawingml/2006/chart" xmlns:dgm="http://schemas.openxmlformats.org/drawingml/2006/diagram" xmlns:o="urn:schemas-microsoft-com:office:office" xmlns:v="urn:schemas-microsoft-com:vml" xmlns:pvml="urn:schemas-microsoft-com:office:powerpoint" xmlns:com="http://schemas.openxmlformats.org/drawingml/2006/compatibility" xmlns:p14="http://schemas.microsoft.com/office/powerpoint/2010/main" xmlns:p15="http://schemas.microsoft.com/office/powerpoint/2012/main" xmlns:ahyp="http://schemas.microsoft.com/office/drawing/2018/hyperlinkcolor" matchingName="Section header" type="secHead">
+<p:sldLayout xmlns:a="http://schemas.openxmlformats.org/drawingml/2006/main" xmlns:r="http://schemas.openxmlformats.org/officeDocument/2006/relationships" xmlns:p="http://schemas.openxmlformats.org/presentationml/2006/main" matchingName="Section header" type="secHead">
   <p:cSld name="SECTION_HEADER">
     <p:bg>
       <p:bgPr>
         <a:solidFill>
           <a:schemeClr val="dk1"/>
         </a:solidFill>
+        <a:effectLst/>
       </p:bgPr>
     </p:bg>
     <p:spTree>
       <p:nvGrpSpPr>
-        <p:cNvPr id="19" name="Shape 19"/>
+        <p:cNvPr id="1" name="Shape 19"/>
         <p:cNvGrpSpPr/>
         <p:nvPr/>
       </p:nvGrpSpPr>
@@ -3453,12 +3516,12 @@
             </a:ln>
           </p:spPr>
           <p:txBody>
-            <a:bodyPr anchorCtr="0" anchor="ctr" bIns="91425" lIns="91425" spcFirstLastPara="1" rIns="91425" wrap="square" tIns="91425">
+            <a:bodyPr spcFirstLastPara="1" wrap="square" lIns="91425" tIns="91425" rIns="91425" bIns="91425" anchor="ctr" anchorCtr="0">
               <a:noAutofit/>
             </a:bodyPr>
             <a:lstStyle/>
             <a:p>
-              <a:pPr indent="0" lvl="0" marL="0" rtl="0" algn="l">
+              <a:pPr marL="0" lvl="0" indent="0" algn="l" rtl="0">
                 <a:spcBef>
                   <a:spcPts val="0"/>
                 </a:spcBef>
@@ -3467,9 +3530,6 @@
                 </a:spcAft>
                 <a:buNone/>
               </a:pPr>
-              <a:r>
-                <a:t/>
-              </a:r>
               <a:endParaRPr/>
             </a:p>
           </p:txBody>
@@ -3496,12 +3556,12 @@
             </a:ln>
           </p:spPr>
           <p:txBody>
-            <a:bodyPr anchorCtr="0" anchor="ctr" bIns="91425" lIns="91425" spcFirstLastPara="1" rIns="91425" wrap="square" tIns="91425">
+            <a:bodyPr spcFirstLastPara="1" wrap="square" lIns="91425" tIns="91425" rIns="91425" bIns="91425" anchor="ctr" anchorCtr="0">
               <a:noAutofit/>
             </a:bodyPr>
             <a:lstStyle/>
             <a:p>
-              <a:pPr indent="0" lvl="0" marL="0" rtl="0" algn="l">
+              <a:pPr marL="0" lvl="0" indent="0" algn="l" rtl="0">
                 <a:spcBef>
                   <a:spcPts val="0"/>
                 </a:spcBef>
@@ -3510,9 +3570,6 @@
                 </a:spcAft>
                 <a:buNone/>
               </a:pPr>
-              <a:r>
-                <a:t/>
-              </a:r>
               <a:endParaRPr/>
             </a:p>
           </p:txBody>
@@ -3524,7 +3581,7 @@
             <p:nvPr/>
           </p:nvSpPr>
           <p:spPr>
-            <a:xfrm flipH="1" rot="10800000">
+            <a:xfrm rot="10800000" flipH="1">
               <a:off x="7113588" y="107"/>
               <a:ext cx="1015200" cy="1015200"/>
             </a:xfrm>
@@ -3539,12 +3596,12 @@
             </a:ln>
           </p:spPr>
           <p:txBody>
-            <a:bodyPr anchorCtr="0" anchor="ctr" bIns="91425" lIns="91425" spcFirstLastPara="1" rIns="91425" wrap="square" tIns="91425">
+            <a:bodyPr spcFirstLastPara="1" wrap="square" lIns="91425" tIns="91425" rIns="91425" bIns="91425" anchor="ctr" anchorCtr="0">
               <a:noAutofit/>
             </a:bodyPr>
             <a:lstStyle/>
             <a:p>
-              <a:pPr indent="0" lvl="0" marL="0" rtl="0" algn="l">
+              <a:pPr marL="0" lvl="0" indent="0" algn="l" rtl="0">
                 <a:spcBef>
                   <a:spcPts val="0"/>
                 </a:spcBef>
@@ -3553,9 +3610,6 @@
                 </a:spcAft>
                 <a:buNone/>
               </a:pPr>
-              <a:r>
-                <a:t/>
-              </a:r>
               <a:endParaRPr/>
             </a:p>
           </p:txBody>
@@ -3582,12 +3636,12 @@
             </a:ln>
           </p:spPr>
           <p:txBody>
-            <a:bodyPr anchorCtr="0" anchor="ctr" bIns="91425" lIns="91425" spcFirstLastPara="1" rIns="91425" wrap="square" tIns="91425">
+            <a:bodyPr spcFirstLastPara="1" wrap="square" lIns="91425" tIns="91425" rIns="91425" bIns="91425" anchor="ctr" anchorCtr="0">
               <a:noAutofit/>
             </a:bodyPr>
             <a:lstStyle/>
             <a:p>
-              <a:pPr indent="0" lvl="0" marL="0" rtl="0" algn="l">
+              <a:pPr marL="0" lvl="0" indent="0" algn="l" rtl="0">
                 <a:spcBef>
                   <a:spcPts val="0"/>
                 </a:spcBef>
@@ -3596,9 +3650,6 @@
                 </a:spcAft>
                 <a:buNone/>
               </a:pPr>
-              <a:r>
-                <a:t/>
-              </a:r>
               <a:endParaRPr/>
             </a:p>
           </p:txBody>
@@ -3625,12 +3676,12 @@
             </a:ln>
           </p:spPr>
           <p:txBody>
-            <a:bodyPr anchorCtr="0" anchor="ctr" bIns="91425" lIns="91425" spcFirstLastPara="1" rIns="91425" wrap="square" tIns="91425">
+            <a:bodyPr spcFirstLastPara="1" wrap="square" lIns="91425" tIns="91425" rIns="91425" bIns="91425" anchor="ctr" anchorCtr="0">
               <a:noAutofit/>
             </a:bodyPr>
             <a:lstStyle/>
             <a:p>
-              <a:pPr indent="0" lvl="0" marL="0" rtl="0" algn="l">
+              <a:pPr marL="0" lvl="0" indent="0" algn="l" rtl="0">
                 <a:spcBef>
                   <a:spcPts val="0"/>
                 </a:spcBef>
@@ -3639,9 +3690,6 @@
                 </a:spcAft>
                 <a:buNone/>
               </a:pPr>
-              <a:r>
-                <a:t/>
-              </a:r>
               <a:endParaRPr/>
             </a:p>
           </p:txBody>
@@ -3650,7 +3698,9 @@
       <p:sp>
         <p:nvSpPr>
           <p:cNvPr id="26" name="Google Shape;26;p3"/>
-          <p:cNvSpPr txBox="1"/>
+          <p:cNvSpPr txBox="1">
+            <a:spLocks noGrp="1"/>
+          </p:cNvSpPr>
           <p:nvPr>
             <p:ph type="title"/>
           </p:nvPr>
@@ -3665,7 +3715,7 @@
           </a:prstGeom>
         </p:spPr>
         <p:txBody>
-          <a:bodyPr anchorCtr="0" anchor="ctr" bIns="91425" lIns="91425" spcFirstLastPara="1" rIns="91425" wrap="square" tIns="91425">
+          <a:bodyPr spcFirstLastPara="1" wrap="square" lIns="91425" tIns="91425" rIns="91425" bIns="91425" anchor="ctr" anchorCtr="0">
             <a:noAutofit/>
           </a:bodyPr>
           <a:lstStyle>
@@ -3832,15 +3882,19 @@
               </a:defRPr>
             </a:lvl9pPr>
           </a:lstStyle>
-          <a:p/>
+          <a:p>
+            <a:endParaRPr/>
+          </a:p>
         </p:txBody>
       </p:sp>
       <p:sp>
         <p:nvSpPr>
           <p:cNvPr id="27" name="Google Shape;27;p3"/>
-          <p:cNvSpPr txBox="1"/>
+          <p:cNvSpPr txBox="1">
+            <a:spLocks noGrp="1"/>
+          </p:cNvSpPr>
           <p:nvPr>
-            <p:ph idx="12" type="sldNum"/>
+            <p:ph type="sldNum" idx="12"/>
           </p:nvPr>
         </p:nvSpPr>
         <p:spPr>
@@ -3853,7 +3907,7 @@
           </a:prstGeom>
         </p:spPr>
         <p:txBody>
-          <a:bodyPr anchorCtr="0" anchor="ctr" bIns="91425" lIns="91425" spcFirstLastPara="1" rIns="91425" wrap="square" tIns="91425">
+          <a:bodyPr spcFirstLastPara="1" wrap="square" lIns="91425" tIns="91425" rIns="91425" bIns="91425" anchor="ctr" anchorCtr="0">
             <a:noAutofit/>
           </a:bodyPr>
           <a:lstStyle>
@@ -3895,7 +3949,7 @@
             </a:lvl9pPr>
           </a:lstStyle>
           <a:p>
-            <a:pPr indent="0" lvl="0" marL="0" rtl="0" algn="r">
+            <a:pPr marL="0" lvl="0" indent="0" algn="r" rtl="0">
               <a:spcBef>
                 <a:spcPts val="0"/>
               </a:spcBef>
@@ -3921,11 +3975,11 @@
 </file>
 
 <file path=ppt/slideLayouts/slideLayout3.xml><?xml version="1.0" encoding="utf-8"?>
-<p:sldLayout xmlns:a="http://schemas.openxmlformats.org/drawingml/2006/main" xmlns:r="http://schemas.openxmlformats.org/officeDocument/2006/relationships" xmlns:mc="http://schemas.openxmlformats.org/markup-compatibility/2006" xmlns:mv="urn:schemas-microsoft-com:mac:vml" xmlns:p="http://schemas.openxmlformats.org/presentationml/2006/main" xmlns:c="http://schemas.openxmlformats.org/drawingml/2006/chart" xmlns:dgm="http://schemas.openxmlformats.org/drawingml/2006/diagram" xmlns:o="urn:schemas-microsoft-com:office:office" xmlns:v="urn:schemas-microsoft-com:vml" xmlns:pvml="urn:schemas-microsoft-com:office:powerpoint" xmlns:com="http://schemas.openxmlformats.org/drawingml/2006/compatibility" xmlns:p14="http://schemas.microsoft.com/office/powerpoint/2010/main" xmlns:p15="http://schemas.microsoft.com/office/powerpoint/2012/main" xmlns:ahyp="http://schemas.microsoft.com/office/drawing/2018/hyperlinkcolor" matchingName="Title and body" type="tx">
+<p:sldLayout xmlns:a="http://schemas.openxmlformats.org/drawingml/2006/main" xmlns:r="http://schemas.openxmlformats.org/officeDocument/2006/relationships" xmlns:p="http://schemas.openxmlformats.org/presentationml/2006/main" matchingName="Title and body" type="tx">
   <p:cSld name="TITLE_AND_BODY">
     <p:spTree>
       <p:nvGrpSpPr>
-        <p:cNvPr id="28" name="Shape 28"/>
+        <p:cNvPr id="1" name="Shape 28"/>
         <p:cNvGrpSpPr/>
         <p:nvPr/>
       </p:nvGrpSpPr>
@@ -3973,12 +4027,12 @@
             </a:ln>
           </p:spPr>
           <p:txBody>
-            <a:bodyPr anchorCtr="0" anchor="ctr" bIns="91425" lIns="91425" spcFirstLastPara="1" rIns="91425" wrap="square" tIns="91425">
+            <a:bodyPr spcFirstLastPara="1" wrap="square" lIns="91425" tIns="91425" rIns="91425" bIns="91425" anchor="ctr" anchorCtr="0">
               <a:noAutofit/>
             </a:bodyPr>
             <a:lstStyle/>
             <a:p>
-              <a:pPr indent="0" lvl="0" marL="0" rtl="0" algn="l">
+              <a:pPr marL="0" lvl="0" indent="0" algn="l" rtl="0">
                 <a:spcBef>
                   <a:spcPts val="0"/>
                 </a:spcBef>
@@ -3987,9 +4041,6 @@
                 </a:spcAft>
                 <a:buNone/>
               </a:pPr>
-              <a:r>
-                <a:t/>
-              </a:r>
               <a:endParaRPr/>
             </a:p>
           </p:txBody>
@@ -4016,12 +4067,12 @@
             </a:ln>
           </p:spPr>
           <p:txBody>
-            <a:bodyPr anchorCtr="0" anchor="ctr" bIns="91425" lIns="91425" spcFirstLastPara="1" rIns="91425" wrap="square" tIns="91425">
+            <a:bodyPr spcFirstLastPara="1" wrap="square" lIns="91425" tIns="91425" rIns="91425" bIns="91425" anchor="ctr" anchorCtr="0">
               <a:noAutofit/>
             </a:bodyPr>
             <a:lstStyle/>
             <a:p>
-              <a:pPr indent="0" lvl="0" marL="0" rtl="0" algn="l">
+              <a:pPr marL="0" lvl="0" indent="0" algn="l" rtl="0">
                 <a:spcBef>
                   <a:spcPts val="0"/>
                 </a:spcBef>
@@ -4030,9 +4081,6 @@
                 </a:spcAft>
                 <a:buNone/>
               </a:pPr>
-              <a:r>
-                <a:t/>
-              </a:r>
               <a:endParaRPr/>
             </a:p>
           </p:txBody>
@@ -4059,12 +4107,12 @@
             </a:ln>
           </p:spPr>
           <p:txBody>
-            <a:bodyPr anchorCtr="0" anchor="ctr" bIns="91425" lIns="91425" spcFirstLastPara="1" rIns="91425" wrap="square" tIns="91425">
+            <a:bodyPr spcFirstLastPara="1" wrap="square" lIns="91425" tIns="91425" rIns="91425" bIns="91425" anchor="ctr" anchorCtr="0">
               <a:noAutofit/>
             </a:bodyPr>
             <a:lstStyle/>
             <a:p>
-              <a:pPr indent="0" lvl="0" marL="0" rtl="0" algn="l">
+              <a:pPr marL="0" lvl="0" indent="0" algn="l" rtl="0">
                 <a:spcBef>
                   <a:spcPts val="0"/>
                 </a:spcBef>
@@ -4073,9 +4121,6 @@
                 </a:spcAft>
                 <a:buNone/>
               </a:pPr>
-              <a:r>
-                <a:t/>
-              </a:r>
               <a:endParaRPr/>
             </a:p>
           </p:txBody>
@@ -4102,12 +4147,12 @@
             </a:ln>
           </p:spPr>
           <p:txBody>
-            <a:bodyPr anchorCtr="0" anchor="ctr" bIns="91425" lIns="91425" spcFirstLastPara="1" rIns="91425" wrap="square" tIns="91425">
+            <a:bodyPr spcFirstLastPara="1" wrap="square" lIns="91425" tIns="91425" rIns="91425" bIns="91425" anchor="ctr" anchorCtr="0">
               <a:noAutofit/>
             </a:bodyPr>
             <a:lstStyle/>
             <a:p>
-              <a:pPr indent="0" lvl="0" marL="0" rtl="0" algn="l">
+              <a:pPr marL="0" lvl="0" indent="0" algn="l" rtl="0">
                 <a:spcBef>
                   <a:spcPts val="0"/>
                 </a:spcBef>
@@ -4116,9 +4161,6 @@
                 </a:spcAft>
                 <a:buNone/>
               </a:pPr>
-              <a:r>
-                <a:t/>
-              </a:r>
               <a:endParaRPr/>
             </a:p>
           </p:txBody>
@@ -4145,12 +4187,12 @@
             </a:ln>
           </p:spPr>
           <p:txBody>
-            <a:bodyPr anchorCtr="0" anchor="ctr" bIns="91425" lIns="91425" spcFirstLastPara="1" rIns="91425" wrap="square" tIns="91425">
+            <a:bodyPr spcFirstLastPara="1" wrap="square" lIns="91425" tIns="91425" rIns="91425" bIns="91425" anchor="ctr" anchorCtr="0">
               <a:noAutofit/>
             </a:bodyPr>
             <a:lstStyle/>
             <a:p>
-              <a:pPr indent="0" lvl="0" marL="0" rtl="0" algn="l">
+              <a:pPr marL="0" lvl="0" indent="0" algn="l" rtl="0">
                 <a:spcBef>
                   <a:spcPts val="0"/>
                 </a:spcBef>
@@ -4159,9 +4201,6 @@
                 </a:spcAft>
                 <a:buNone/>
               </a:pPr>
-              <a:r>
-                <a:t/>
-              </a:r>
               <a:endParaRPr/>
             </a:p>
           </p:txBody>
@@ -4170,7 +4209,9 @@
       <p:sp>
         <p:nvSpPr>
           <p:cNvPr id="35" name="Google Shape;35;p4"/>
-          <p:cNvSpPr txBox="1"/>
+          <p:cNvSpPr txBox="1">
+            <a:spLocks noGrp="1"/>
+          </p:cNvSpPr>
           <p:nvPr>
             <p:ph type="title"/>
           </p:nvPr>
@@ -4185,7 +4226,7 @@
           </a:prstGeom>
         </p:spPr>
         <p:txBody>
-          <a:bodyPr anchorCtr="0" anchor="t" bIns="91425" lIns="91425" spcFirstLastPara="1" rIns="91425" wrap="square" tIns="91425">
+          <a:bodyPr spcFirstLastPara="1" wrap="square" lIns="91425" tIns="91425" rIns="91425" bIns="91425" anchor="t" anchorCtr="0">
             <a:noAutofit/>
           </a:bodyPr>
           <a:lstStyle>
@@ -4289,15 +4330,19 @@
               <a:defRPr/>
             </a:lvl9pPr>
           </a:lstStyle>
-          <a:p/>
+          <a:p>
+            <a:endParaRPr/>
+          </a:p>
         </p:txBody>
       </p:sp>
       <p:sp>
         <p:nvSpPr>
           <p:cNvPr id="36" name="Google Shape;36;p4"/>
-          <p:cNvSpPr txBox="1"/>
+          <p:cNvSpPr txBox="1">
+            <a:spLocks noGrp="1"/>
+          </p:cNvSpPr>
           <p:nvPr>
-            <p:ph idx="1" type="body"/>
+            <p:ph type="body" idx="1"/>
           </p:nvPr>
         </p:nvSpPr>
         <p:spPr>
@@ -4310,11 +4355,11 @@
           </a:prstGeom>
         </p:spPr>
         <p:txBody>
-          <a:bodyPr anchorCtr="0" anchor="t" bIns="91425" lIns="91425" spcFirstLastPara="1" rIns="91425" wrap="square" tIns="91425">
+          <a:bodyPr spcFirstLastPara="1" wrap="square" lIns="91425" tIns="91425" rIns="91425" bIns="91425" anchor="t" anchorCtr="0">
             <a:noAutofit/>
           </a:bodyPr>
           <a:lstStyle>
-            <a:lvl1pPr indent="-342900" lvl="0" marL="457200">
+            <a:lvl1pPr marL="457200" lvl="0" indent="-342900">
               <a:spcBef>
                 <a:spcPts val="0"/>
               </a:spcBef>
@@ -4325,7 +4370,7 @@
               <a:buChar char="●"/>
               <a:defRPr/>
             </a:lvl1pPr>
-            <a:lvl2pPr indent="-317500" lvl="1" marL="914400">
+            <a:lvl2pPr marL="914400" lvl="1" indent="-317500">
               <a:spcBef>
                 <a:spcPts val="1600"/>
               </a:spcBef>
@@ -4336,7 +4381,7 @@
               <a:buChar char="○"/>
               <a:defRPr/>
             </a:lvl2pPr>
-            <a:lvl3pPr indent="-317500" lvl="2" marL="1371600">
+            <a:lvl3pPr marL="1371600" lvl="2" indent="-317500">
               <a:spcBef>
                 <a:spcPts val="1600"/>
               </a:spcBef>
@@ -4347,7 +4392,7 @@
               <a:buChar char="■"/>
               <a:defRPr/>
             </a:lvl3pPr>
-            <a:lvl4pPr indent="-317500" lvl="3" marL="1828800">
+            <a:lvl4pPr marL="1828800" lvl="3" indent="-317500">
               <a:spcBef>
                 <a:spcPts val="1600"/>
               </a:spcBef>
@@ -4358,7 +4403,7 @@
               <a:buChar char="●"/>
               <a:defRPr/>
             </a:lvl4pPr>
-            <a:lvl5pPr indent="-317500" lvl="4" marL="2286000">
+            <a:lvl5pPr marL="2286000" lvl="4" indent="-317500">
               <a:spcBef>
                 <a:spcPts val="1600"/>
               </a:spcBef>
@@ -4369,7 +4414,7 @@
               <a:buChar char="○"/>
               <a:defRPr/>
             </a:lvl5pPr>
-            <a:lvl6pPr indent="-317500" lvl="5" marL="2743200">
+            <a:lvl6pPr marL="2743200" lvl="5" indent="-317500">
               <a:spcBef>
                 <a:spcPts val="1600"/>
               </a:spcBef>
@@ -4380,7 +4425,7 @@
               <a:buChar char="■"/>
               <a:defRPr/>
             </a:lvl6pPr>
-            <a:lvl7pPr indent="-317500" lvl="6" marL="3200400">
+            <a:lvl7pPr marL="3200400" lvl="6" indent="-317500">
               <a:spcBef>
                 <a:spcPts val="1600"/>
               </a:spcBef>
@@ -4391,7 +4436,7 @@
               <a:buChar char="●"/>
               <a:defRPr/>
             </a:lvl7pPr>
-            <a:lvl8pPr indent="-317500" lvl="7" marL="3657600">
+            <a:lvl8pPr marL="3657600" lvl="7" indent="-317500">
               <a:spcBef>
                 <a:spcPts val="1600"/>
               </a:spcBef>
@@ -4402,7 +4447,7 @@
               <a:buChar char="○"/>
               <a:defRPr/>
             </a:lvl8pPr>
-            <a:lvl9pPr indent="-317500" lvl="8" marL="4114800">
+            <a:lvl9pPr marL="4114800" lvl="8" indent="-317500">
               <a:spcBef>
                 <a:spcPts val="1600"/>
               </a:spcBef>
@@ -4414,15 +4459,19 @@
               <a:defRPr/>
             </a:lvl9pPr>
           </a:lstStyle>
-          <a:p/>
+          <a:p>
+            <a:endParaRPr/>
+          </a:p>
         </p:txBody>
       </p:sp>
       <p:sp>
         <p:nvSpPr>
           <p:cNvPr id="37" name="Google Shape;37;p4"/>
-          <p:cNvSpPr txBox="1"/>
+          <p:cNvSpPr txBox="1">
+            <a:spLocks noGrp="1"/>
+          </p:cNvSpPr>
           <p:nvPr>
-            <p:ph idx="12" type="sldNum"/>
+            <p:ph type="sldNum" idx="12"/>
           </p:nvPr>
         </p:nvSpPr>
         <p:spPr>
@@ -4435,7 +4484,7 @@
           </a:prstGeom>
         </p:spPr>
         <p:txBody>
-          <a:bodyPr anchorCtr="0" anchor="ctr" bIns="91425" lIns="91425" spcFirstLastPara="1" rIns="91425" wrap="square" tIns="91425">
+          <a:bodyPr spcFirstLastPara="1" wrap="square" lIns="91425" tIns="91425" rIns="91425" bIns="91425" anchor="ctr" anchorCtr="0">
             <a:noAutofit/>
           </a:bodyPr>
           <a:lstStyle>
@@ -4477,7 +4526,7 @@
             </a:lvl9pPr>
           </a:lstStyle>
           <a:p>
-            <a:pPr indent="0" lvl="0" marL="0" rtl="0" algn="r">
+            <a:pPr marL="0" lvl="0" indent="0" algn="r" rtl="0">
               <a:spcBef>
                 <a:spcPts val="0"/>
               </a:spcBef>
@@ -4503,11 +4552,11 @@
 </file>
 
 <file path=ppt/slideLayouts/slideLayout4.xml><?xml version="1.0" encoding="utf-8"?>
-<p:sldLayout xmlns:a="http://schemas.openxmlformats.org/drawingml/2006/main" xmlns:r="http://schemas.openxmlformats.org/officeDocument/2006/relationships" xmlns:mc="http://schemas.openxmlformats.org/markup-compatibility/2006" xmlns:mv="urn:schemas-microsoft-com:mac:vml" xmlns:p="http://schemas.openxmlformats.org/presentationml/2006/main" xmlns:c="http://schemas.openxmlformats.org/drawingml/2006/chart" xmlns:dgm="http://schemas.openxmlformats.org/drawingml/2006/diagram" xmlns:o="urn:schemas-microsoft-com:office:office" xmlns:v="urn:schemas-microsoft-com:vml" xmlns:pvml="urn:schemas-microsoft-com:office:powerpoint" xmlns:com="http://schemas.openxmlformats.org/drawingml/2006/compatibility" xmlns:p14="http://schemas.microsoft.com/office/powerpoint/2010/main" xmlns:p15="http://schemas.microsoft.com/office/powerpoint/2012/main" xmlns:ahyp="http://schemas.microsoft.com/office/drawing/2018/hyperlinkcolor" matchingName="Title and two columns" type="twoColTx">
+<p:sldLayout xmlns:a="http://schemas.openxmlformats.org/drawingml/2006/main" xmlns:r="http://schemas.openxmlformats.org/officeDocument/2006/relationships" xmlns:p="http://schemas.openxmlformats.org/presentationml/2006/main" matchingName="Title and two columns" type="twoColTx">
   <p:cSld name="TITLE_AND_TWO_COLUMNS">
     <p:spTree>
       <p:nvGrpSpPr>
-        <p:cNvPr id="38" name="Shape 38"/>
+        <p:cNvPr id="1" name="Shape 38"/>
         <p:cNvGrpSpPr/>
         <p:nvPr/>
       </p:nvGrpSpPr>
@@ -4522,7 +4571,9 @@
       <p:sp>
         <p:nvSpPr>
           <p:cNvPr id="39" name="Google Shape;39;p5"/>
-          <p:cNvSpPr txBox="1"/>
+          <p:cNvSpPr txBox="1">
+            <a:spLocks noGrp="1"/>
+          </p:cNvSpPr>
           <p:nvPr>
             <p:ph type="title"/>
           </p:nvPr>
@@ -4537,7 +4588,7 @@
           </a:prstGeom>
         </p:spPr>
         <p:txBody>
-          <a:bodyPr anchorCtr="0" anchor="t" bIns="91425" lIns="91425" spcFirstLastPara="1" rIns="91425" wrap="square" tIns="91425">
+          <a:bodyPr spcFirstLastPara="1" wrap="square" lIns="91425" tIns="91425" rIns="91425" bIns="91425" anchor="t" anchorCtr="0">
             <a:noAutofit/>
           </a:bodyPr>
           <a:lstStyle>
@@ -4641,15 +4692,19 @@
               <a:defRPr/>
             </a:lvl9pPr>
           </a:lstStyle>
-          <a:p/>
+          <a:p>
+            <a:endParaRPr/>
+          </a:p>
         </p:txBody>
       </p:sp>
       <p:sp>
         <p:nvSpPr>
           <p:cNvPr id="40" name="Google Shape;40;p5"/>
-          <p:cNvSpPr txBox="1"/>
+          <p:cNvSpPr txBox="1">
+            <a:spLocks noGrp="1"/>
+          </p:cNvSpPr>
           <p:nvPr>
-            <p:ph idx="1" type="body"/>
+            <p:ph type="body" idx="1"/>
           </p:nvPr>
         </p:nvSpPr>
         <p:spPr>
@@ -4662,11 +4717,11 @@
           </a:prstGeom>
         </p:spPr>
         <p:txBody>
-          <a:bodyPr anchorCtr="0" anchor="t" bIns="91425" lIns="91425" spcFirstLastPara="1" rIns="91425" wrap="square" tIns="91425">
+          <a:bodyPr spcFirstLastPara="1" wrap="square" lIns="91425" tIns="91425" rIns="91425" bIns="91425" anchor="t" anchorCtr="0">
             <a:noAutofit/>
           </a:bodyPr>
           <a:lstStyle>
-            <a:lvl1pPr indent="-317500" lvl="0" marL="457200">
+            <a:lvl1pPr marL="457200" lvl="0" indent="-317500">
               <a:spcBef>
                 <a:spcPts val="0"/>
               </a:spcBef>
@@ -4677,7 +4732,7 @@
               <a:buChar char="●"/>
               <a:defRPr sz="1400"/>
             </a:lvl1pPr>
-            <a:lvl2pPr indent="-304800" lvl="1" marL="914400">
+            <a:lvl2pPr marL="914400" lvl="1" indent="-304800">
               <a:spcBef>
                 <a:spcPts val="1600"/>
               </a:spcBef>
@@ -4688,7 +4743,7 @@
               <a:buChar char="○"/>
               <a:defRPr sz="1200"/>
             </a:lvl2pPr>
-            <a:lvl3pPr indent="-304800" lvl="2" marL="1371600">
+            <a:lvl3pPr marL="1371600" lvl="2" indent="-304800">
               <a:spcBef>
                 <a:spcPts val="1600"/>
               </a:spcBef>
@@ -4699,7 +4754,7 @@
               <a:buChar char="■"/>
               <a:defRPr sz="1200"/>
             </a:lvl3pPr>
-            <a:lvl4pPr indent="-304800" lvl="3" marL="1828800">
+            <a:lvl4pPr marL="1828800" lvl="3" indent="-304800">
               <a:spcBef>
                 <a:spcPts val="1600"/>
               </a:spcBef>
@@ -4710,7 +4765,7 @@
               <a:buChar char="●"/>
               <a:defRPr sz="1200"/>
             </a:lvl4pPr>
-            <a:lvl5pPr indent="-304800" lvl="4" marL="2286000">
+            <a:lvl5pPr marL="2286000" lvl="4" indent="-304800">
               <a:spcBef>
                 <a:spcPts val="1600"/>
               </a:spcBef>
@@ -4721,7 +4776,7 @@
               <a:buChar char="○"/>
               <a:defRPr sz="1200"/>
             </a:lvl5pPr>
-            <a:lvl6pPr indent="-304800" lvl="5" marL="2743200">
+            <a:lvl6pPr marL="2743200" lvl="5" indent="-304800">
               <a:spcBef>
                 <a:spcPts val="1600"/>
               </a:spcBef>
@@ -4732,7 +4787,7 @@
               <a:buChar char="■"/>
               <a:defRPr sz="1200"/>
             </a:lvl6pPr>
-            <a:lvl7pPr indent="-304800" lvl="6" marL="3200400">
+            <a:lvl7pPr marL="3200400" lvl="6" indent="-304800">
               <a:spcBef>
                 <a:spcPts val="1600"/>
               </a:spcBef>
@@ -4743,7 +4798,7 @@
               <a:buChar char="●"/>
               <a:defRPr sz="1200"/>
             </a:lvl7pPr>
-            <a:lvl8pPr indent="-304800" lvl="7" marL="3657600">
+            <a:lvl8pPr marL="3657600" lvl="7" indent="-304800">
               <a:spcBef>
                 <a:spcPts val="1600"/>
               </a:spcBef>
@@ -4754,7 +4809,7 @@
               <a:buChar char="○"/>
               <a:defRPr sz="1200"/>
             </a:lvl8pPr>
-            <a:lvl9pPr indent="-304800" lvl="8" marL="4114800">
+            <a:lvl9pPr marL="4114800" lvl="8" indent="-304800">
               <a:spcBef>
                 <a:spcPts val="1600"/>
               </a:spcBef>
@@ -4766,15 +4821,19 @@
               <a:defRPr sz="1200"/>
             </a:lvl9pPr>
           </a:lstStyle>
-          <a:p/>
+          <a:p>
+            <a:endParaRPr/>
+          </a:p>
         </p:txBody>
       </p:sp>
       <p:sp>
         <p:nvSpPr>
           <p:cNvPr id="41" name="Google Shape;41;p5"/>
-          <p:cNvSpPr txBox="1"/>
+          <p:cNvSpPr txBox="1">
+            <a:spLocks noGrp="1"/>
+          </p:cNvSpPr>
           <p:nvPr>
-            <p:ph idx="2" type="body"/>
+            <p:ph type="body" idx="2"/>
           </p:nvPr>
         </p:nvSpPr>
         <p:spPr>
@@ -4787,11 +4846,11 @@
           </a:prstGeom>
         </p:spPr>
         <p:txBody>
-          <a:bodyPr anchorCtr="0" anchor="t" bIns="91425" lIns="91425" spcFirstLastPara="1" rIns="91425" wrap="square" tIns="91425">
+          <a:bodyPr spcFirstLastPara="1" wrap="square" lIns="91425" tIns="91425" rIns="91425" bIns="91425" anchor="t" anchorCtr="0">
             <a:noAutofit/>
           </a:bodyPr>
           <a:lstStyle>
-            <a:lvl1pPr indent="-317500" lvl="0" marL="457200">
+            <a:lvl1pPr marL="457200" lvl="0" indent="-317500">
               <a:spcBef>
                 <a:spcPts val="0"/>
               </a:spcBef>
@@ -4802,7 +4861,7 @@
               <a:buChar char="●"/>
               <a:defRPr sz="1400"/>
             </a:lvl1pPr>
-            <a:lvl2pPr indent="-304800" lvl="1" marL="914400">
+            <a:lvl2pPr marL="914400" lvl="1" indent="-304800">
               <a:spcBef>
                 <a:spcPts val="1600"/>
               </a:spcBef>
@@ -4813,7 +4872,7 @@
               <a:buChar char="○"/>
               <a:defRPr sz="1200"/>
             </a:lvl2pPr>
-            <a:lvl3pPr indent="-304800" lvl="2" marL="1371600">
+            <a:lvl3pPr marL="1371600" lvl="2" indent="-304800">
               <a:spcBef>
                 <a:spcPts val="1600"/>
               </a:spcBef>
@@ -4824,7 +4883,7 @@
               <a:buChar char="■"/>
               <a:defRPr sz="1200"/>
             </a:lvl3pPr>
-            <a:lvl4pPr indent="-304800" lvl="3" marL="1828800">
+            <a:lvl4pPr marL="1828800" lvl="3" indent="-304800">
               <a:spcBef>
                 <a:spcPts val="1600"/>
               </a:spcBef>
@@ -4835,7 +4894,7 @@
               <a:buChar char="●"/>
               <a:defRPr sz="1200"/>
             </a:lvl4pPr>
-            <a:lvl5pPr indent="-304800" lvl="4" marL="2286000">
+            <a:lvl5pPr marL="2286000" lvl="4" indent="-304800">
               <a:spcBef>
                 <a:spcPts val="1600"/>
               </a:spcBef>
@@ -4846,7 +4905,7 @@
               <a:buChar char="○"/>
               <a:defRPr sz="1200"/>
             </a:lvl5pPr>
-            <a:lvl6pPr indent="-304800" lvl="5" marL="2743200">
+            <a:lvl6pPr marL="2743200" lvl="5" indent="-304800">
               <a:spcBef>
                 <a:spcPts val="1600"/>
               </a:spcBef>
@@ -4857,7 +4916,7 @@
               <a:buChar char="■"/>
               <a:defRPr sz="1200"/>
             </a:lvl6pPr>
-            <a:lvl7pPr indent="-304800" lvl="6" marL="3200400">
+            <a:lvl7pPr marL="3200400" lvl="6" indent="-304800">
               <a:spcBef>
                 <a:spcPts val="1600"/>
               </a:spcBef>
@@ -4868,7 +4927,7 @@
               <a:buChar char="●"/>
               <a:defRPr sz="1200"/>
             </a:lvl7pPr>
-            <a:lvl8pPr indent="-304800" lvl="7" marL="3657600">
+            <a:lvl8pPr marL="3657600" lvl="7" indent="-304800">
               <a:spcBef>
                 <a:spcPts val="1600"/>
               </a:spcBef>
@@ -4879,7 +4938,7 @@
               <a:buChar char="○"/>
               <a:defRPr sz="1200"/>
             </a:lvl8pPr>
-            <a:lvl9pPr indent="-304800" lvl="8" marL="4114800">
+            <a:lvl9pPr marL="4114800" lvl="8" indent="-304800">
               <a:spcBef>
                 <a:spcPts val="1600"/>
               </a:spcBef>
@@ -4891,15 +4950,19 @@
               <a:defRPr sz="1200"/>
             </a:lvl9pPr>
           </a:lstStyle>
-          <a:p/>
+          <a:p>
+            <a:endParaRPr/>
+          </a:p>
         </p:txBody>
       </p:sp>
       <p:sp>
         <p:nvSpPr>
           <p:cNvPr id="42" name="Google Shape;42;p5"/>
-          <p:cNvSpPr txBox="1"/>
+          <p:cNvSpPr txBox="1">
+            <a:spLocks noGrp="1"/>
+          </p:cNvSpPr>
           <p:nvPr>
-            <p:ph idx="12" type="sldNum"/>
+            <p:ph type="sldNum" idx="12"/>
           </p:nvPr>
         </p:nvSpPr>
         <p:spPr>
@@ -4912,7 +4975,7 @@
           </a:prstGeom>
         </p:spPr>
         <p:txBody>
-          <a:bodyPr anchorCtr="0" anchor="ctr" bIns="91425" lIns="91425" spcFirstLastPara="1" rIns="91425" wrap="square" tIns="91425">
+          <a:bodyPr spcFirstLastPara="1" wrap="square" lIns="91425" tIns="91425" rIns="91425" bIns="91425" anchor="ctr" anchorCtr="0">
             <a:noAutofit/>
           </a:bodyPr>
           <a:lstStyle>
@@ -4990,7 +5053,7 @@
             </a:lvl9pPr>
           </a:lstStyle>
           <a:p>
-            <a:pPr indent="0" lvl="0" marL="0" rtl="0" algn="r">
+            <a:pPr marL="0" lvl="0" indent="0" algn="r" rtl="0">
               <a:spcBef>
                 <a:spcPts val="0"/>
               </a:spcBef>
@@ -5016,11 +5079,11 @@
 </file>
 
 <file path=ppt/slideLayouts/slideLayout5.xml><?xml version="1.0" encoding="utf-8"?>
-<p:sldLayout xmlns:a="http://schemas.openxmlformats.org/drawingml/2006/main" xmlns:r="http://schemas.openxmlformats.org/officeDocument/2006/relationships" xmlns:mc="http://schemas.openxmlformats.org/markup-compatibility/2006" xmlns:mv="urn:schemas-microsoft-com:mac:vml" xmlns:p="http://schemas.openxmlformats.org/presentationml/2006/main" xmlns:c="http://schemas.openxmlformats.org/drawingml/2006/chart" xmlns:dgm="http://schemas.openxmlformats.org/drawingml/2006/diagram" xmlns:o="urn:schemas-microsoft-com:office:office" xmlns:v="urn:schemas-microsoft-com:vml" xmlns:pvml="urn:schemas-microsoft-com:office:powerpoint" xmlns:com="http://schemas.openxmlformats.org/drawingml/2006/compatibility" xmlns:p14="http://schemas.microsoft.com/office/powerpoint/2010/main" xmlns:p15="http://schemas.microsoft.com/office/powerpoint/2012/main" xmlns:ahyp="http://schemas.microsoft.com/office/drawing/2018/hyperlinkcolor" matchingName="Title only" type="titleOnly">
+<p:sldLayout xmlns:a="http://schemas.openxmlformats.org/drawingml/2006/main" xmlns:r="http://schemas.openxmlformats.org/officeDocument/2006/relationships" xmlns:p="http://schemas.openxmlformats.org/presentationml/2006/main" matchingName="Title only" type="titleOnly">
   <p:cSld name="TITLE_ONLY">
     <p:spTree>
       <p:nvGrpSpPr>
-        <p:cNvPr id="43" name="Shape 43"/>
+        <p:cNvPr id="1" name="Shape 43"/>
         <p:cNvGrpSpPr/>
         <p:nvPr/>
       </p:nvGrpSpPr>
@@ -5035,7 +5098,9 @@
       <p:sp>
         <p:nvSpPr>
           <p:cNvPr id="44" name="Google Shape;44;p6"/>
-          <p:cNvSpPr txBox="1"/>
+          <p:cNvSpPr txBox="1">
+            <a:spLocks noGrp="1"/>
+          </p:cNvSpPr>
           <p:nvPr>
             <p:ph type="title"/>
           </p:nvPr>
@@ -5050,7 +5115,7 @@
           </a:prstGeom>
         </p:spPr>
         <p:txBody>
-          <a:bodyPr anchorCtr="0" anchor="t" bIns="91425" lIns="91425" spcFirstLastPara="1" rIns="91425" wrap="square" tIns="91425">
+          <a:bodyPr spcFirstLastPara="1" wrap="square" lIns="91425" tIns="91425" rIns="91425" bIns="91425" anchor="t" anchorCtr="0">
             <a:noAutofit/>
           </a:bodyPr>
           <a:lstStyle>
@@ -5154,15 +5219,19 @@
               <a:defRPr/>
             </a:lvl9pPr>
           </a:lstStyle>
-          <a:p/>
+          <a:p>
+            <a:endParaRPr/>
+          </a:p>
         </p:txBody>
       </p:sp>
       <p:sp>
         <p:nvSpPr>
           <p:cNvPr id="45" name="Google Shape;45;p6"/>
-          <p:cNvSpPr txBox="1"/>
+          <p:cNvSpPr txBox="1">
+            <a:spLocks noGrp="1"/>
+          </p:cNvSpPr>
           <p:nvPr>
-            <p:ph idx="12" type="sldNum"/>
+            <p:ph type="sldNum" idx="12"/>
           </p:nvPr>
         </p:nvSpPr>
         <p:spPr>
@@ -5175,7 +5244,7 @@
           </a:prstGeom>
         </p:spPr>
         <p:txBody>
-          <a:bodyPr anchorCtr="0" anchor="ctr" bIns="91425" lIns="91425" spcFirstLastPara="1" rIns="91425" wrap="square" tIns="91425">
+          <a:bodyPr spcFirstLastPara="1" wrap="square" lIns="91425" tIns="91425" rIns="91425" bIns="91425" anchor="ctr" anchorCtr="0">
             <a:noAutofit/>
           </a:bodyPr>
           <a:lstStyle>
@@ -5253,7 +5322,7 @@
             </a:lvl9pPr>
           </a:lstStyle>
           <a:p>
-            <a:pPr indent="0" lvl="0" marL="0" rtl="0" algn="r">
+            <a:pPr marL="0" lvl="0" indent="0" algn="r" rtl="0">
               <a:spcBef>
                 <a:spcPts val="0"/>
               </a:spcBef>
@@ -5279,11 +5348,11 @@
 </file>
 
 <file path=ppt/slideLayouts/slideLayout6.xml><?xml version="1.0" encoding="utf-8"?>
-<p:sldLayout xmlns:a="http://schemas.openxmlformats.org/drawingml/2006/main" xmlns:r="http://schemas.openxmlformats.org/officeDocument/2006/relationships" xmlns:mc="http://schemas.openxmlformats.org/markup-compatibility/2006" xmlns:mv="urn:schemas-microsoft-com:mac:vml" xmlns:p="http://schemas.openxmlformats.org/presentationml/2006/main" xmlns:c="http://schemas.openxmlformats.org/drawingml/2006/chart" xmlns:dgm="http://schemas.openxmlformats.org/drawingml/2006/diagram" xmlns:o="urn:schemas-microsoft-com:office:office" xmlns:v="urn:schemas-microsoft-com:vml" xmlns:pvml="urn:schemas-microsoft-com:office:powerpoint" xmlns:com="http://schemas.openxmlformats.org/drawingml/2006/compatibility" xmlns:p14="http://schemas.microsoft.com/office/powerpoint/2010/main" xmlns:p15="http://schemas.microsoft.com/office/powerpoint/2012/main" xmlns:ahyp="http://schemas.microsoft.com/office/drawing/2018/hyperlinkcolor" matchingName="One column text">
+<p:sldLayout xmlns:a="http://schemas.openxmlformats.org/drawingml/2006/main" xmlns:r="http://schemas.openxmlformats.org/officeDocument/2006/relationships" xmlns:p="http://schemas.openxmlformats.org/presentationml/2006/main" matchingName="One column text">
   <p:cSld name="ONE_COLUMN_TEXT">
     <p:spTree>
       <p:nvGrpSpPr>
-        <p:cNvPr id="46" name="Shape 46"/>
+        <p:cNvPr id="1" name="Shape 46"/>
         <p:cNvGrpSpPr/>
         <p:nvPr/>
       </p:nvGrpSpPr>
@@ -5298,7 +5367,9 @@
       <p:sp>
         <p:nvSpPr>
           <p:cNvPr id="47" name="Google Shape;47;p7"/>
-          <p:cNvSpPr txBox="1"/>
+          <p:cNvSpPr txBox="1">
+            <a:spLocks noGrp="1"/>
+          </p:cNvSpPr>
           <p:nvPr>
             <p:ph type="title"/>
           </p:nvPr>
@@ -5313,7 +5384,7 @@
           </a:prstGeom>
         </p:spPr>
         <p:txBody>
-          <a:bodyPr anchorCtr="0" anchor="b" bIns="91425" lIns="91425" spcFirstLastPara="1" rIns="91425" wrap="square" tIns="91425">
+          <a:bodyPr spcFirstLastPara="1" wrap="square" lIns="91425" tIns="91425" rIns="91425" bIns="91425" anchor="b" anchorCtr="0">
             <a:noAutofit/>
           </a:bodyPr>
           <a:lstStyle>
@@ -5417,15 +5488,19 @@
               <a:defRPr sz="2400"/>
             </a:lvl9pPr>
           </a:lstStyle>
-          <a:p/>
+          <a:p>
+            <a:endParaRPr/>
+          </a:p>
         </p:txBody>
       </p:sp>
       <p:sp>
         <p:nvSpPr>
           <p:cNvPr id="48" name="Google Shape;48;p7"/>
-          <p:cNvSpPr txBox="1"/>
+          <p:cNvSpPr txBox="1">
+            <a:spLocks noGrp="1"/>
+          </p:cNvSpPr>
           <p:nvPr>
-            <p:ph idx="1" type="body"/>
+            <p:ph type="body" idx="1"/>
           </p:nvPr>
         </p:nvSpPr>
         <p:spPr>
@@ -5438,11 +5513,11 @@
           </a:prstGeom>
         </p:spPr>
         <p:txBody>
-          <a:bodyPr anchorCtr="0" anchor="t" bIns="91425" lIns="91425" spcFirstLastPara="1" rIns="91425" wrap="square" tIns="91425">
+          <a:bodyPr spcFirstLastPara="1" wrap="square" lIns="91425" tIns="91425" rIns="91425" bIns="91425" anchor="t" anchorCtr="0">
             <a:noAutofit/>
           </a:bodyPr>
           <a:lstStyle>
-            <a:lvl1pPr indent="-304800" lvl="0" marL="457200">
+            <a:lvl1pPr marL="457200" lvl="0" indent="-304800">
               <a:spcBef>
                 <a:spcPts val="0"/>
               </a:spcBef>
@@ -5453,7 +5528,7 @@
               <a:buChar char="●"/>
               <a:defRPr sz="1200"/>
             </a:lvl1pPr>
-            <a:lvl2pPr indent="-304800" lvl="1" marL="914400">
+            <a:lvl2pPr marL="914400" lvl="1" indent="-304800">
               <a:spcBef>
                 <a:spcPts val="1600"/>
               </a:spcBef>
@@ -5464,7 +5539,7 @@
               <a:buChar char="○"/>
               <a:defRPr sz="1200"/>
             </a:lvl2pPr>
-            <a:lvl3pPr indent="-304800" lvl="2" marL="1371600">
+            <a:lvl3pPr marL="1371600" lvl="2" indent="-304800">
               <a:spcBef>
                 <a:spcPts val="1600"/>
               </a:spcBef>
@@ -5475,7 +5550,7 @@
               <a:buChar char="■"/>
               <a:defRPr sz="1200"/>
             </a:lvl3pPr>
-            <a:lvl4pPr indent="-304800" lvl="3" marL="1828800">
+            <a:lvl4pPr marL="1828800" lvl="3" indent="-304800">
               <a:spcBef>
                 <a:spcPts val="1600"/>
               </a:spcBef>
@@ -5486,7 +5561,7 @@
               <a:buChar char="●"/>
               <a:defRPr sz="1200"/>
             </a:lvl4pPr>
-            <a:lvl5pPr indent="-304800" lvl="4" marL="2286000">
+            <a:lvl5pPr marL="2286000" lvl="4" indent="-304800">
               <a:spcBef>
                 <a:spcPts val="1600"/>
               </a:spcBef>
@@ -5497,7 +5572,7 @@
               <a:buChar char="○"/>
               <a:defRPr sz="1200"/>
             </a:lvl5pPr>
-            <a:lvl6pPr indent="-304800" lvl="5" marL="2743200">
+            <a:lvl6pPr marL="2743200" lvl="5" indent="-304800">
               <a:spcBef>
                 <a:spcPts val="1600"/>
               </a:spcBef>
@@ -5508,7 +5583,7 @@
               <a:buChar char="■"/>
               <a:defRPr sz="1200"/>
             </a:lvl6pPr>
-            <a:lvl7pPr indent="-304800" lvl="6" marL="3200400">
+            <a:lvl7pPr marL="3200400" lvl="6" indent="-304800">
               <a:spcBef>
                 <a:spcPts val="1600"/>
               </a:spcBef>
@@ -5519,7 +5594,7 @@
               <a:buChar char="●"/>
               <a:defRPr sz="1200"/>
             </a:lvl7pPr>
-            <a:lvl8pPr indent="-304800" lvl="7" marL="3657600">
+            <a:lvl8pPr marL="3657600" lvl="7" indent="-304800">
               <a:spcBef>
                 <a:spcPts val="1600"/>
               </a:spcBef>
@@ -5530,7 +5605,7 @@
               <a:buChar char="○"/>
               <a:defRPr sz="1200"/>
             </a:lvl8pPr>
-            <a:lvl9pPr indent="-304800" lvl="8" marL="4114800">
+            <a:lvl9pPr marL="4114800" lvl="8" indent="-304800">
               <a:spcBef>
                 <a:spcPts val="1600"/>
               </a:spcBef>
@@ -5542,15 +5617,19 @@
               <a:defRPr sz="1200"/>
             </a:lvl9pPr>
           </a:lstStyle>
-          <a:p/>
+          <a:p>
+            <a:endParaRPr/>
+          </a:p>
         </p:txBody>
       </p:sp>
       <p:sp>
         <p:nvSpPr>
           <p:cNvPr id="49" name="Google Shape;49;p7"/>
-          <p:cNvSpPr txBox="1"/>
+          <p:cNvSpPr txBox="1">
+            <a:spLocks noGrp="1"/>
+          </p:cNvSpPr>
           <p:nvPr>
-            <p:ph idx="12" type="sldNum"/>
+            <p:ph type="sldNum" idx="12"/>
           </p:nvPr>
         </p:nvSpPr>
         <p:spPr>
@@ -5563,7 +5642,7 @@
           </a:prstGeom>
         </p:spPr>
         <p:txBody>
-          <a:bodyPr anchorCtr="0" anchor="ctr" bIns="91425" lIns="91425" spcFirstLastPara="1" rIns="91425" wrap="square" tIns="91425">
+          <a:bodyPr spcFirstLastPara="1" wrap="square" lIns="91425" tIns="91425" rIns="91425" bIns="91425" anchor="ctr" anchorCtr="0">
             <a:noAutofit/>
           </a:bodyPr>
           <a:lstStyle>
@@ -5641,7 +5720,7 @@
             </a:lvl9pPr>
           </a:lstStyle>
           <a:p>
-            <a:pPr indent="0" lvl="0" marL="0" rtl="0" algn="r">
+            <a:pPr marL="0" lvl="0" indent="0" algn="r" rtl="0">
               <a:spcBef>
                 <a:spcPts val="0"/>
               </a:spcBef>
@@ -5667,18 +5746,19 @@
 </file>
 
 <file path=ppt/slideLayouts/slideLayout7.xml><?xml version="1.0" encoding="utf-8"?>
-<p:sldLayout xmlns:a="http://schemas.openxmlformats.org/drawingml/2006/main" xmlns:r="http://schemas.openxmlformats.org/officeDocument/2006/relationships" xmlns:mc="http://schemas.openxmlformats.org/markup-compatibility/2006" xmlns:mv="urn:schemas-microsoft-com:mac:vml" xmlns:p="http://schemas.openxmlformats.org/presentationml/2006/main" xmlns:c="http://schemas.openxmlformats.org/drawingml/2006/chart" xmlns:dgm="http://schemas.openxmlformats.org/drawingml/2006/diagram" xmlns:o="urn:schemas-microsoft-com:office:office" xmlns:v="urn:schemas-microsoft-com:vml" xmlns:pvml="urn:schemas-microsoft-com:office:powerpoint" xmlns:com="http://schemas.openxmlformats.org/drawingml/2006/compatibility" xmlns:p14="http://schemas.microsoft.com/office/powerpoint/2010/main" xmlns:p15="http://schemas.microsoft.com/office/powerpoint/2012/main" xmlns:ahyp="http://schemas.microsoft.com/office/drawing/2018/hyperlinkcolor" matchingName="Main point">
+<p:sldLayout xmlns:a="http://schemas.openxmlformats.org/drawingml/2006/main" xmlns:r="http://schemas.openxmlformats.org/officeDocument/2006/relationships" xmlns:p="http://schemas.openxmlformats.org/presentationml/2006/main" matchingName="Main point">
   <p:cSld name="MAIN_POINT">
     <p:bg>
       <p:bgPr>
         <a:solidFill>
           <a:schemeClr val="accent4"/>
         </a:solidFill>
+        <a:effectLst/>
       </p:bgPr>
     </p:bg>
     <p:spTree>
       <p:nvGrpSpPr>
-        <p:cNvPr id="50" name="Shape 50"/>
+        <p:cNvPr id="1" name="Shape 50"/>
         <p:cNvGrpSpPr/>
         <p:nvPr/>
       </p:nvGrpSpPr>
@@ -5726,12 +5806,12 @@
             </a:ln>
           </p:spPr>
           <p:txBody>
-            <a:bodyPr anchorCtr="0" anchor="ctr" bIns="91425" lIns="91425" spcFirstLastPara="1" rIns="91425" wrap="square" tIns="91425">
+            <a:bodyPr spcFirstLastPara="1" wrap="square" lIns="91425" tIns="91425" rIns="91425" bIns="91425" anchor="ctr" anchorCtr="0">
               <a:noAutofit/>
             </a:bodyPr>
             <a:lstStyle/>
             <a:p>
-              <a:pPr indent="0" lvl="0" marL="0" rtl="0" algn="l">
+              <a:pPr marL="0" lvl="0" indent="0" algn="l" rtl="0">
                 <a:spcBef>
                   <a:spcPts val="0"/>
                 </a:spcBef>
@@ -5740,9 +5820,6 @@
                 </a:spcAft>
                 <a:buNone/>
               </a:pPr>
-              <a:r>
-                <a:t/>
-              </a:r>
               <a:endParaRPr/>
             </a:p>
           </p:txBody>
@@ -5769,12 +5846,12 @@
             </a:ln>
           </p:spPr>
           <p:txBody>
-            <a:bodyPr anchorCtr="0" anchor="ctr" bIns="91425" lIns="91425" spcFirstLastPara="1" rIns="91425" wrap="square" tIns="91425">
+            <a:bodyPr spcFirstLastPara="1" wrap="square" lIns="91425" tIns="91425" rIns="91425" bIns="91425" anchor="ctr" anchorCtr="0">
               <a:noAutofit/>
             </a:bodyPr>
             <a:lstStyle/>
             <a:p>
-              <a:pPr indent="0" lvl="0" marL="0" rtl="0" algn="l">
+              <a:pPr marL="0" lvl="0" indent="0" algn="l" rtl="0">
                 <a:spcBef>
                   <a:spcPts val="0"/>
                 </a:spcBef>
@@ -5783,9 +5860,6 @@
                 </a:spcAft>
                 <a:buNone/>
               </a:pPr>
-              <a:r>
-                <a:t/>
-              </a:r>
               <a:endParaRPr/>
             </a:p>
           </p:txBody>
@@ -5797,7 +5871,7 @@
             <p:nvPr/>
           </p:nvSpPr>
           <p:spPr>
-            <a:xfrm flipH="1" rot="10800000">
+            <a:xfrm rot="10800000" flipH="1">
               <a:off x="7113588" y="107"/>
               <a:ext cx="1015200" cy="1015200"/>
             </a:xfrm>
@@ -5812,12 +5886,12 @@
             </a:ln>
           </p:spPr>
           <p:txBody>
-            <a:bodyPr anchorCtr="0" anchor="ctr" bIns="91425" lIns="91425" spcFirstLastPara="1" rIns="91425" wrap="square" tIns="91425">
+            <a:bodyPr spcFirstLastPara="1" wrap="square" lIns="91425" tIns="91425" rIns="91425" bIns="91425" anchor="ctr" anchorCtr="0">
               <a:noAutofit/>
             </a:bodyPr>
             <a:lstStyle/>
             <a:p>
-              <a:pPr indent="0" lvl="0" marL="0" rtl="0" algn="l">
+              <a:pPr marL="0" lvl="0" indent="0" algn="l" rtl="0">
                 <a:spcBef>
                   <a:spcPts val="0"/>
                 </a:spcBef>
@@ -5826,9 +5900,6 @@
                 </a:spcAft>
                 <a:buNone/>
               </a:pPr>
-              <a:r>
-                <a:t/>
-              </a:r>
               <a:endParaRPr/>
             </a:p>
           </p:txBody>
@@ -5855,12 +5926,12 @@
             </a:ln>
           </p:spPr>
           <p:txBody>
-            <a:bodyPr anchorCtr="0" anchor="ctr" bIns="91425" lIns="91425" spcFirstLastPara="1" rIns="91425" wrap="square" tIns="91425">
+            <a:bodyPr spcFirstLastPara="1" wrap="square" lIns="91425" tIns="91425" rIns="91425" bIns="91425" anchor="ctr" anchorCtr="0">
               <a:noAutofit/>
             </a:bodyPr>
             <a:lstStyle/>
             <a:p>
-              <a:pPr indent="0" lvl="0" marL="0" rtl="0" algn="l">
+              <a:pPr marL="0" lvl="0" indent="0" algn="l" rtl="0">
                 <a:spcBef>
                   <a:spcPts val="0"/>
                 </a:spcBef>
@@ -5869,9 +5940,6 @@
                 </a:spcAft>
                 <a:buNone/>
               </a:pPr>
-              <a:r>
-                <a:t/>
-              </a:r>
               <a:endParaRPr/>
             </a:p>
           </p:txBody>
@@ -5898,12 +5966,12 @@
             </a:ln>
           </p:spPr>
           <p:txBody>
-            <a:bodyPr anchorCtr="0" anchor="ctr" bIns="91425" lIns="91425" spcFirstLastPara="1" rIns="91425" wrap="square" tIns="91425">
+            <a:bodyPr spcFirstLastPara="1" wrap="square" lIns="91425" tIns="91425" rIns="91425" bIns="91425" anchor="ctr" anchorCtr="0">
               <a:noAutofit/>
             </a:bodyPr>
             <a:lstStyle/>
             <a:p>
-              <a:pPr indent="0" lvl="0" marL="0" rtl="0" algn="l">
+              <a:pPr marL="0" lvl="0" indent="0" algn="l" rtl="0">
                 <a:spcBef>
                   <a:spcPts val="0"/>
                 </a:spcBef>
@@ -5912,9 +5980,6 @@
                 </a:spcAft>
                 <a:buNone/>
               </a:pPr>
-              <a:r>
-                <a:t/>
-              </a:r>
               <a:endParaRPr/>
             </a:p>
           </p:txBody>
@@ -5923,7 +5988,9 @@
       <p:sp>
         <p:nvSpPr>
           <p:cNvPr id="57" name="Google Shape;57;p8"/>
-          <p:cNvSpPr txBox="1"/>
+          <p:cNvSpPr txBox="1">
+            <a:spLocks noGrp="1"/>
+          </p:cNvSpPr>
           <p:nvPr>
             <p:ph type="title"/>
           </p:nvPr>
@@ -5938,7 +6005,7 @@
           </a:prstGeom>
         </p:spPr>
         <p:txBody>
-          <a:bodyPr anchorCtr="0" anchor="ctr" bIns="91425" lIns="91425" spcFirstLastPara="1" rIns="91425" wrap="square" tIns="91425">
+          <a:bodyPr spcFirstLastPara="1" wrap="square" lIns="91425" tIns="91425" rIns="91425" bIns="91425" anchor="ctr" anchorCtr="0">
             <a:noAutofit/>
           </a:bodyPr>
           <a:lstStyle>
@@ -6105,15 +6172,19 @@
               </a:defRPr>
             </a:lvl9pPr>
           </a:lstStyle>
-          <a:p/>
+          <a:p>
+            <a:endParaRPr/>
+          </a:p>
         </p:txBody>
       </p:sp>
       <p:sp>
         <p:nvSpPr>
           <p:cNvPr id="58" name="Google Shape;58;p8"/>
-          <p:cNvSpPr txBox="1"/>
+          <p:cNvSpPr txBox="1">
+            <a:spLocks noGrp="1"/>
+          </p:cNvSpPr>
           <p:nvPr>
-            <p:ph idx="12" type="sldNum"/>
+            <p:ph type="sldNum" idx="12"/>
           </p:nvPr>
         </p:nvSpPr>
         <p:spPr>
@@ -6126,7 +6197,7 @@
           </a:prstGeom>
         </p:spPr>
         <p:txBody>
-          <a:bodyPr anchorCtr="0" anchor="ctr" bIns="91425" lIns="91425" spcFirstLastPara="1" rIns="91425" wrap="square" tIns="91425">
+          <a:bodyPr spcFirstLastPara="1" wrap="square" lIns="91425" tIns="91425" rIns="91425" bIns="91425" anchor="ctr" anchorCtr="0">
             <a:noAutofit/>
           </a:bodyPr>
           <a:lstStyle>
@@ -6168,7 +6239,7 @@
             </a:lvl9pPr>
           </a:lstStyle>
           <a:p>
-            <a:pPr indent="0" lvl="0" marL="0" rtl="0" algn="r">
+            <a:pPr marL="0" lvl="0" indent="0" algn="r" rtl="0">
               <a:spcBef>
                 <a:spcPts val="0"/>
               </a:spcBef>
@@ -6194,11 +6265,11 @@
 </file>
 
 <file path=ppt/slideLayouts/slideLayout8.xml><?xml version="1.0" encoding="utf-8"?>
-<p:sldLayout xmlns:a="http://schemas.openxmlformats.org/drawingml/2006/main" xmlns:r="http://schemas.openxmlformats.org/officeDocument/2006/relationships" xmlns:mc="http://schemas.openxmlformats.org/markup-compatibility/2006" xmlns:mv="urn:schemas-microsoft-com:mac:vml" xmlns:p="http://schemas.openxmlformats.org/presentationml/2006/main" xmlns:c="http://schemas.openxmlformats.org/drawingml/2006/chart" xmlns:dgm="http://schemas.openxmlformats.org/drawingml/2006/diagram" xmlns:o="urn:schemas-microsoft-com:office:office" xmlns:v="urn:schemas-microsoft-com:vml" xmlns:pvml="urn:schemas-microsoft-com:office:powerpoint" xmlns:com="http://schemas.openxmlformats.org/drawingml/2006/compatibility" xmlns:p14="http://schemas.microsoft.com/office/powerpoint/2010/main" xmlns:p15="http://schemas.microsoft.com/office/powerpoint/2012/main" xmlns:ahyp="http://schemas.microsoft.com/office/drawing/2018/hyperlinkcolor" matchingName="Section title and description">
+<p:sldLayout xmlns:a="http://schemas.openxmlformats.org/drawingml/2006/main" xmlns:r="http://schemas.openxmlformats.org/officeDocument/2006/relationships" xmlns:p="http://schemas.openxmlformats.org/presentationml/2006/main" matchingName="Section title and description">
   <p:cSld name="SECTION_TITLE_AND_DESCRIPTION">
     <p:spTree>
       <p:nvGrpSpPr>
-        <p:cNvPr id="59" name="Shape 59"/>
+        <p:cNvPr id="1" name="Shape 59"/>
         <p:cNvGrpSpPr/>
         <p:nvPr/>
       </p:nvGrpSpPr>
@@ -6232,12 +6303,12 @@
           </a:ln>
         </p:spPr>
         <p:txBody>
-          <a:bodyPr anchorCtr="0" anchor="ctr" bIns="91425" lIns="91425" spcFirstLastPara="1" rIns="91425" wrap="square" tIns="91425">
+          <a:bodyPr spcFirstLastPara="1" wrap="square" lIns="91425" tIns="91425" rIns="91425" bIns="91425" anchor="ctr" anchorCtr="0">
             <a:noAutofit/>
           </a:bodyPr>
           <a:lstStyle/>
           <a:p>
-            <a:pPr indent="0" lvl="0" marL="0" rtl="0" algn="l">
+            <a:pPr marL="0" lvl="0" indent="0" algn="l" rtl="0">
               <a:spcBef>
                 <a:spcPts val="0"/>
               </a:spcBef>
@@ -6246,9 +6317,6 @@
               </a:spcAft>
               <a:buNone/>
             </a:pPr>
-            <a:r>
-              <a:t/>
-            </a:r>
             <a:endParaRPr/>
           </a:p>
         </p:txBody>
@@ -6268,21 +6336,23 @@
             <a:avLst/>
           </a:prstGeom>
           <a:noFill/>
-          <a:ln cap="flat" cmpd="sng" w="19050">
+          <a:ln w="19050" cap="flat" cmpd="sng">
             <a:solidFill>
               <a:schemeClr val="lt1"/>
             </a:solidFill>
             <a:prstDash val="solid"/>
             <a:round/>
-            <a:headEnd len="sm" w="sm" type="none"/>
-            <a:tailEnd len="sm" w="sm" type="none"/>
+            <a:headEnd type="none" w="sm" len="sm"/>
+            <a:tailEnd type="none" w="sm" len="sm"/>
           </a:ln>
         </p:spPr>
       </p:cxnSp>
       <p:sp>
         <p:nvSpPr>
           <p:cNvPr id="62" name="Google Shape;62;p9"/>
-          <p:cNvSpPr txBox="1"/>
+          <p:cNvSpPr txBox="1">
+            <a:spLocks noGrp="1"/>
+          </p:cNvSpPr>
           <p:nvPr>
             <p:ph type="title"/>
           </p:nvPr>
@@ -6297,7 +6367,7 @@
           </a:prstGeom>
         </p:spPr>
         <p:txBody>
-          <a:bodyPr anchorCtr="0" anchor="b" bIns="91425" lIns="91425" spcFirstLastPara="1" rIns="91425" wrap="square" tIns="91425">
+          <a:bodyPr spcFirstLastPara="1" wrap="square" lIns="91425" tIns="91425" rIns="91425" bIns="91425" anchor="b" anchorCtr="0">
             <a:noAutofit/>
           </a:bodyPr>
           <a:lstStyle>
@@ -6401,15 +6471,19 @@
               <a:defRPr sz="4200"/>
             </a:lvl9pPr>
           </a:lstStyle>
-          <a:p/>
+          <a:p>
+            <a:endParaRPr/>
+          </a:p>
         </p:txBody>
       </p:sp>
       <p:sp>
         <p:nvSpPr>
           <p:cNvPr id="63" name="Google Shape;63;p9"/>
-          <p:cNvSpPr txBox="1"/>
+          <p:cNvSpPr txBox="1">
+            <a:spLocks noGrp="1"/>
+          </p:cNvSpPr>
           <p:nvPr>
-            <p:ph idx="1" type="subTitle"/>
+            <p:ph type="subTitle" idx="1"/>
           </p:nvPr>
         </p:nvSpPr>
         <p:spPr>
@@ -6422,7 +6496,7 @@
           </a:prstGeom>
         </p:spPr>
         <p:txBody>
-          <a:bodyPr anchorCtr="0" anchor="t" bIns="91425" lIns="91425" spcFirstLastPara="1" rIns="91425" wrap="square" tIns="91425">
+          <a:bodyPr spcFirstLastPara="1" wrap="square" lIns="91425" tIns="91425" rIns="91425" bIns="91425" anchor="t" anchorCtr="0">
             <a:noAutofit/>
           </a:bodyPr>
           <a:lstStyle>
@@ -6553,15 +6627,19 @@
               <a:defRPr sz="2100"/>
             </a:lvl9pPr>
           </a:lstStyle>
-          <a:p/>
+          <a:p>
+            <a:endParaRPr/>
+          </a:p>
         </p:txBody>
       </p:sp>
       <p:sp>
         <p:nvSpPr>
           <p:cNvPr id="64" name="Google Shape;64;p9"/>
-          <p:cNvSpPr txBox="1"/>
+          <p:cNvSpPr txBox="1">
+            <a:spLocks noGrp="1"/>
+          </p:cNvSpPr>
           <p:nvPr>
-            <p:ph idx="2" type="body"/>
+            <p:ph type="body" idx="2"/>
           </p:nvPr>
         </p:nvSpPr>
         <p:spPr>
@@ -6574,11 +6652,11 @@
           </a:prstGeom>
         </p:spPr>
         <p:txBody>
-          <a:bodyPr anchorCtr="0" anchor="ctr" bIns="91425" lIns="91425" spcFirstLastPara="1" rIns="91425" wrap="square" tIns="91425">
+          <a:bodyPr spcFirstLastPara="1" wrap="square" lIns="91425" tIns="91425" rIns="91425" bIns="91425" anchor="ctr" anchorCtr="0">
             <a:noAutofit/>
           </a:bodyPr>
           <a:lstStyle>
-            <a:lvl1pPr indent="-342900" lvl="0" marL="457200">
+            <a:lvl1pPr marL="457200" lvl="0" indent="-342900">
               <a:spcBef>
                 <a:spcPts val="0"/>
               </a:spcBef>
@@ -6596,7 +6674,7 @@
                 </a:solidFill>
               </a:defRPr>
             </a:lvl1pPr>
-            <a:lvl2pPr indent="-317500" lvl="1" marL="914400">
+            <a:lvl2pPr marL="914400" lvl="1" indent="-317500">
               <a:spcBef>
                 <a:spcPts val="1600"/>
               </a:spcBef>
@@ -6614,7 +6692,7 @@
                 </a:solidFill>
               </a:defRPr>
             </a:lvl2pPr>
-            <a:lvl3pPr indent="-317500" lvl="2" marL="1371600">
+            <a:lvl3pPr marL="1371600" lvl="2" indent="-317500">
               <a:spcBef>
                 <a:spcPts val="1600"/>
               </a:spcBef>
@@ -6632,7 +6710,7 @@
                 </a:solidFill>
               </a:defRPr>
             </a:lvl3pPr>
-            <a:lvl4pPr indent="-317500" lvl="3" marL="1828800">
+            <a:lvl4pPr marL="1828800" lvl="3" indent="-317500">
               <a:spcBef>
                 <a:spcPts val="1600"/>
               </a:spcBef>
@@ -6650,7 +6728,7 @@
                 </a:solidFill>
               </a:defRPr>
             </a:lvl4pPr>
-            <a:lvl5pPr indent="-317500" lvl="4" marL="2286000">
+            <a:lvl5pPr marL="2286000" lvl="4" indent="-317500">
               <a:spcBef>
                 <a:spcPts val="1600"/>
               </a:spcBef>
@@ -6668,7 +6746,7 @@
                 </a:solidFill>
               </a:defRPr>
             </a:lvl5pPr>
-            <a:lvl6pPr indent="-317500" lvl="5" marL="2743200">
+            <a:lvl6pPr marL="2743200" lvl="5" indent="-317500">
               <a:spcBef>
                 <a:spcPts val="1600"/>
               </a:spcBef>
@@ -6686,7 +6764,7 @@
                 </a:solidFill>
               </a:defRPr>
             </a:lvl6pPr>
-            <a:lvl7pPr indent="-317500" lvl="6" marL="3200400">
+            <a:lvl7pPr marL="3200400" lvl="6" indent="-317500">
               <a:spcBef>
                 <a:spcPts val="1600"/>
               </a:spcBef>
@@ -6704,7 +6782,7 @@
                 </a:solidFill>
               </a:defRPr>
             </a:lvl7pPr>
-            <a:lvl8pPr indent="-317500" lvl="7" marL="3657600">
+            <a:lvl8pPr marL="3657600" lvl="7" indent="-317500">
               <a:spcBef>
                 <a:spcPts val="1600"/>
               </a:spcBef>
@@ -6722,7 +6800,7 @@
                 </a:solidFill>
               </a:defRPr>
             </a:lvl8pPr>
-            <a:lvl9pPr indent="-317500" lvl="8" marL="4114800">
+            <a:lvl9pPr marL="4114800" lvl="8" indent="-317500">
               <a:spcBef>
                 <a:spcPts val="1600"/>
               </a:spcBef>
@@ -6741,15 +6819,19 @@
               </a:defRPr>
             </a:lvl9pPr>
           </a:lstStyle>
-          <a:p/>
+          <a:p>
+            <a:endParaRPr/>
+          </a:p>
         </p:txBody>
       </p:sp>
       <p:sp>
         <p:nvSpPr>
           <p:cNvPr id="65" name="Google Shape;65;p9"/>
-          <p:cNvSpPr txBox="1"/>
+          <p:cNvSpPr txBox="1">
+            <a:spLocks noGrp="1"/>
+          </p:cNvSpPr>
           <p:nvPr>
-            <p:ph idx="12" type="sldNum"/>
+            <p:ph type="sldNum" idx="12"/>
           </p:nvPr>
         </p:nvSpPr>
         <p:spPr>
@@ -6762,7 +6844,7 @@
           </a:prstGeom>
         </p:spPr>
         <p:txBody>
-          <a:bodyPr anchorCtr="0" anchor="ctr" bIns="91425" lIns="91425" spcFirstLastPara="1" rIns="91425" wrap="square" tIns="91425">
+          <a:bodyPr spcFirstLastPara="1" wrap="square" lIns="91425" tIns="91425" rIns="91425" bIns="91425" anchor="ctr" anchorCtr="0">
             <a:noAutofit/>
           </a:bodyPr>
           <a:lstStyle>
@@ -6804,7 +6886,7 @@
             </a:lvl9pPr>
           </a:lstStyle>
           <a:p>
-            <a:pPr indent="0" lvl="0" marL="0" rtl="0" algn="r">
+            <a:pPr marL="0" lvl="0" indent="0" algn="r" rtl="0">
               <a:spcBef>
                 <a:spcPts val="0"/>
               </a:spcBef>
@@ -6830,11 +6912,11 @@
 </file>
 
 <file path=ppt/slideLayouts/slideLayout9.xml><?xml version="1.0" encoding="utf-8"?>
-<p:sldLayout xmlns:a="http://schemas.openxmlformats.org/drawingml/2006/main" xmlns:r="http://schemas.openxmlformats.org/officeDocument/2006/relationships" xmlns:mc="http://schemas.openxmlformats.org/markup-compatibility/2006" xmlns:mv="urn:schemas-microsoft-com:mac:vml" xmlns:p="http://schemas.openxmlformats.org/presentationml/2006/main" xmlns:c="http://schemas.openxmlformats.org/drawingml/2006/chart" xmlns:dgm="http://schemas.openxmlformats.org/drawingml/2006/diagram" xmlns:o="urn:schemas-microsoft-com:office:office" xmlns:v="urn:schemas-microsoft-com:vml" xmlns:pvml="urn:schemas-microsoft-com:office:powerpoint" xmlns:com="http://schemas.openxmlformats.org/drawingml/2006/compatibility" xmlns:p14="http://schemas.microsoft.com/office/powerpoint/2010/main" xmlns:p15="http://schemas.microsoft.com/office/powerpoint/2012/main" xmlns:ahyp="http://schemas.microsoft.com/office/drawing/2018/hyperlinkcolor" matchingName="Caption">
+<p:sldLayout xmlns:a="http://schemas.openxmlformats.org/drawingml/2006/main" xmlns:r="http://schemas.openxmlformats.org/officeDocument/2006/relationships" xmlns:p="http://schemas.openxmlformats.org/presentationml/2006/main" matchingName="Caption">
   <p:cSld name="CAPTION_ONLY">
     <p:spTree>
       <p:nvGrpSpPr>
-        <p:cNvPr id="66" name="Shape 66"/>
+        <p:cNvPr id="1" name="Shape 66"/>
         <p:cNvGrpSpPr/>
         <p:nvPr/>
       </p:nvGrpSpPr>
@@ -6849,9 +6931,11 @@
       <p:sp>
         <p:nvSpPr>
           <p:cNvPr id="67" name="Google Shape;67;p10"/>
-          <p:cNvSpPr txBox="1"/>
+          <p:cNvSpPr txBox="1">
+            <a:spLocks noGrp="1"/>
+          </p:cNvSpPr>
           <p:nvPr>
-            <p:ph idx="1" type="body"/>
+            <p:ph type="body" idx="1"/>
           </p:nvPr>
         </p:nvSpPr>
         <p:spPr>
@@ -6864,11 +6948,11 @@
           </a:prstGeom>
         </p:spPr>
         <p:txBody>
-          <a:bodyPr anchorCtr="0" anchor="ctr" bIns="91425" lIns="91425" spcFirstLastPara="1" rIns="91425" wrap="square" tIns="91425">
+          <a:bodyPr spcFirstLastPara="1" wrap="square" lIns="91425" tIns="91425" rIns="91425" bIns="91425" anchor="ctr" anchorCtr="0">
             <a:noAutofit/>
           </a:bodyPr>
           <a:lstStyle>
-            <a:lvl1pPr indent="-228600" lvl="0" marL="457200">
+            <a:lvl1pPr marL="457200" lvl="0" indent="-228600">
               <a:lnSpc>
                 <a:spcPct val="100000"/>
               </a:lnSpc>
@@ -6883,15 +6967,19 @@
               <a:defRPr/>
             </a:lvl1pPr>
           </a:lstStyle>
-          <a:p/>
+          <a:p>
+            <a:endParaRPr/>
+          </a:p>
         </p:txBody>
       </p:sp>
       <p:sp>
         <p:nvSpPr>
           <p:cNvPr id="68" name="Google Shape;68;p10"/>
-          <p:cNvSpPr txBox="1"/>
+          <p:cNvSpPr txBox="1">
+            <a:spLocks noGrp="1"/>
+          </p:cNvSpPr>
           <p:nvPr>
-            <p:ph idx="12" type="sldNum"/>
+            <p:ph type="sldNum" idx="12"/>
           </p:nvPr>
         </p:nvSpPr>
         <p:spPr>
@@ -6904,7 +6992,7 @@
           </a:prstGeom>
         </p:spPr>
         <p:txBody>
-          <a:bodyPr anchorCtr="0" anchor="ctr" bIns="91425" lIns="91425" spcFirstLastPara="1" rIns="91425" wrap="square" tIns="91425">
+          <a:bodyPr spcFirstLastPara="1" wrap="square" lIns="91425" tIns="91425" rIns="91425" bIns="91425" anchor="ctr" anchorCtr="0">
             <a:noAutofit/>
           </a:bodyPr>
           <a:lstStyle>
@@ -6982,7 +7070,7 @@
             </a:lvl9pPr>
           </a:lstStyle>
           <a:p>
-            <a:pPr indent="0" lvl="0" marL="0" rtl="0" algn="r">
+            <a:pPr marL="0" lvl="0" indent="0" algn="r" rtl="0">
               <a:spcBef>
                 <a:spcPts val="0"/>
               </a:spcBef>
@@ -7008,18 +7096,19 @@
 </file>
 
 <file path=ppt/slideMasters/slideMaster1.xml><?xml version="1.0" encoding="utf-8"?>
-<p:sldMaster xmlns:a="http://schemas.openxmlformats.org/drawingml/2006/main" xmlns:r="http://schemas.openxmlformats.org/officeDocument/2006/relationships" xmlns:mc="http://schemas.openxmlformats.org/markup-compatibility/2006" xmlns:mv="urn:schemas-microsoft-com:mac:vml" xmlns:p="http://schemas.openxmlformats.org/presentationml/2006/main" xmlns:c="http://schemas.openxmlformats.org/drawingml/2006/chart" xmlns:dgm="http://schemas.openxmlformats.org/drawingml/2006/diagram" xmlns:o="urn:schemas-microsoft-com:office:office" xmlns:v="urn:schemas-microsoft-com:vml" xmlns:pvml="urn:schemas-microsoft-com:office:powerpoint" xmlns:com="http://schemas.openxmlformats.org/drawingml/2006/compatibility" xmlns:p14="http://schemas.microsoft.com/office/powerpoint/2010/main" xmlns:p15="http://schemas.microsoft.com/office/powerpoint/2012/main" xmlns:ahyp="http://schemas.microsoft.com/office/drawing/2018/hyperlinkcolor">
+<p:sldMaster xmlns:a="http://schemas.openxmlformats.org/drawingml/2006/main" xmlns:r="http://schemas.openxmlformats.org/officeDocument/2006/relationships" xmlns:p="http://schemas.openxmlformats.org/presentationml/2006/main">
   <p:cSld name="geometric">
     <p:bg>
       <p:bgPr>
         <a:solidFill>
           <a:schemeClr val="lt1"/>
         </a:solidFill>
+        <a:effectLst/>
       </p:bgPr>
     </p:bg>
     <p:spTree>
       <p:nvGrpSpPr>
-        <p:cNvPr id="5" name="Shape 5"/>
+        <p:cNvPr id="1" name="Shape 5"/>
         <p:cNvGrpSpPr/>
         <p:nvPr/>
       </p:nvGrpSpPr>
@@ -7034,7 +7123,9 @@
       <p:sp>
         <p:nvSpPr>
           <p:cNvPr id="6" name="Google Shape;6;p1"/>
-          <p:cNvSpPr txBox="1"/>
+          <p:cNvSpPr txBox="1">
+            <a:spLocks noGrp="1"/>
+          </p:cNvSpPr>
           <p:nvPr>
             <p:ph type="title"/>
           </p:nvPr>
@@ -7053,7 +7144,7 @@
           </a:ln>
         </p:spPr>
         <p:txBody>
-          <a:bodyPr anchorCtr="0" anchor="t" bIns="91425" lIns="91425" spcFirstLastPara="1" rIns="91425" wrap="square" tIns="91425">
+          <a:bodyPr spcFirstLastPara="1" wrap="square" lIns="91425" tIns="91425" rIns="91425" bIns="91425" anchor="t" anchorCtr="0">
             <a:noAutofit/>
           </a:bodyPr>
           <a:lstStyle>
@@ -7265,15 +7356,19 @@
               </a:defRPr>
             </a:lvl9pPr>
           </a:lstStyle>
-          <a:p/>
+          <a:p>
+            <a:endParaRPr/>
+          </a:p>
         </p:txBody>
       </p:sp>
       <p:sp>
         <p:nvSpPr>
           <p:cNvPr id="7" name="Google Shape;7;p1"/>
-          <p:cNvSpPr txBox="1"/>
+          <p:cNvSpPr txBox="1">
+            <a:spLocks noGrp="1"/>
+          </p:cNvSpPr>
           <p:nvPr>
-            <p:ph idx="1" type="body"/>
+            <p:ph type="body" idx="1"/>
           </p:nvPr>
         </p:nvSpPr>
         <p:spPr>
@@ -7290,11 +7385,11 @@
           </a:ln>
         </p:spPr>
         <p:txBody>
-          <a:bodyPr anchorCtr="0" anchor="t" bIns="91425" lIns="91425" spcFirstLastPara="1" rIns="91425" wrap="square" tIns="91425">
+          <a:bodyPr spcFirstLastPara="1" wrap="square" lIns="91425" tIns="91425" rIns="91425" bIns="91425" anchor="t" anchorCtr="0">
             <a:noAutofit/>
           </a:bodyPr>
           <a:lstStyle>
-            <a:lvl1pPr indent="-342900" lvl="0" marL="457200">
+            <a:lvl1pPr marL="457200" lvl="0" indent="-342900">
               <a:lnSpc>
                 <a:spcPct val="115000"/>
               </a:lnSpc>
@@ -7320,7 +7415,7 @@
                 <a:sym typeface="Roboto"/>
               </a:defRPr>
             </a:lvl1pPr>
-            <a:lvl2pPr indent="-317500" lvl="1" marL="914400">
+            <a:lvl2pPr marL="914400" lvl="1" indent="-317500">
               <a:lnSpc>
                 <a:spcPct val="115000"/>
               </a:lnSpc>
@@ -7346,7 +7441,7 @@
                 <a:sym typeface="Roboto"/>
               </a:defRPr>
             </a:lvl2pPr>
-            <a:lvl3pPr indent="-317500" lvl="2" marL="1371600">
+            <a:lvl3pPr marL="1371600" lvl="2" indent="-317500">
               <a:lnSpc>
                 <a:spcPct val="115000"/>
               </a:lnSpc>
@@ -7372,7 +7467,7 @@
                 <a:sym typeface="Roboto"/>
               </a:defRPr>
             </a:lvl3pPr>
-            <a:lvl4pPr indent="-317500" lvl="3" marL="1828800">
+            <a:lvl4pPr marL="1828800" lvl="3" indent="-317500">
               <a:lnSpc>
                 <a:spcPct val="115000"/>
               </a:lnSpc>
@@ -7398,7 +7493,7 @@
                 <a:sym typeface="Roboto"/>
               </a:defRPr>
             </a:lvl4pPr>
-            <a:lvl5pPr indent="-317500" lvl="4" marL="2286000">
+            <a:lvl5pPr marL="2286000" lvl="4" indent="-317500">
               <a:lnSpc>
                 <a:spcPct val="115000"/>
               </a:lnSpc>
@@ -7424,7 +7519,7 @@
                 <a:sym typeface="Roboto"/>
               </a:defRPr>
             </a:lvl5pPr>
-            <a:lvl6pPr indent="-317500" lvl="5" marL="2743200">
+            <a:lvl6pPr marL="2743200" lvl="5" indent="-317500">
               <a:lnSpc>
                 <a:spcPct val="115000"/>
               </a:lnSpc>
@@ -7450,7 +7545,7 @@
                 <a:sym typeface="Roboto"/>
               </a:defRPr>
             </a:lvl6pPr>
-            <a:lvl7pPr indent="-317500" lvl="6" marL="3200400">
+            <a:lvl7pPr marL="3200400" lvl="6" indent="-317500">
               <a:lnSpc>
                 <a:spcPct val="115000"/>
               </a:lnSpc>
@@ -7476,7 +7571,7 @@
                 <a:sym typeface="Roboto"/>
               </a:defRPr>
             </a:lvl7pPr>
-            <a:lvl8pPr indent="-317500" lvl="7" marL="3657600">
+            <a:lvl8pPr marL="3657600" lvl="7" indent="-317500">
               <a:lnSpc>
                 <a:spcPct val="115000"/>
               </a:lnSpc>
@@ -7502,7 +7597,7 @@
                 <a:sym typeface="Roboto"/>
               </a:defRPr>
             </a:lvl8pPr>
-            <a:lvl9pPr indent="-317500" lvl="8" marL="4114800">
+            <a:lvl9pPr marL="4114800" lvl="8" indent="-317500">
               <a:lnSpc>
                 <a:spcPct val="115000"/>
               </a:lnSpc>
@@ -7529,15 +7624,19 @@
               </a:defRPr>
             </a:lvl9pPr>
           </a:lstStyle>
-          <a:p/>
+          <a:p>
+            <a:endParaRPr/>
+          </a:p>
         </p:txBody>
       </p:sp>
       <p:sp>
         <p:nvSpPr>
           <p:cNvPr id="8" name="Google Shape;8;p1"/>
-          <p:cNvSpPr txBox="1"/>
+          <p:cNvSpPr txBox="1">
+            <a:spLocks noGrp="1"/>
+          </p:cNvSpPr>
           <p:nvPr>
-            <p:ph idx="12" type="sldNum"/>
+            <p:ph type="sldNum" idx="12"/>
           </p:nvPr>
         </p:nvSpPr>
         <p:spPr>
@@ -7554,7 +7653,7 @@
           </a:ln>
         </p:spPr>
         <p:txBody>
-          <a:bodyPr anchorCtr="0" anchor="ctr" bIns="91425" lIns="91425" spcFirstLastPara="1" rIns="91425" wrap="square" tIns="91425">
+          <a:bodyPr spcFirstLastPara="1" wrap="square" lIns="91425" tIns="91425" rIns="91425" bIns="91425" anchor="ctr" anchorCtr="0">
             <a:noAutofit/>
           </a:bodyPr>
           <a:lstStyle>
@@ -7668,7 +7767,7 @@
             </a:lvl9pPr>
           </a:lstStyle>
           <a:p>
-            <a:pPr indent="0" lvl="0" marL="0" rtl="0" algn="r">
+            <a:pPr marL="0" lvl="0" indent="0" algn="r" rtl="0">
               <a:spcBef>
                 <a:spcPts val="0"/>
               </a:spcBef>
@@ -7687,7 +7786,7 @@
       </p:sp>
     </p:spTree>
   </p:cSld>
-  <p:clrMap accent1="accent1" accent2="accent2" accent3="accent3" accent4="accent4" accent5="accent5" accent6="accent6" bg1="lt1" bg2="dk2" tx1="dk1" tx2="lt2" folHlink="folHlink" hlink="hlink"/>
+  <p:clrMap bg1="lt1" tx1="dk1" bg2="dk2" tx2="lt2" accent1="accent1" accent2="accent2" accent3="accent3" accent4="accent4" accent5="accent5" accent6="accent6" hlink="hlink" folHlink="folHlink"/>
   <p:sldLayoutIdLst>
     <p:sldLayoutId id="2147483648" r:id="rId1"/>
     <p:sldLayoutId id="2147483649" r:id="rId2"/>
@@ -7701,10 +7800,10 @@
     <p:sldLayoutId id="2147483657" r:id="rId10"/>
     <p:sldLayoutId id="2147483658" r:id="rId11"/>
   </p:sldLayoutIdLst>
-  <p:hf dt="0" ftr="0" hdr="0" sldNum="0"/>
+  <p:hf sldNum="0" hdr="0" ftr="0" dt="0"/>
   <p:txStyles>
     <p:titleStyle>
-      <a:defPPr lvl="0" marR="0" rtl="0" algn="l">
+      <a:defPPr marR="0" lvl="0" algn="l" rtl="0">
         <a:lnSpc>
           <a:spcPct val="100000"/>
         </a:lnSpc>
@@ -7715,7 +7814,7 @@
           <a:spcPts val="0"/>
         </a:spcAft>
       </a:defPPr>
-      <a:lvl1pPr lvl="0" marR="0" rtl="0" algn="l">
+      <a:lvl1pPr marR="0" lvl="0" algn="l" rtl="0">
         <a:lnSpc>
           <a:spcPct val="100000"/>
         </a:lnSpc>
@@ -7729,7 +7828,7 @@
           <a:srgbClr val="000000"/>
         </a:buClr>
         <a:buFont typeface="Arial"/>
-        <a:defRPr b="0" i="0" sz="1400" u="none" cap="none" strike="noStrike">
+        <a:defRPr sz="1400" b="0" i="0" u="none" strike="noStrike" cap="none">
           <a:solidFill>
             <a:srgbClr val="000000"/>
           </a:solidFill>
@@ -7739,7 +7838,7 @@
           <a:sym typeface="Arial"/>
         </a:defRPr>
       </a:lvl1pPr>
-      <a:lvl2pPr lvl="1" marR="0" rtl="0" algn="l">
+      <a:lvl2pPr marR="0" lvl="1" algn="l" rtl="0">
         <a:lnSpc>
           <a:spcPct val="100000"/>
         </a:lnSpc>
@@ -7753,7 +7852,7 @@
           <a:srgbClr val="000000"/>
         </a:buClr>
         <a:buFont typeface="Arial"/>
-        <a:defRPr b="0" i="0" sz="1400" u="none" cap="none" strike="noStrike">
+        <a:defRPr sz="1400" b="0" i="0" u="none" strike="noStrike" cap="none">
           <a:solidFill>
             <a:srgbClr val="000000"/>
           </a:solidFill>
@@ -7763,7 +7862,7 @@
           <a:sym typeface="Arial"/>
         </a:defRPr>
       </a:lvl2pPr>
-      <a:lvl3pPr lvl="2" marR="0" rtl="0" algn="l">
+      <a:lvl3pPr marR="0" lvl="2" algn="l" rtl="0">
         <a:lnSpc>
           <a:spcPct val="100000"/>
         </a:lnSpc>
@@ -7777,7 +7876,7 @@
           <a:srgbClr val="000000"/>
         </a:buClr>
         <a:buFont typeface="Arial"/>
-        <a:defRPr b="0" i="0" sz="1400" u="none" cap="none" strike="noStrike">
+        <a:defRPr sz="1400" b="0" i="0" u="none" strike="noStrike" cap="none">
           <a:solidFill>
             <a:srgbClr val="000000"/>
           </a:solidFill>
@@ -7787,7 +7886,7 @@
           <a:sym typeface="Arial"/>
         </a:defRPr>
       </a:lvl3pPr>
-      <a:lvl4pPr lvl="3" marR="0" rtl="0" algn="l">
+      <a:lvl4pPr marR="0" lvl="3" algn="l" rtl="0">
         <a:lnSpc>
           <a:spcPct val="100000"/>
         </a:lnSpc>
@@ -7801,7 +7900,7 @@
           <a:srgbClr val="000000"/>
         </a:buClr>
         <a:buFont typeface="Arial"/>
-        <a:defRPr b="0" i="0" sz="1400" u="none" cap="none" strike="noStrike">
+        <a:defRPr sz="1400" b="0" i="0" u="none" strike="noStrike" cap="none">
           <a:solidFill>
             <a:srgbClr val="000000"/>
           </a:solidFill>
@@ -7811,7 +7910,7 @@
           <a:sym typeface="Arial"/>
         </a:defRPr>
       </a:lvl4pPr>
-      <a:lvl5pPr lvl="4" marR="0" rtl="0" algn="l">
+      <a:lvl5pPr marR="0" lvl="4" algn="l" rtl="0">
         <a:lnSpc>
           <a:spcPct val="100000"/>
         </a:lnSpc>
@@ -7825,7 +7924,7 @@
           <a:srgbClr val="000000"/>
         </a:buClr>
         <a:buFont typeface="Arial"/>
-        <a:defRPr b="0" i="0" sz="1400" u="none" cap="none" strike="noStrike">
+        <a:defRPr sz="1400" b="0" i="0" u="none" strike="noStrike" cap="none">
           <a:solidFill>
             <a:srgbClr val="000000"/>
           </a:solidFill>
@@ -7835,7 +7934,7 @@
           <a:sym typeface="Arial"/>
         </a:defRPr>
       </a:lvl5pPr>
-      <a:lvl6pPr lvl="5" marR="0" rtl="0" algn="l">
+      <a:lvl6pPr marR="0" lvl="5" algn="l" rtl="0">
         <a:lnSpc>
           <a:spcPct val="100000"/>
         </a:lnSpc>
@@ -7849,7 +7948,7 @@
           <a:srgbClr val="000000"/>
         </a:buClr>
         <a:buFont typeface="Arial"/>
-        <a:defRPr b="0" i="0" sz="1400" u="none" cap="none" strike="noStrike">
+        <a:defRPr sz="1400" b="0" i="0" u="none" strike="noStrike" cap="none">
           <a:solidFill>
             <a:srgbClr val="000000"/>
           </a:solidFill>
@@ -7859,7 +7958,7 @@
           <a:sym typeface="Arial"/>
         </a:defRPr>
       </a:lvl6pPr>
-      <a:lvl7pPr lvl="6" marR="0" rtl="0" algn="l">
+      <a:lvl7pPr marR="0" lvl="6" algn="l" rtl="0">
         <a:lnSpc>
           <a:spcPct val="100000"/>
         </a:lnSpc>
@@ -7873,7 +7972,7 @@
           <a:srgbClr val="000000"/>
         </a:buClr>
         <a:buFont typeface="Arial"/>
-        <a:defRPr b="0" i="0" sz="1400" u="none" cap="none" strike="noStrike">
+        <a:defRPr sz="1400" b="0" i="0" u="none" strike="noStrike" cap="none">
           <a:solidFill>
             <a:srgbClr val="000000"/>
           </a:solidFill>
@@ -7883,7 +7982,7 @@
           <a:sym typeface="Arial"/>
         </a:defRPr>
       </a:lvl7pPr>
-      <a:lvl8pPr lvl="7" marR="0" rtl="0" algn="l">
+      <a:lvl8pPr marR="0" lvl="7" algn="l" rtl="0">
         <a:lnSpc>
           <a:spcPct val="100000"/>
         </a:lnSpc>
@@ -7897,7 +7996,7 @@
           <a:srgbClr val="000000"/>
         </a:buClr>
         <a:buFont typeface="Arial"/>
-        <a:defRPr b="0" i="0" sz="1400" u="none" cap="none" strike="noStrike">
+        <a:defRPr sz="1400" b="0" i="0" u="none" strike="noStrike" cap="none">
           <a:solidFill>
             <a:srgbClr val="000000"/>
           </a:solidFill>
@@ -7907,7 +8006,7 @@
           <a:sym typeface="Arial"/>
         </a:defRPr>
       </a:lvl8pPr>
-      <a:lvl9pPr lvl="8" marR="0" rtl="0" algn="l">
+      <a:lvl9pPr marR="0" lvl="8" algn="l" rtl="0">
         <a:lnSpc>
           <a:spcPct val="100000"/>
         </a:lnSpc>
@@ -7921,7 +8020,7 @@
           <a:srgbClr val="000000"/>
         </a:buClr>
         <a:buFont typeface="Arial"/>
-        <a:defRPr b="0" i="0" sz="1400" u="none" cap="none" strike="noStrike">
+        <a:defRPr sz="1400" b="0" i="0" u="none" strike="noStrike" cap="none">
           <a:solidFill>
             <a:srgbClr val="000000"/>
           </a:solidFill>
@@ -7933,7 +8032,7 @@
       </a:lvl9pPr>
     </p:titleStyle>
     <p:bodyStyle>
-      <a:defPPr lvl="0" marR="0" rtl="0" algn="l">
+      <a:defPPr marR="0" lvl="0" algn="l" rtl="0">
         <a:lnSpc>
           <a:spcPct val="100000"/>
         </a:lnSpc>
@@ -7944,7 +8043,7 @@
           <a:spcPts val="0"/>
         </a:spcAft>
       </a:defPPr>
-      <a:lvl1pPr lvl="0" marR="0" rtl="0" algn="l">
+      <a:lvl1pPr marR="0" lvl="0" algn="l" rtl="0">
         <a:lnSpc>
           <a:spcPct val="100000"/>
         </a:lnSpc>
@@ -7958,7 +8057,7 @@
           <a:srgbClr val="000000"/>
         </a:buClr>
         <a:buFont typeface="Arial"/>
-        <a:defRPr b="0" i="0" sz="1400" u="none" cap="none" strike="noStrike">
+        <a:defRPr sz="1400" b="0" i="0" u="none" strike="noStrike" cap="none">
           <a:solidFill>
             <a:srgbClr val="000000"/>
           </a:solidFill>
@@ -7968,7 +8067,7 @@
           <a:sym typeface="Arial"/>
         </a:defRPr>
       </a:lvl1pPr>
-      <a:lvl2pPr lvl="1" marR="0" rtl="0" algn="l">
+      <a:lvl2pPr marR="0" lvl="1" algn="l" rtl="0">
         <a:lnSpc>
           <a:spcPct val="100000"/>
         </a:lnSpc>
@@ -7982,7 +8081,7 @@
           <a:srgbClr val="000000"/>
         </a:buClr>
         <a:buFont typeface="Arial"/>
-        <a:defRPr b="0" i="0" sz="1400" u="none" cap="none" strike="noStrike">
+        <a:defRPr sz="1400" b="0" i="0" u="none" strike="noStrike" cap="none">
           <a:solidFill>
             <a:srgbClr val="000000"/>
           </a:solidFill>
@@ -7992,7 +8091,7 @@
           <a:sym typeface="Arial"/>
         </a:defRPr>
       </a:lvl2pPr>
-      <a:lvl3pPr lvl="2" marR="0" rtl="0" algn="l">
+      <a:lvl3pPr marR="0" lvl="2" algn="l" rtl="0">
         <a:lnSpc>
           <a:spcPct val="100000"/>
         </a:lnSpc>
@@ -8006,7 +8105,7 @@
           <a:srgbClr val="000000"/>
         </a:buClr>
         <a:buFont typeface="Arial"/>
-        <a:defRPr b="0" i="0" sz="1400" u="none" cap="none" strike="noStrike">
+        <a:defRPr sz="1400" b="0" i="0" u="none" strike="noStrike" cap="none">
           <a:solidFill>
             <a:srgbClr val="000000"/>
           </a:solidFill>
@@ -8016,7 +8115,7 @@
           <a:sym typeface="Arial"/>
         </a:defRPr>
       </a:lvl3pPr>
-      <a:lvl4pPr lvl="3" marR="0" rtl="0" algn="l">
+      <a:lvl4pPr marR="0" lvl="3" algn="l" rtl="0">
         <a:lnSpc>
           <a:spcPct val="100000"/>
         </a:lnSpc>
@@ -8030,7 +8129,7 @@
           <a:srgbClr val="000000"/>
         </a:buClr>
         <a:buFont typeface="Arial"/>
-        <a:defRPr b="0" i="0" sz="1400" u="none" cap="none" strike="noStrike">
+        <a:defRPr sz="1400" b="0" i="0" u="none" strike="noStrike" cap="none">
           <a:solidFill>
             <a:srgbClr val="000000"/>
           </a:solidFill>
@@ -8040,7 +8139,7 @@
           <a:sym typeface="Arial"/>
         </a:defRPr>
       </a:lvl4pPr>
-      <a:lvl5pPr lvl="4" marR="0" rtl="0" algn="l">
+      <a:lvl5pPr marR="0" lvl="4" algn="l" rtl="0">
         <a:lnSpc>
           <a:spcPct val="100000"/>
         </a:lnSpc>
@@ -8054,7 +8153,7 @@
           <a:srgbClr val="000000"/>
         </a:buClr>
         <a:buFont typeface="Arial"/>
-        <a:defRPr b="0" i="0" sz="1400" u="none" cap="none" strike="noStrike">
+        <a:defRPr sz="1400" b="0" i="0" u="none" strike="noStrike" cap="none">
           <a:solidFill>
             <a:srgbClr val="000000"/>
           </a:solidFill>
@@ -8064,7 +8163,7 @@
           <a:sym typeface="Arial"/>
         </a:defRPr>
       </a:lvl5pPr>
-      <a:lvl6pPr lvl="5" marR="0" rtl="0" algn="l">
+      <a:lvl6pPr marR="0" lvl="5" algn="l" rtl="0">
         <a:lnSpc>
           <a:spcPct val="100000"/>
         </a:lnSpc>
@@ -8078,7 +8177,7 @@
           <a:srgbClr val="000000"/>
         </a:buClr>
         <a:buFont typeface="Arial"/>
-        <a:defRPr b="0" i="0" sz="1400" u="none" cap="none" strike="noStrike">
+        <a:defRPr sz="1400" b="0" i="0" u="none" strike="noStrike" cap="none">
           <a:solidFill>
             <a:srgbClr val="000000"/>
           </a:solidFill>
@@ -8088,7 +8187,7 @@
           <a:sym typeface="Arial"/>
         </a:defRPr>
       </a:lvl6pPr>
-      <a:lvl7pPr lvl="6" marR="0" rtl="0" algn="l">
+      <a:lvl7pPr marR="0" lvl="6" algn="l" rtl="0">
         <a:lnSpc>
           <a:spcPct val="100000"/>
         </a:lnSpc>
@@ -8102,7 +8201,7 @@
           <a:srgbClr val="000000"/>
         </a:buClr>
         <a:buFont typeface="Arial"/>
-        <a:defRPr b="0" i="0" sz="1400" u="none" cap="none" strike="noStrike">
+        <a:defRPr sz="1400" b="0" i="0" u="none" strike="noStrike" cap="none">
           <a:solidFill>
             <a:srgbClr val="000000"/>
           </a:solidFill>
@@ -8112,7 +8211,7 @@
           <a:sym typeface="Arial"/>
         </a:defRPr>
       </a:lvl7pPr>
-      <a:lvl8pPr lvl="7" marR="0" rtl="0" algn="l">
+      <a:lvl8pPr marR="0" lvl="7" algn="l" rtl="0">
         <a:lnSpc>
           <a:spcPct val="100000"/>
         </a:lnSpc>
@@ -8126,7 +8225,7 @@
           <a:srgbClr val="000000"/>
         </a:buClr>
         <a:buFont typeface="Arial"/>
-        <a:defRPr b="0" i="0" sz="1400" u="none" cap="none" strike="noStrike">
+        <a:defRPr sz="1400" b="0" i="0" u="none" strike="noStrike" cap="none">
           <a:solidFill>
             <a:srgbClr val="000000"/>
           </a:solidFill>
@@ -8136,7 +8235,7 @@
           <a:sym typeface="Arial"/>
         </a:defRPr>
       </a:lvl8pPr>
-      <a:lvl9pPr lvl="8" marR="0" rtl="0" algn="l">
+      <a:lvl9pPr marR="0" lvl="8" algn="l" rtl="0">
         <a:lnSpc>
           <a:spcPct val="100000"/>
         </a:lnSpc>
@@ -8150,7 +8249,7 @@
           <a:srgbClr val="000000"/>
         </a:buClr>
         <a:buFont typeface="Arial"/>
-        <a:defRPr b="0" i="0" sz="1400" u="none" cap="none" strike="noStrike">
+        <a:defRPr sz="1400" b="0" i="0" u="none" strike="noStrike" cap="none">
           <a:solidFill>
             <a:srgbClr val="000000"/>
           </a:solidFill>
@@ -8162,7 +8261,7 @@
       </a:lvl9pPr>
     </p:bodyStyle>
     <p:otherStyle>
-      <a:defPPr lvl="0" marR="0" rtl="0" algn="l">
+      <a:defPPr marR="0" lvl="0" algn="l" rtl="0">
         <a:lnSpc>
           <a:spcPct val="100000"/>
         </a:lnSpc>
@@ -8173,7 +8272,7 @@
           <a:spcPts val="0"/>
         </a:spcAft>
       </a:defPPr>
-      <a:lvl1pPr lvl="0" marR="0" rtl="0" algn="l">
+      <a:lvl1pPr marR="0" lvl="0" algn="l" rtl="0">
         <a:lnSpc>
           <a:spcPct val="100000"/>
         </a:lnSpc>
@@ -8187,7 +8286,7 @@
           <a:srgbClr val="000000"/>
         </a:buClr>
         <a:buFont typeface="Arial"/>
-        <a:defRPr b="0" i="0" sz="1400" u="none" cap="none" strike="noStrike">
+        <a:defRPr sz="1400" b="0" i="0" u="none" strike="noStrike" cap="none">
           <a:solidFill>
             <a:srgbClr val="000000"/>
           </a:solidFill>
@@ -8197,7 +8296,7 @@
           <a:sym typeface="Arial"/>
         </a:defRPr>
       </a:lvl1pPr>
-      <a:lvl2pPr lvl="1" marR="0" rtl="0" algn="l">
+      <a:lvl2pPr marR="0" lvl="1" algn="l" rtl="0">
         <a:lnSpc>
           <a:spcPct val="100000"/>
         </a:lnSpc>
@@ -8211,7 +8310,7 @@
           <a:srgbClr val="000000"/>
         </a:buClr>
         <a:buFont typeface="Arial"/>
-        <a:defRPr b="0" i="0" sz="1400" u="none" cap="none" strike="noStrike">
+        <a:defRPr sz="1400" b="0" i="0" u="none" strike="noStrike" cap="none">
           <a:solidFill>
             <a:srgbClr val="000000"/>
           </a:solidFill>
@@ -8221,7 +8320,7 @@
           <a:sym typeface="Arial"/>
         </a:defRPr>
       </a:lvl2pPr>
-      <a:lvl3pPr lvl="2" marR="0" rtl="0" algn="l">
+      <a:lvl3pPr marR="0" lvl="2" algn="l" rtl="0">
         <a:lnSpc>
           <a:spcPct val="100000"/>
         </a:lnSpc>
@@ -8235,7 +8334,7 @@
           <a:srgbClr val="000000"/>
         </a:buClr>
         <a:buFont typeface="Arial"/>
-        <a:defRPr b="0" i="0" sz="1400" u="none" cap="none" strike="noStrike">
+        <a:defRPr sz="1400" b="0" i="0" u="none" strike="noStrike" cap="none">
           <a:solidFill>
             <a:srgbClr val="000000"/>
           </a:solidFill>
@@ -8245,7 +8344,7 @@
           <a:sym typeface="Arial"/>
         </a:defRPr>
       </a:lvl3pPr>
-      <a:lvl4pPr lvl="3" marR="0" rtl="0" algn="l">
+      <a:lvl4pPr marR="0" lvl="3" algn="l" rtl="0">
         <a:lnSpc>
           <a:spcPct val="100000"/>
         </a:lnSpc>
@@ -8259,7 +8358,7 @@
           <a:srgbClr val="000000"/>
         </a:buClr>
         <a:buFont typeface="Arial"/>
-        <a:defRPr b="0" i="0" sz="1400" u="none" cap="none" strike="noStrike">
+        <a:defRPr sz="1400" b="0" i="0" u="none" strike="noStrike" cap="none">
           <a:solidFill>
             <a:srgbClr val="000000"/>
           </a:solidFill>
@@ -8269,7 +8368,7 @@
           <a:sym typeface="Arial"/>
         </a:defRPr>
       </a:lvl4pPr>
-      <a:lvl5pPr lvl="4" marR="0" rtl="0" algn="l">
+      <a:lvl5pPr marR="0" lvl="4" algn="l" rtl="0">
         <a:lnSpc>
           <a:spcPct val="100000"/>
         </a:lnSpc>
@@ -8283,7 +8382,7 @@
           <a:srgbClr val="000000"/>
         </a:buClr>
         <a:buFont typeface="Arial"/>
-        <a:defRPr b="0" i="0" sz="1400" u="none" cap="none" strike="noStrike">
+        <a:defRPr sz="1400" b="0" i="0" u="none" strike="noStrike" cap="none">
           <a:solidFill>
             <a:srgbClr val="000000"/>
           </a:solidFill>
@@ -8293,7 +8392,7 @@
           <a:sym typeface="Arial"/>
         </a:defRPr>
       </a:lvl5pPr>
-      <a:lvl6pPr lvl="5" marR="0" rtl="0" algn="l">
+      <a:lvl6pPr marR="0" lvl="5" algn="l" rtl="0">
         <a:lnSpc>
           <a:spcPct val="100000"/>
         </a:lnSpc>
@@ -8307,7 +8406,7 @@
           <a:srgbClr val="000000"/>
         </a:buClr>
         <a:buFont typeface="Arial"/>
-        <a:defRPr b="0" i="0" sz="1400" u="none" cap="none" strike="noStrike">
+        <a:defRPr sz="1400" b="0" i="0" u="none" strike="noStrike" cap="none">
           <a:solidFill>
             <a:srgbClr val="000000"/>
           </a:solidFill>
@@ -8317,7 +8416,7 @@
           <a:sym typeface="Arial"/>
         </a:defRPr>
       </a:lvl6pPr>
-      <a:lvl7pPr lvl="6" marR="0" rtl="0" algn="l">
+      <a:lvl7pPr marR="0" lvl="6" algn="l" rtl="0">
         <a:lnSpc>
           <a:spcPct val="100000"/>
         </a:lnSpc>
@@ -8331,7 +8430,7 @@
           <a:srgbClr val="000000"/>
         </a:buClr>
         <a:buFont typeface="Arial"/>
-        <a:defRPr b="0" i="0" sz="1400" u="none" cap="none" strike="noStrike">
+        <a:defRPr sz="1400" b="0" i="0" u="none" strike="noStrike" cap="none">
           <a:solidFill>
             <a:srgbClr val="000000"/>
           </a:solidFill>
@@ -8341,7 +8440,7 @@
           <a:sym typeface="Arial"/>
         </a:defRPr>
       </a:lvl7pPr>
-      <a:lvl8pPr lvl="7" marR="0" rtl="0" algn="l">
+      <a:lvl8pPr marR="0" lvl="7" algn="l" rtl="0">
         <a:lnSpc>
           <a:spcPct val="100000"/>
         </a:lnSpc>
@@ -8355,7 +8454,7 @@
           <a:srgbClr val="000000"/>
         </a:buClr>
         <a:buFont typeface="Arial"/>
-        <a:defRPr b="0" i="0" sz="1400" u="none" cap="none" strike="noStrike">
+        <a:defRPr sz="1400" b="0" i="0" u="none" strike="noStrike" cap="none">
           <a:solidFill>
             <a:srgbClr val="000000"/>
           </a:solidFill>
@@ -8365,7 +8464,7 @@
           <a:sym typeface="Arial"/>
         </a:defRPr>
       </a:lvl8pPr>
-      <a:lvl9pPr lvl="8" marR="0" rtl="0" algn="l">
+      <a:lvl9pPr marR="0" lvl="8" algn="l" rtl="0">
         <a:lnSpc>
           <a:spcPct val="100000"/>
         </a:lnSpc>
@@ -8379,7 +8478,7 @@
           <a:srgbClr val="000000"/>
         </a:buClr>
         <a:buFont typeface="Arial"/>
-        <a:defRPr b="0" i="0" sz="1400" u="none" cap="none" strike="noStrike">
+        <a:defRPr sz="1400" b="0" i="0" u="none" strike="noStrike" cap="none">
           <a:solidFill>
             <a:srgbClr val="000000"/>
           </a:solidFill>
@@ -8395,11 +8494,11 @@
 </file>
 
 <file path=ppt/slides/slide1.xml><?xml version="1.0" encoding="utf-8"?>
-<p:sld xmlns:a="http://schemas.openxmlformats.org/drawingml/2006/main" xmlns:r="http://schemas.openxmlformats.org/officeDocument/2006/relationships" xmlns:mc="http://schemas.openxmlformats.org/markup-compatibility/2006" xmlns:mv="urn:schemas-microsoft-com:mac:vml" xmlns:p="http://schemas.openxmlformats.org/presentationml/2006/main" xmlns:c="http://schemas.openxmlformats.org/drawingml/2006/chart" xmlns:dgm="http://schemas.openxmlformats.org/drawingml/2006/diagram" xmlns:o="urn:schemas-microsoft-com:office:office" xmlns:v="urn:schemas-microsoft-com:vml" xmlns:pvml="urn:schemas-microsoft-com:office:powerpoint" xmlns:com="http://schemas.openxmlformats.org/drawingml/2006/compatibility" xmlns:p14="http://schemas.microsoft.com/office/powerpoint/2010/main" xmlns:p15="http://schemas.microsoft.com/office/powerpoint/2012/main" xmlns:ahyp="http://schemas.microsoft.com/office/drawing/2018/hyperlinkcolor">
+<p:sld xmlns:a="http://schemas.openxmlformats.org/drawingml/2006/main" xmlns:r="http://schemas.openxmlformats.org/officeDocument/2006/relationships" xmlns:p="http://schemas.openxmlformats.org/presentationml/2006/main">
   <p:cSld>
     <p:spTree>
       <p:nvGrpSpPr>
-        <p:cNvPr id="84" name="Shape 84"/>
+        <p:cNvPr id="1" name="Shape 84"/>
         <p:cNvGrpSpPr/>
         <p:nvPr/>
       </p:nvGrpSpPr>
@@ -8414,7 +8513,9 @@
       <p:sp>
         <p:nvSpPr>
           <p:cNvPr id="85" name="Google Shape;85;p13"/>
-          <p:cNvSpPr txBox="1"/>
+          <p:cNvSpPr txBox="1">
+            <a:spLocks noGrp="1"/>
+          </p:cNvSpPr>
           <p:nvPr>
             <p:ph type="ctrTitle"/>
           </p:nvPr>
@@ -8429,12 +8530,12 @@
           </a:prstGeom>
         </p:spPr>
         <p:txBody>
-          <a:bodyPr anchorCtr="0" anchor="b" bIns="91425" lIns="91425" spcFirstLastPara="1" rIns="91425" wrap="square" tIns="91425">
+          <a:bodyPr spcFirstLastPara="1" wrap="square" lIns="91425" tIns="91425" rIns="91425" bIns="91425" anchor="b" anchorCtr="0">
             <a:noAutofit/>
           </a:bodyPr>
           <a:lstStyle/>
           <a:p>
-            <a:pPr indent="0" lvl="0" marL="0" rtl="0" algn="l">
+            <a:pPr marL="0" lvl="0" indent="0" algn="l" rtl="0">
               <a:spcBef>
                 <a:spcPts val="0"/>
               </a:spcBef>
@@ -8454,9 +8555,11 @@
       <p:sp>
         <p:nvSpPr>
           <p:cNvPr id="86" name="Google Shape;86;p13"/>
-          <p:cNvSpPr txBox="1"/>
+          <p:cNvSpPr txBox="1">
+            <a:spLocks noGrp="1"/>
+          </p:cNvSpPr>
           <p:nvPr>
-            <p:ph idx="1" type="subTitle"/>
+            <p:ph type="subTitle" idx="1"/>
           </p:nvPr>
         </p:nvSpPr>
         <p:spPr>
@@ -8469,12 +8572,12 @@
           </a:prstGeom>
         </p:spPr>
         <p:txBody>
-          <a:bodyPr anchorCtr="0" anchor="t" bIns="91425" lIns="91425" spcFirstLastPara="1" rIns="91425" wrap="square" tIns="91425">
+          <a:bodyPr spcFirstLastPara="1" wrap="square" lIns="91425" tIns="91425" rIns="91425" bIns="91425" anchor="t" anchorCtr="0">
             <a:noAutofit/>
           </a:bodyPr>
           <a:lstStyle/>
           <a:p>
-            <a:pPr indent="0" lvl="0" marL="0" rtl="0" algn="l">
+            <a:pPr marL="0" lvl="0" indent="0" algn="l" rtl="0">
               <a:spcBef>
                 <a:spcPts val="0"/>
               </a:spcBef>
@@ -8500,11 +8603,11 @@
 </file>
 
 <file path=ppt/slides/slide10.xml><?xml version="1.0" encoding="utf-8"?>
-<p:sld xmlns:a="http://schemas.openxmlformats.org/drawingml/2006/main" xmlns:r="http://schemas.openxmlformats.org/officeDocument/2006/relationships" xmlns:mc="http://schemas.openxmlformats.org/markup-compatibility/2006" xmlns:mv="urn:schemas-microsoft-com:mac:vml" xmlns:p="http://schemas.openxmlformats.org/presentationml/2006/main" xmlns:c="http://schemas.openxmlformats.org/drawingml/2006/chart" xmlns:dgm="http://schemas.openxmlformats.org/drawingml/2006/diagram" xmlns:o="urn:schemas-microsoft-com:office:office" xmlns:v="urn:schemas-microsoft-com:vml" xmlns:pvml="urn:schemas-microsoft-com:office:powerpoint" xmlns:com="http://schemas.openxmlformats.org/drawingml/2006/compatibility" xmlns:p14="http://schemas.microsoft.com/office/powerpoint/2010/main" xmlns:p15="http://schemas.microsoft.com/office/powerpoint/2012/main" xmlns:ahyp="http://schemas.microsoft.com/office/drawing/2018/hyperlinkcolor">
+<p:sld xmlns:a="http://schemas.openxmlformats.org/drawingml/2006/main" xmlns:r="http://schemas.openxmlformats.org/officeDocument/2006/relationships" xmlns:p="http://schemas.openxmlformats.org/presentationml/2006/main">
   <p:cSld>
     <p:spTree>
       <p:nvGrpSpPr>
-        <p:cNvPr id="155" name="Shape 155"/>
+        <p:cNvPr id="1" name="Shape 155"/>
         <p:cNvGrpSpPr/>
         <p:nvPr/>
       </p:nvGrpSpPr>
@@ -8519,7 +8622,9 @@
       <p:sp>
         <p:nvSpPr>
           <p:cNvPr id="156" name="Google Shape;156;p22"/>
-          <p:cNvSpPr txBox="1"/>
+          <p:cNvSpPr txBox="1">
+            <a:spLocks noGrp="1"/>
+          </p:cNvSpPr>
           <p:nvPr>
             <p:ph type="title"/>
           </p:nvPr>
@@ -8534,12 +8639,12 @@
           </a:prstGeom>
         </p:spPr>
         <p:txBody>
-          <a:bodyPr anchorCtr="0" anchor="b" bIns="91425" lIns="91425" spcFirstLastPara="1" rIns="91425" wrap="square" tIns="91425">
+          <a:bodyPr spcFirstLastPara="1" wrap="square" lIns="91425" tIns="91425" rIns="91425" bIns="91425" anchor="b" anchorCtr="0">
             <a:noAutofit/>
           </a:bodyPr>
           <a:lstStyle/>
           <a:p>
-            <a:pPr indent="0" lvl="0" marL="0" rtl="0" algn="ctr">
+            <a:pPr marL="0" lvl="0" indent="0" algn="ctr" rtl="0">
               <a:spcBef>
                 <a:spcPts val="0"/>
               </a:spcBef>
@@ -8559,9 +8664,11 @@
       <p:sp>
         <p:nvSpPr>
           <p:cNvPr id="157" name="Google Shape;157;p22"/>
-          <p:cNvSpPr txBox="1"/>
+          <p:cNvSpPr txBox="1">
+            <a:spLocks noGrp="1"/>
+          </p:cNvSpPr>
           <p:nvPr>
-            <p:ph idx="1" type="subTitle"/>
+            <p:ph type="subTitle" idx="1"/>
           </p:nvPr>
         </p:nvSpPr>
         <p:spPr>
@@ -8574,12 +8681,12 @@
           </a:prstGeom>
         </p:spPr>
         <p:txBody>
-          <a:bodyPr anchorCtr="0" anchor="t" bIns="91425" lIns="91425" spcFirstLastPara="1" rIns="91425" wrap="square" tIns="91425">
+          <a:bodyPr spcFirstLastPara="1" wrap="square" lIns="91425" tIns="91425" rIns="91425" bIns="91425" anchor="t" anchorCtr="0">
             <a:noAutofit/>
           </a:bodyPr>
           <a:lstStyle/>
           <a:p>
-            <a:pPr indent="0" lvl="0" marL="0" rtl="0" algn="ctr">
+            <a:pPr marL="0" lvl="0" indent="0" algn="ctr" rtl="0">
               <a:spcBef>
                 <a:spcPts val="0"/>
               </a:spcBef>
@@ -8588,9 +8695,6 @@
               </a:spcAft>
               <a:buNone/>
             </a:pPr>
-            <a:r>
-              <a:t/>
-            </a:r>
             <a:endParaRPr/>
           </a:p>
         </p:txBody>
@@ -8598,9 +8702,11 @@
       <p:sp>
         <p:nvSpPr>
           <p:cNvPr id="158" name="Google Shape;158;p22"/>
-          <p:cNvSpPr txBox="1"/>
+          <p:cNvSpPr txBox="1">
+            <a:spLocks noGrp="1"/>
+          </p:cNvSpPr>
           <p:nvPr>
-            <p:ph idx="2" type="body"/>
+            <p:ph type="body" idx="2"/>
           </p:nvPr>
         </p:nvSpPr>
         <p:spPr>
@@ -8613,55 +8719,55 @@
           </a:prstGeom>
         </p:spPr>
         <p:txBody>
-          <a:bodyPr anchorCtr="0" anchor="ctr" bIns="91425" lIns="91425" spcFirstLastPara="1" rIns="91425" wrap="square" tIns="91425">
+          <a:bodyPr spcFirstLastPara="1" wrap="square" lIns="91425" tIns="91425" rIns="91425" bIns="91425" anchor="ctr" anchorCtr="0">
             <a:noAutofit/>
           </a:bodyPr>
           <a:lstStyle/>
           <a:p>
-            <a:pPr indent="0" lvl="0" marL="0" rtl="0" algn="l">
-              <a:spcBef>
-                <a:spcPts val="0"/>
-              </a:spcBef>
-              <a:spcAft>
-                <a:spcPts val="0"/>
+            <a:pPr marL="0" lvl="0" indent="0" algn="l" rtl="0">
+              <a:spcBef>
+                <a:spcPts val="0"/>
+              </a:spcBef>
+              <a:spcAft>
+                <a:spcPts val="0"/>
+              </a:spcAft>
+              <a:buNone/>
+            </a:pPr>
+            <a:r>
+              <a:rPr lang="en" dirty="0"/>
+              <a:t>Working with simple data​ makes it hard to get insightful comparisons and relationships</a:t>
+            </a:r>
+            <a:endParaRPr dirty="0"/>
+          </a:p>
+          <a:p>
+            <a:pPr marL="0" lvl="0" indent="0" algn="l" rtl="0">
+              <a:spcBef>
+                <a:spcPts val="1600"/>
+              </a:spcBef>
+              <a:spcAft>
+                <a:spcPts val="0"/>
+              </a:spcAft>
+              <a:buNone/>
+            </a:pPr>
+            <a:r>
+              <a:rPr lang="en" dirty="0"/>
+              <a:t>Using github</a:t>
+            </a:r>
+            <a:endParaRPr dirty="0"/>
+          </a:p>
+          <a:p>
+            <a:pPr marL="0" lvl="0" indent="0" algn="l" rtl="0">
+              <a:spcBef>
+                <a:spcPts val="1600"/>
+              </a:spcBef>
+              <a:spcAft>
+                <a:spcPts val="1600"/>
               </a:spcAft>
               <a:buNone/>
             </a:pPr>
             <a:r>
               <a:rPr lang="en"/>
-              <a:t>Working with simple data​ makes it hard to get insightful comparisons and relationships</a:t>
-            </a:r>
-            <a:endParaRPr/>
-          </a:p>
-          <a:p>
-            <a:pPr indent="0" lvl="0" marL="0" rtl="0" algn="l">
-              <a:spcBef>
-                <a:spcPts val="1600"/>
-              </a:spcBef>
-              <a:spcAft>
-                <a:spcPts val="0"/>
-              </a:spcAft>
-              <a:buNone/>
-            </a:pPr>
-            <a:r>
-              <a:rPr lang="en"/>
-              <a:t>Using github</a:t>
-            </a:r>
-            <a:endParaRPr/>
-          </a:p>
-          <a:p>
-            <a:pPr indent="0" lvl="0" marL="0" rtl="0" algn="l">
-              <a:spcBef>
-                <a:spcPts val="1600"/>
-              </a:spcBef>
-              <a:spcAft>
-                <a:spcPts val="1600"/>
-              </a:spcAft>
-              <a:buNone/>
-            </a:pPr>
-            <a:r>
-              <a:rPr lang="en"/>
-              <a:t>Finding places to work</a:t>
+              <a:t>Finding places to work </a:t>
             </a:r>
             <a:endParaRPr/>
           </a:p>
@@ -8676,11 +8782,11 @@
 </file>
 
 <file path=ppt/slides/slide11.xml><?xml version="1.0" encoding="utf-8"?>
-<p:sld xmlns:a="http://schemas.openxmlformats.org/drawingml/2006/main" xmlns:r="http://schemas.openxmlformats.org/officeDocument/2006/relationships" xmlns:mc="http://schemas.openxmlformats.org/markup-compatibility/2006" xmlns:mv="urn:schemas-microsoft-com:mac:vml" xmlns:p="http://schemas.openxmlformats.org/presentationml/2006/main" xmlns:c="http://schemas.openxmlformats.org/drawingml/2006/chart" xmlns:dgm="http://schemas.openxmlformats.org/drawingml/2006/diagram" xmlns:o="urn:schemas-microsoft-com:office:office" xmlns:v="urn:schemas-microsoft-com:vml" xmlns:pvml="urn:schemas-microsoft-com:office:powerpoint" xmlns:com="http://schemas.openxmlformats.org/drawingml/2006/compatibility" xmlns:p14="http://schemas.microsoft.com/office/powerpoint/2010/main" xmlns:p15="http://schemas.microsoft.com/office/powerpoint/2012/main" xmlns:ahyp="http://schemas.microsoft.com/office/drawing/2018/hyperlinkcolor">
+<p:sld xmlns:a="http://schemas.openxmlformats.org/drawingml/2006/main" xmlns:r="http://schemas.openxmlformats.org/officeDocument/2006/relationships" xmlns:p="http://schemas.openxmlformats.org/presentationml/2006/main">
   <p:cSld>
     <p:spTree>
       <p:nvGrpSpPr>
-        <p:cNvPr id="162" name="Shape 162"/>
+        <p:cNvPr id="1" name="Shape 162"/>
         <p:cNvGrpSpPr/>
         <p:nvPr/>
       </p:nvGrpSpPr>
@@ -8695,7 +8801,9 @@
       <p:sp>
         <p:nvSpPr>
           <p:cNvPr id="163" name="Google Shape;163;p23"/>
-          <p:cNvSpPr txBox="1"/>
+          <p:cNvSpPr txBox="1">
+            <a:spLocks noGrp="1"/>
+          </p:cNvSpPr>
           <p:nvPr>
             <p:ph type="title"/>
           </p:nvPr>
@@ -8710,12 +8818,12 @@
           </a:prstGeom>
         </p:spPr>
         <p:txBody>
-          <a:bodyPr anchorCtr="0" anchor="ctr" bIns="91425" lIns="91425" spcFirstLastPara="1" rIns="91425" wrap="square" tIns="91425">
+          <a:bodyPr spcFirstLastPara="1" wrap="square" lIns="91425" tIns="91425" rIns="91425" bIns="91425" anchor="ctr" anchorCtr="0">
             <a:noAutofit/>
           </a:bodyPr>
           <a:lstStyle/>
           <a:p>
-            <a:pPr indent="0" lvl="0" marL="0" rtl="0" algn="l">
+            <a:pPr marL="0" lvl="0" indent="0" algn="l" rtl="0">
               <a:spcBef>
                 <a:spcPts val="0"/>
               </a:spcBef>
@@ -8741,11 +8849,11 @@
 </file>
 
 <file path=ppt/slides/slide2.xml><?xml version="1.0" encoding="utf-8"?>
-<p:sld xmlns:a="http://schemas.openxmlformats.org/drawingml/2006/main" xmlns:r="http://schemas.openxmlformats.org/officeDocument/2006/relationships" xmlns:mc="http://schemas.openxmlformats.org/markup-compatibility/2006" xmlns:mv="urn:schemas-microsoft-com:mac:vml" xmlns:p="http://schemas.openxmlformats.org/presentationml/2006/main" xmlns:c="http://schemas.openxmlformats.org/drawingml/2006/chart" xmlns:dgm="http://schemas.openxmlformats.org/drawingml/2006/diagram" xmlns:o="urn:schemas-microsoft-com:office:office" xmlns:v="urn:schemas-microsoft-com:vml" xmlns:pvml="urn:schemas-microsoft-com:office:powerpoint" xmlns:com="http://schemas.openxmlformats.org/drawingml/2006/compatibility" xmlns:p14="http://schemas.microsoft.com/office/powerpoint/2010/main" xmlns:p15="http://schemas.microsoft.com/office/powerpoint/2012/main" xmlns:ahyp="http://schemas.microsoft.com/office/drawing/2018/hyperlinkcolor">
+<p:sld xmlns:a="http://schemas.openxmlformats.org/drawingml/2006/main" xmlns:r="http://schemas.openxmlformats.org/officeDocument/2006/relationships" xmlns:p="http://schemas.openxmlformats.org/presentationml/2006/main">
   <p:cSld>
     <p:spTree>
       <p:nvGrpSpPr>
-        <p:cNvPr id="90" name="Shape 90"/>
+        <p:cNvPr id="1" name="Shape 90"/>
         <p:cNvGrpSpPr/>
         <p:nvPr/>
       </p:nvGrpSpPr>
@@ -8760,7 +8868,9 @@
       <p:sp>
         <p:nvSpPr>
           <p:cNvPr id="91" name="Google Shape;91;p14"/>
-          <p:cNvSpPr txBox="1"/>
+          <p:cNvSpPr txBox="1">
+            <a:spLocks noGrp="1"/>
+          </p:cNvSpPr>
           <p:nvPr>
             <p:ph type="title"/>
           </p:nvPr>
@@ -8775,12 +8885,12 @@
           </a:prstGeom>
         </p:spPr>
         <p:txBody>
-          <a:bodyPr anchorCtr="0" anchor="t" bIns="91425" lIns="91425" spcFirstLastPara="1" rIns="91425" wrap="square" tIns="91425">
+          <a:bodyPr spcFirstLastPara="1" wrap="square" lIns="91425" tIns="91425" rIns="91425" bIns="91425" anchor="t" anchorCtr="0">
             <a:noAutofit/>
           </a:bodyPr>
           <a:lstStyle/>
           <a:p>
-            <a:pPr indent="0" lvl="0" marL="0" rtl="0" algn="l">
+            <a:pPr marL="0" lvl="0" indent="0" algn="l" rtl="0">
               <a:spcBef>
                 <a:spcPts val="0"/>
               </a:spcBef>
@@ -8810,7 +8920,7 @@
           </a:xfrm>
           <a:prstGeom prst="homePlate">
             <a:avLst>
-              <a:gd fmla="val 50000" name="adj"/>
+              <a:gd name="adj" fmla="val 50000"/>
             </a:avLst>
           </a:prstGeom>
           <a:solidFill>
@@ -8821,12 +8931,12 @@
           </a:ln>
         </p:spPr>
         <p:txBody>
-          <a:bodyPr anchorCtr="0" anchor="ctr" bIns="121875" lIns="121875" spcFirstLastPara="1" rIns="121875" wrap="square" tIns="121875">
+          <a:bodyPr spcFirstLastPara="1" wrap="square" lIns="121875" tIns="121875" rIns="121875" bIns="121875" anchor="ctr" anchorCtr="0">
             <a:noAutofit/>
           </a:bodyPr>
           <a:lstStyle/>
           <a:p>
-            <a:pPr indent="0" lvl="0" marL="0" rtl="0" algn="l">
+            <a:pPr marL="0" lvl="0" indent="0" algn="l" rtl="0">
               <a:spcBef>
                 <a:spcPts val="0"/>
               </a:spcBef>
@@ -8835,9 +8945,6 @@
               </a:spcAft>
               <a:buNone/>
             </a:pPr>
-            <a:r>
-              <a:t/>
-            </a:r>
             <a:endParaRPr/>
           </a:p>
         </p:txBody>
@@ -8845,9 +8952,11 @@
       <p:sp>
         <p:nvSpPr>
           <p:cNvPr id="93" name="Google Shape;93;p14"/>
-          <p:cNvSpPr txBox="1"/>
+          <p:cNvSpPr txBox="1">
+            <a:spLocks noGrp="1"/>
+          </p:cNvSpPr>
           <p:nvPr>
-            <p:ph idx="4294967295" type="body"/>
+            <p:ph type="body" idx="4294967295"/>
           </p:nvPr>
         </p:nvSpPr>
         <p:spPr>
@@ -8860,12 +8969,12 @@
           </a:prstGeom>
         </p:spPr>
         <p:txBody>
-          <a:bodyPr anchorCtr="0" anchor="ctr" bIns="91425" lIns="91425" spcFirstLastPara="1" rIns="91425" wrap="square" tIns="91425">
+          <a:bodyPr spcFirstLastPara="1" wrap="square" lIns="91425" tIns="91425" rIns="91425" bIns="91425" anchor="ctr" anchorCtr="0">
             <a:noAutofit/>
           </a:bodyPr>
           <a:lstStyle/>
           <a:p>
-            <a:pPr indent="0" lvl="0" marL="0" rtl="0" algn="l">
+            <a:pPr marL="0" lvl="0" indent="0" algn="l" rtl="0">
               <a:lnSpc>
                 <a:spcPct val="100000"/>
               </a:lnSpc>
@@ -8896,9 +9005,11 @@
       <p:sp>
         <p:nvSpPr>
           <p:cNvPr id="94" name="Google Shape;94;p14"/>
-          <p:cNvSpPr txBox="1"/>
+          <p:cNvSpPr txBox="1">
+            <a:spLocks noGrp="1"/>
+          </p:cNvSpPr>
           <p:nvPr>
-            <p:ph idx="4294967295" type="body"/>
+            <p:ph type="body" idx="4294967295"/>
           </p:nvPr>
         </p:nvSpPr>
         <p:spPr>
@@ -8911,12 +9022,12 @@
           </a:prstGeom>
         </p:spPr>
         <p:txBody>
-          <a:bodyPr anchorCtr="0" anchor="t" bIns="91425" lIns="91425" spcFirstLastPara="1" rIns="91425" wrap="square" tIns="91425">
+          <a:bodyPr spcFirstLastPara="1" wrap="square" lIns="91425" tIns="91425" rIns="91425" bIns="91425" anchor="t" anchorCtr="0">
             <a:noAutofit/>
           </a:bodyPr>
           <a:lstStyle/>
           <a:p>
-            <a:pPr indent="0" lvl="0" marL="0" rtl="0" algn="l">
+            <a:pPr marL="0" lvl="0" indent="0" algn="l" rtl="0">
               <a:spcBef>
                 <a:spcPts val="0"/>
               </a:spcBef>
@@ -8925,13 +9036,10 @@
               </a:spcAft>
               <a:buNone/>
             </a:pPr>
-            <a:r>
-              <a:t/>
-            </a:r>
-            <a:endParaRPr b="1" sz="1600"/>
+            <a:endParaRPr sz="1600" b="1"/>
           </a:p>
           <a:p>
-            <a:pPr indent="0" lvl="0" marL="0" rtl="0" algn="l">
+            <a:pPr marL="0" lvl="0" indent="0" algn="l" rtl="0">
               <a:spcBef>
                 <a:spcPts val="800"/>
               </a:spcBef>
@@ -8961,7 +9069,7 @@
           </a:xfrm>
           <a:prstGeom prst="chevron">
             <a:avLst>
-              <a:gd fmla="val 50000" name="adj"/>
+              <a:gd name="adj" fmla="val 50000"/>
             </a:avLst>
           </a:prstGeom>
           <a:solidFill>
@@ -8972,12 +9080,12 @@
           </a:ln>
         </p:spPr>
         <p:txBody>
-          <a:bodyPr anchorCtr="0" anchor="ctr" bIns="121875" lIns="121875" spcFirstLastPara="1" rIns="121875" wrap="square" tIns="121875">
+          <a:bodyPr spcFirstLastPara="1" wrap="square" lIns="121875" tIns="121875" rIns="121875" bIns="121875" anchor="ctr" anchorCtr="0">
             <a:noAutofit/>
           </a:bodyPr>
           <a:lstStyle/>
           <a:p>
-            <a:pPr indent="0" lvl="0" marL="0" rtl="0" algn="l">
+            <a:pPr marL="0" lvl="0" indent="0" algn="l" rtl="0">
               <a:spcBef>
                 <a:spcPts val="0"/>
               </a:spcBef>
@@ -8986,9 +9094,6 @@
               </a:spcAft>
               <a:buNone/>
             </a:pPr>
-            <a:r>
-              <a:t/>
-            </a:r>
             <a:endParaRPr/>
           </a:p>
         </p:txBody>
@@ -8996,9 +9101,11 @@
       <p:sp>
         <p:nvSpPr>
           <p:cNvPr id="96" name="Google Shape;96;p14"/>
-          <p:cNvSpPr txBox="1"/>
+          <p:cNvSpPr txBox="1">
+            <a:spLocks noGrp="1"/>
+          </p:cNvSpPr>
           <p:nvPr>
-            <p:ph idx="4294967295" type="body"/>
+            <p:ph type="body" idx="4294967295"/>
           </p:nvPr>
         </p:nvSpPr>
         <p:spPr>
@@ -9011,12 +9118,12 @@
           </a:prstGeom>
         </p:spPr>
         <p:txBody>
-          <a:bodyPr anchorCtr="0" anchor="ctr" bIns="91425" lIns="91425" spcFirstLastPara="1" rIns="91425" wrap="square" tIns="91425">
+          <a:bodyPr spcFirstLastPara="1" wrap="square" lIns="91425" tIns="91425" rIns="91425" bIns="91425" anchor="ctr" anchorCtr="0">
             <a:noAutofit/>
           </a:bodyPr>
           <a:lstStyle/>
           <a:p>
-            <a:pPr indent="0" lvl="0" marL="0" rtl="0" algn="l">
+            <a:pPr marL="0" lvl="0" indent="0" algn="l" rtl="0">
               <a:lnSpc>
                 <a:spcPct val="100000"/>
               </a:lnSpc>
@@ -9047,9 +9154,11 @@
       <p:sp>
         <p:nvSpPr>
           <p:cNvPr id="97" name="Google Shape;97;p14"/>
-          <p:cNvSpPr txBox="1"/>
+          <p:cNvSpPr txBox="1">
+            <a:spLocks noGrp="1"/>
+          </p:cNvSpPr>
           <p:nvPr>
-            <p:ph idx="4294967295" type="body"/>
+            <p:ph type="body" idx="4294967295"/>
           </p:nvPr>
         </p:nvSpPr>
         <p:spPr>
@@ -9062,12 +9171,12 @@
           </a:prstGeom>
         </p:spPr>
         <p:txBody>
-          <a:bodyPr anchorCtr="0" anchor="t" bIns="91425" lIns="91425" spcFirstLastPara="1" rIns="91425" wrap="square" tIns="91425">
+          <a:bodyPr spcFirstLastPara="1" wrap="square" lIns="91425" tIns="91425" rIns="91425" bIns="91425" anchor="t" anchorCtr="0">
             <a:noAutofit/>
           </a:bodyPr>
           <a:lstStyle/>
           <a:p>
-            <a:pPr indent="0" lvl="0" marL="0" rtl="0" algn="l">
+            <a:pPr marL="0" lvl="0" indent="0" algn="l" rtl="0">
               <a:spcBef>
                 <a:spcPts val="0"/>
               </a:spcBef>
@@ -9076,13 +9185,10 @@
               </a:spcAft>
               <a:buNone/>
             </a:pPr>
-            <a:r>
-              <a:t/>
-            </a:r>
-            <a:endParaRPr b="1" sz="1600"/>
+            <a:endParaRPr sz="1600" b="1"/>
           </a:p>
           <a:p>
-            <a:pPr indent="0" lvl="0" marL="0" rtl="0" algn="l">
+            <a:pPr marL="0" lvl="0" indent="0" algn="l" rtl="0">
               <a:spcBef>
                 <a:spcPts val="800"/>
               </a:spcBef>
@@ -9098,7 +9204,7 @@
             <a:endParaRPr sz="1500"/>
           </a:p>
           <a:p>
-            <a:pPr indent="0" lvl="0" marL="0" rtl="0" algn="l">
+            <a:pPr marL="0" lvl="0" indent="0" algn="l" rtl="0">
               <a:spcBef>
                 <a:spcPts val="800"/>
               </a:spcBef>
@@ -9112,7 +9218,7 @@
               <a:t>Are we counting the administrative limits </a:t>
             </a:r>
             <a:r>
-              <a:rPr b="1" lang="en" sz="1500"/>
+              <a:rPr lang="en" sz="1500" b="1"/>
               <a:t>(City Proper)</a:t>
             </a:r>
             <a:r>
@@ -9120,7 +9226,7 @@
               <a:t> or the continuous built-up environment </a:t>
             </a:r>
             <a:r>
-              <a:rPr b="1" lang="en" sz="1500"/>
+              <a:rPr lang="en" sz="1500" b="1"/>
               <a:t>(Urban Area)</a:t>
             </a:r>
             <a:r>
@@ -9144,7 +9250,7 @@
           </a:xfrm>
           <a:prstGeom prst="chevron">
             <a:avLst>
-              <a:gd fmla="val 50000" name="adj"/>
+              <a:gd name="adj" fmla="val 50000"/>
             </a:avLst>
           </a:prstGeom>
           <a:solidFill>
@@ -9155,12 +9261,12 @@
           </a:ln>
         </p:spPr>
         <p:txBody>
-          <a:bodyPr anchorCtr="0" anchor="ctr" bIns="121875" lIns="121875" spcFirstLastPara="1" rIns="121875" wrap="square" tIns="121875">
+          <a:bodyPr spcFirstLastPara="1" wrap="square" lIns="121875" tIns="121875" rIns="121875" bIns="121875" anchor="ctr" anchorCtr="0">
             <a:noAutofit/>
           </a:bodyPr>
           <a:lstStyle/>
           <a:p>
-            <a:pPr indent="0" lvl="0" marL="0" rtl="0" algn="l">
+            <a:pPr marL="0" lvl="0" indent="0" algn="l" rtl="0">
               <a:spcBef>
                 <a:spcPts val="0"/>
               </a:spcBef>
@@ -9169,9 +9275,6 @@
               </a:spcAft>
               <a:buNone/>
             </a:pPr>
-            <a:r>
-              <a:t/>
-            </a:r>
             <a:endParaRPr/>
           </a:p>
         </p:txBody>
@@ -9179,9 +9282,11 @@
       <p:sp>
         <p:nvSpPr>
           <p:cNvPr id="99" name="Google Shape;99;p14"/>
-          <p:cNvSpPr txBox="1"/>
+          <p:cNvSpPr txBox="1">
+            <a:spLocks noGrp="1"/>
+          </p:cNvSpPr>
           <p:nvPr>
-            <p:ph idx="4294967295" type="body"/>
+            <p:ph type="body" idx="4294967295"/>
           </p:nvPr>
         </p:nvSpPr>
         <p:spPr>
@@ -9194,12 +9299,12 @@
           </a:prstGeom>
         </p:spPr>
         <p:txBody>
-          <a:bodyPr anchorCtr="0" anchor="ctr" bIns="91425" lIns="91425" spcFirstLastPara="1" rIns="91425" wrap="square" tIns="91425">
+          <a:bodyPr spcFirstLastPara="1" wrap="square" lIns="91425" tIns="91425" rIns="91425" bIns="91425" anchor="ctr" anchorCtr="0">
             <a:noAutofit/>
           </a:bodyPr>
           <a:lstStyle/>
           <a:p>
-            <a:pPr indent="0" lvl="0" marL="0" rtl="0" algn="l">
+            <a:pPr marL="0" lvl="0" indent="0" algn="l" rtl="0">
               <a:lnSpc>
                 <a:spcPct val="100000"/>
               </a:lnSpc>
@@ -9230,9 +9335,11 @@
       <p:sp>
         <p:nvSpPr>
           <p:cNvPr id="100" name="Google Shape;100;p14"/>
-          <p:cNvSpPr txBox="1"/>
+          <p:cNvSpPr txBox="1">
+            <a:spLocks noGrp="1"/>
+          </p:cNvSpPr>
           <p:nvPr>
-            <p:ph idx="4294967295" type="body"/>
+            <p:ph type="body" idx="4294967295"/>
           </p:nvPr>
         </p:nvSpPr>
         <p:spPr>
@@ -9245,12 +9352,12 @@
           </a:prstGeom>
         </p:spPr>
         <p:txBody>
-          <a:bodyPr anchorCtr="0" anchor="t" bIns="91425" lIns="91425" spcFirstLastPara="1" rIns="91425" wrap="square" tIns="91425">
+          <a:bodyPr spcFirstLastPara="1" wrap="square" lIns="91425" tIns="91425" rIns="91425" bIns="91425" anchor="t" anchorCtr="0">
             <a:noAutofit/>
           </a:bodyPr>
           <a:lstStyle/>
           <a:p>
-            <a:pPr indent="0" lvl="0" marL="0" rtl="0" algn="l">
+            <a:pPr marL="0" lvl="0" indent="0" algn="l" rtl="0">
               <a:spcBef>
                 <a:spcPts val="0"/>
               </a:spcBef>
@@ -9259,13 +9366,10 @@
               </a:spcAft>
               <a:buNone/>
             </a:pPr>
-            <a:r>
-              <a:t/>
-            </a:r>
             <a:endParaRPr sz="1600"/>
           </a:p>
           <a:p>
-            <a:pPr indent="0" lvl="0" marL="0" rtl="0" algn="l">
+            <a:pPr marL="0" lvl="0" indent="0" algn="l" rtl="0">
               <a:spcBef>
                 <a:spcPts val="800"/>
               </a:spcBef>
@@ -9279,10 +9383,10 @@
               <a:t>We focused on comparing major economies: </a:t>
             </a:r>
             <a:r>
-              <a:rPr b="1" lang="en" sz="1500"/>
+              <a:rPr lang="en" sz="1500" b="1"/>
               <a:t>China, India, and the United States, Brazil, Japan, and Indonesia</a:t>
             </a:r>
-            <a:endParaRPr b="1" sz="1500"/>
+            <a:endParaRPr sz="1500" b="1"/>
           </a:p>
         </p:txBody>
       </p:sp>
@@ -9295,11 +9399,11 @@
 </file>
 
 <file path=ppt/slides/slide3.xml><?xml version="1.0" encoding="utf-8"?>
-<p:sld xmlns:a="http://schemas.openxmlformats.org/drawingml/2006/main" xmlns:r="http://schemas.openxmlformats.org/officeDocument/2006/relationships" xmlns:mc="http://schemas.openxmlformats.org/markup-compatibility/2006" xmlns:mv="urn:schemas-microsoft-com:mac:vml" xmlns:p="http://schemas.openxmlformats.org/presentationml/2006/main" xmlns:c="http://schemas.openxmlformats.org/drawingml/2006/chart" xmlns:dgm="http://schemas.openxmlformats.org/drawingml/2006/diagram" xmlns:o="urn:schemas-microsoft-com:office:office" xmlns:v="urn:schemas-microsoft-com:vml" xmlns:pvml="urn:schemas-microsoft-com:office:powerpoint" xmlns:com="http://schemas.openxmlformats.org/drawingml/2006/compatibility" xmlns:p14="http://schemas.microsoft.com/office/powerpoint/2010/main" xmlns:p15="http://schemas.microsoft.com/office/powerpoint/2012/main" xmlns:ahyp="http://schemas.microsoft.com/office/drawing/2018/hyperlinkcolor">
+<p:sld xmlns:a="http://schemas.openxmlformats.org/drawingml/2006/main" xmlns:r="http://schemas.openxmlformats.org/officeDocument/2006/relationships" xmlns:p="http://schemas.openxmlformats.org/presentationml/2006/main">
   <p:cSld>
     <p:spTree>
       <p:nvGrpSpPr>
-        <p:cNvPr id="104" name="Shape 104"/>
+        <p:cNvPr id="1" name="Shape 104"/>
         <p:cNvGrpSpPr/>
         <p:nvPr/>
       </p:nvGrpSpPr>
@@ -9314,7 +9418,9 @@
       <p:sp>
         <p:nvSpPr>
           <p:cNvPr id="105" name="Google Shape;105;p15"/>
-          <p:cNvSpPr txBox="1"/>
+          <p:cNvSpPr txBox="1">
+            <a:spLocks noGrp="1"/>
+          </p:cNvSpPr>
           <p:nvPr>
             <p:ph type="title"/>
           </p:nvPr>
@@ -9329,12 +9435,12 @@
           </a:prstGeom>
         </p:spPr>
         <p:txBody>
-          <a:bodyPr anchorCtr="0" anchor="t" bIns="91425" lIns="91425" spcFirstLastPara="1" rIns="91425" wrap="square" tIns="91425">
+          <a:bodyPr spcFirstLastPara="1" wrap="square" lIns="91425" tIns="91425" rIns="91425" bIns="91425" anchor="t" anchorCtr="0">
             <a:noAutofit/>
           </a:bodyPr>
           <a:lstStyle/>
           <a:p>
-            <a:pPr indent="0" lvl="0" marL="0" rtl="0" algn="l">
+            <a:pPr marL="0" lvl="0" indent="0" algn="l" rtl="0">
               <a:spcBef>
                 <a:spcPts val="0"/>
               </a:spcBef>
@@ -9354,9 +9460,11 @@
       <p:sp>
         <p:nvSpPr>
           <p:cNvPr id="106" name="Google Shape;106;p15"/>
-          <p:cNvSpPr txBox="1"/>
+          <p:cNvSpPr txBox="1">
+            <a:spLocks noGrp="1"/>
+          </p:cNvSpPr>
           <p:nvPr>
-            <p:ph idx="1" type="body"/>
+            <p:ph type="body" idx="1"/>
           </p:nvPr>
         </p:nvSpPr>
         <p:spPr>
@@ -9369,12 +9477,12 @@
           </a:prstGeom>
         </p:spPr>
         <p:txBody>
-          <a:bodyPr anchorCtr="0" anchor="t" bIns="91425" lIns="91425" spcFirstLastPara="1" rIns="91425" wrap="square" tIns="91425">
+          <a:bodyPr spcFirstLastPara="1" wrap="square" lIns="91425" tIns="91425" rIns="91425" bIns="91425" anchor="t" anchorCtr="0">
             <a:noAutofit/>
           </a:bodyPr>
           <a:lstStyle/>
           <a:p>
-            <a:pPr indent="0" lvl="0" marL="0" rtl="0" algn="l">
+            <a:pPr marL="0" lvl="0" indent="0" algn="l" rtl="0">
               <a:spcBef>
                 <a:spcPts val="0"/>
               </a:spcBef>
@@ -9384,7 +9492,7 @@
               <a:buNone/>
             </a:pPr>
             <a:r>
-              <a:rPr b="1" lang="en" sz="1300">
+              <a:rPr lang="en" sz="1300" b="1">
                 <a:solidFill>
                   <a:srgbClr val="000000"/>
                 </a:solidFill>
@@ -9406,7 +9514,7 @@
             </a:endParaRPr>
           </a:p>
           <a:p>
-            <a:pPr indent="0" lvl="0" marL="0" rtl="0" algn="l">
+            <a:pPr marL="0" lvl="0" indent="0" algn="l" rtl="0">
               <a:spcBef>
                 <a:spcPts val="1600"/>
               </a:spcBef>
@@ -9430,7 +9538,7 @@
             </a:endParaRPr>
           </a:p>
           <a:p>
-            <a:pPr indent="0" lvl="0" marL="0" rtl="0" algn="l">
+            <a:pPr marL="0" lvl="0" indent="0" algn="l" rtl="0">
               <a:lnSpc>
                 <a:spcPct val="150000"/>
               </a:lnSpc>
@@ -9442,9 +9550,6 @@
               </a:spcAft>
               <a:buNone/>
             </a:pPr>
-            <a:r>
-              <a:t/>
-            </a:r>
             <a:endParaRPr sz="1300"/>
           </a:p>
         </p:txBody>
@@ -9514,11 +9619,11 @@
 </file>
 
 <file path=ppt/slides/slide4.xml><?xml version="1.0" encoding="utf-8"?>
-<p:sld xmlns:a="http://schemas.openxmlformats.org/drawingml/2006/main" xmlns:r="http://schemas.openxmlformats.org/officeDocument/2006/relationships" xmlns:mc="http://schemas.openxmlformats.org/markup-compatibility/2006" xmlns:mv="urn:schemas-microsoft-com:mac:vml" xmlns:p="http://schemas.openxmlformats.org/presentationml/2006/main" xmlns:c="http://schemas.openxmlformats.org/drawingml/2006/chart" xmlns:dgm="http://schemas.openxmlformats.org/drawingml/2006/diagram" xmlns:o="urn:schemas-microsoft-com:office:office" xmlns:v="urn:schemas-microsoft-com:vml" xmlns:pvml="urn:schemas-microsoft-com:office:powerpoint" xmlns:com="http://schemas.openxmlformats.org/drawingml/2006/compatibility" xmlns:p14="http://schemas.microsoft.com/office/powerpoint/2010/main" xmlns:p15="http://schemas.microsoft.com/office/powerpoint/2012/main" xmlns:ahyp="http://schemas.microsoft.com/office/drawing/2018/hyperlinkcolor">
+<p:sld xmlns:a="http://schemas.openxmlformats.org/drawingml/2006/main" xmlns:r="http://schemas.openxmlformats.org/officeDocument/2006/relationships" xmlns:p="http://schemas.openxmlformats.org/presentationml/2006/main">
   <p:cSld>
     <p:spTree>
       <p:nvGrpSpPr>
-        <p:cNvPr id="112" name="Shape 112"/>
+        <p:cNvPr id="1" name="Shape 112"/>
         <p:cNvGrpSpPr/>
         <p:nvPr/>
       </p:nvGrpSpPr>
@@ -9533,7 +9638,9 @@
       <p:sp>
         <p:nvSpPr>
           <p:cNvPr id="113" name="Google Shape;113;p16"/>
-          <p:cNvSpPr txBox="1"/>
+          <p:cNvSpPr txBox="1">
+            <a:spLocks noGrp="1"/>
+          </p:cNvSpPr>
           <p:nvPr>
             <p:ph type="title"/>
           </p:nvPr>
@@ -9548,12 +9655,12 @@
           </a:prstGeom>
         </p:spPr>
         <p:txBody>
-          <a:bodyPr anchorCtr="0" anchor="t" bIns="91425" lIns="91425" spcFirstLastPara="1" rIns="91425" wrap="square" tIns="91425">
+          <a:bodyPr spcFirstLastPara="1" wrap="square" lIns="91425" tIns="91425" rIns="91425" bIns="91425" anchor="t" anchorCtr="0">
             <a:noAutofit/>
           </a:bodyPr>
           <a:lstStyle/>
           <a:p>
-            <a:pPr indent="0" lvl="0" marL="0" rtl="0" algn="l">
+            <a:pPr marL="0" lvl="0" indent="0" algn="l" rtl="0">
               <a:spcBef>
                 <a:spcPts val="0"/>
               </a:spcBef>
@@ -9573,9 +9680,11 @@
       <p:sp>
         <p:nvSpPr>
           <p:cNvPr id="114" name="Google Shape;114;p16"/>
-          <p:cNvSpPr txBox="1"/>
+          <p:cNvSpPr txBox="1">
+            <a:spLocks noGrp="1"/>
+          </p:cNvSpPr>
           <p:nvPr>
-            <p:ph idx="1" type="body"/>
+            <p:ph type="body" idx="1"/>
           </p:nvPr>
         </p:nvSpPr>
         <p:spPr>
@@ -9588,12 +9697,12 @@
           </a:prstGeom>
         </p:spPr>
         <p:txBody>
-          <a:bodyPr anchorCtr="0" anchor="t" bIns="91425" lIns="91425" spcFirstLastPara="1" rIns="91425" wrap="square" tIns="91425">
+          <a:bodyPr spcFirstLastPara="1" wrap="square" lIns="91425" tIns="91425" rIns="91425" bIns="91425" anchor="t" anchorCtr="0">
             <a:noAutofit/>
           </a:bodyPr>
           <a:lstStyle/>
           <a:p>
-            <a:pPr indent="0" lvl="0" marL="0" rtl="0" algn="l">
+            <a:pPr marL="0" lvl="0" indent="0" algn="l" rtl="0">
               <a:spcBef>
                 <a:spcPts val="0"/>
               </a:spcBef>
@@ -9603,7 +9712,7 @@
               <a:buNone/>
             </a:pPr>
             <a:r>
-              <a:rPr b="1" lang="en" sz="1300">
+              <a:rPr lang="en" sz="1300" b="1">
                 <a:solidFill>
                   <a:srgbClr val="000000"/>
                 </a:solidFill>
@@ -9625,7 +9734,7 @@
             </a:endParaRPr>
           </a:p>
           <a:p>
-            <a:pPr indent="-311150" lvl="0" marL="457200" rtl="0" algn="l">
+            <a:pPr marL="457200" lvl="0" indent="-311150" algn="l" rtl="0">
               <a:lnSpc>
                 <a:spcPct val="150000"/>
               </a:lnSpc>
@@ -9643,7 +9752,7 @@
               <a:buChar char="●"/>
             </a:pPr>
             <a:r>
-              <a:rPr b="1" lang="en" sz="1300">
+              <a:rPr lang="en" sz="1300" b="1">
                 <a:solidFill>
                   <a:srgbClr val="000000"/>
                 </a:solidFill>
@@ -9665,7 +9774,7 @@
             </a:endParaRPr>
           </a:p>
           <a:p>
-            <a:pPr indent="-311150" lvl="0" marL="457200" rtl="0" algn="l">
+            <a:pPr marL="457200" lvl="0" indent="-311150" algn="l" rtl="0">
               <a:lnSpc>
                 <a:spcPct val="150000"/>
               </a:lnSpc>
@@ -9683,7 +9792,7 @@
               <a:buChar char="●"/>
             </a:pPr>
             <a:r>
-              <a:rPr b="1" lang="en" sz="1300">
+              <a:rPr lang="en" sz="1300" b="1">
                 <a:solidFill>
                   <a:srgbClr val="000000"/>
                 </a:solidFill>
@@ -9705,7 +9814,7 @@
             </a:endParaRPr>
           </a:p>
           <a:p>
-            <a:pPr indent="-311150" lvl="0" marL="457200" rtl="0" algn="l">
+            <a:pPr marL="457200" lvl="0" indent="-311150" algn="l" rtl="0">
               <a:lnSpc>
                 <a:spcPct val="150000"/>
               </a:lnSpc>
@@ -9723,7 +9832,7 @@
               <a:buChar char="●"/>
             </a:pPr>
             <a:r>
-              <a:rPr b="1" lang="en" sz="1300">
+              <a:rPr lang="en" sz="1300" b="1">
                 <a:solidFill>
                   <a:srgbClr val="000000"/>
                 </a:solidFill>
@@ -9779,11 +9888,11 @@
 </file>
 
 <file path=ppt/slides/slide5.xml><?xml version="1.0" encoding="utf-8"?>
-<p:sld xmlns:a="http://schemas.openxmlformats.org/drawingml/2006/main" xmlns:r="http://schemas.openxmlformats.org/officeDocument/2006/relationships" xmlns:mc="http://schemas.openxmlformats.org/markup-compatibility/2006" xmlns:mv="urn:schemas-microsoft-com:mac:vml" xmlns:p="http://schemas.openxmlformats.org/presentationml/2006/main" xmlns:c="http://schemas.openxmlformats.org/drawingml/2006/chart" xmlns:dgm="http://schemas.openxmlformats.org/drawingml/2006/diagram" xmlns:o="urn:schemas-microsoft-com:office:office" xmlns:v="urn:schemas-microsoft-com:vml" xmlns:pvml="urn:schemas-microsoft-com:office:powerpoint" xmlns:com="http://schemas.openxmlformats.org/drawingml/2006/compatibility" xmlns:p14="http://schemas.microsoft.com/office/powerpoint/2010/main" xmlns:p15="http://schemas.microsoft.com/office/powerpoint/2012/main" xmlns:ahyp="http://schemas.microsoft.com/office/drawing/2018/hyperlinkcolor">
+<p:sld xmlns:a="http://schemas.openxmlformats.org/drawingml/2006/main" xmlns:r="http://schemas.openxmlformats.org/officeDocument/2006/relationships" xmlns:p="http://schemas.openxmlformats.org/presentationml/2006/main">
   <p:cSld>
     <p:spTree>
       <p:nvGrpSpPr>
-        <p:cNvPr id="119" name="Shape 119"/>
+        <p:cNvPr id="1" name="Shape 119"/>
         <p:cNvGrpSpPr/>
         <p:nvPr/>
       </p:nvGrpSpPr>
@@ -9798,7 +9907,9 @@
       <p:sp>
         <p:nvSpPr>
           <p:cNvPr id="120" name="Google Shape;120;p17"/>
-          <p:cNvSpPr txBox="1"/>
+          <p:cNvSpPr txBox="1">
+            <a:spLocks noGrp="1"/>
+          </p:cNvSpPr>
           <p:nvPr>
             <p:ph type="title"/>
           </p:nvPr>
@@ -9813,12 +9924,12 @@
           </a:prstGeom>
         </p:spPr>
         <p:txBody>
-          <a:bodyPr anchorCtr="0" anchor="t" bIns="91425" lIns="91425" spcFirstLastPara="1" rIns="91425" wrap="square" tIns="91425">
+          <a:bodyPr spcFirstLastPara="1" wrap="square" lIns="91425" tIns="91425" rIns="91425" bIns="91425" anchor="t" anchorCtr="0">
             <a:noAutofit/>
           </a:bodyPr>
           <a:lstStyle/>
           <a:p>
-            <a:pPr indent="0" lvl="0" marL="0" rtl="0" algn="l">
+            <a:pPr marL="0" lvl="0" indent="0" algn="l" rtl="0">
               <a:spcBef>
                 <a:spcPts val="0"/>
               </a:spcBef>
@@ -9838,9 +9949,11 @@
       <p:sp>
         <p:nvSpPr>
           <p:cNvPr id="121" name="Google Shape;121;p17"/>
-          <p:cNvSpPr txBox="1"/>
+          <p:cNvSpPr txBox="1">
+            <a:spLocks noGrp="1"/>
+          </p:cNvSpPr>
           <p:nvPr>
-            <p:ph idx="1" type="body"/>
+            <p:ph type="body" idx="1"/>
           </p:nvPr>
         </p:nvSpPr>
         <p:spPr>
@@ -9853,12 +9966,12 @@
           </a:prstGeom>
         </p:spPr>
         <p:txBody>
-          <a:bodyPr anchorCtr="0" anchor="t" bIns="91425" lIns="91425" spcFirstLastPara="1" rIns="91425" wrap="square" tIns="91425">
+          <a:bodyPr spcFirstLastPara="1" wrap="square" lIns="91425" tIns="91425" rIns="91425" bIns="91425" anchor="t" anchorCtr="0">
             <a:noAutofit/>
           </a:bodyPr>
           <a:lstStyle/>
           <a:p>
-            <a:pPr indent="0" lvl="0" marL="0" rtl="0" algn="l">
+            <a:pPr marL="0" lvl="0" indent="0" algn="l" rtl="0">
               <a:spcBef>
                 <a:spcPts val="0"/>
               </a:spcBef>
@@ -9867,9 +9980,6 @@
               </a:spcAft>
               <a:buNone/>
             </a:pPr>
-            <a:r>
-              <a:t/>
-            </a:r>
             <a:endParaRPr/>
           </a:p>
         </p:txBody>
@@ -9939,11 +10049,11 @@
 </file>
 
 <file path=ppt/slides/slide6.xml><?xml version="1.0" encoding="utf-8"?>
-<p:sld xmlns:a="http://schemas.openxmlformats.org/drawingml/2006/main" xmlns:r="http://schemas.openxmlformats.org/officeDocument/2006/relationships" xmlns:mc="http://schemas.openxmlformats.org/markup-compatibility/2006" xmlns:mv="urn:schemas-microsoft-com:mac:vml" xmlns:p="http://schemas.openxmlformats.org/presentationml/2006/main" xmlns:c="http://schemas.openxmlformats.org/drawingml/2006/chart" xmlns:dgm="http://schemas.openxmlformats.org/drawingml/2006/diagram" xmlns:o="urn:schemas-microsoft-com:office:office" xmlns:v="urn:schemas-microsoft-com:vml" xmlns:pvml="urn:schemas-microsoft-com:office:powerpoint" xmlns:com="http://schemas.openxmlformats.org/drawingml/2006/compatibility" xmlns:p14="http://schemas.microsoft.com/office/powerpoint/2010/main" xmlns:p15="http://schemas.microsoft.com/office/powerpoint/2012/main" xmlns:ahyp="http://schemas.microsoft.com/office/drawing/2018/hyperlinkcolor">
+<p:sld xmlns:a="http://schemas.openxmlformats.org/drawingml/2006/main" xmlns:r="http://schemas.openxmlformats.org/officeDocument/2006/relationships" xmlns:p="http://schemas.openxmlformats.org/presentationml/2006/main">
   <p:cSld>
     <p:spTree>
       <p:nvGrpSpPr>
-        <p:cNvPr id="127" name="Shape 127"/>
+        <p:cNvPr id="1" name="Shape 127"/>
         <p:cNvGrpSpPr/>
         <p:nvPr/>
       </p:nvGrpSpPr>
@@ -9958,7 +10068,9 @@
       <p:sp>
         <p:nvSpPr>
           <p:cNvPr id="128" name="Google Shape;128;p18"/>
-          <p:cNvSpPr txBox="1"/>
+          <p:cNvSpPr txBox="1">
+            <a:spLocks noGrp="1"/>
+          </p:cNvSpPr>
           <p:nvPr>
             <p:ph type="title"/>
           </p:nvPr>
@@ -9973,12 +10085,12 @@
           </a:prstGeom>
         </p:spPr>
         <p:txBody>
-          <a:bodyPr anchorCtr="0" anchor="t" bIns="91425" lIns="91425" spcFirstLastPara="1" rIns="91425" wrap="square" tIns="91425">
+          <a:bodyPr spcFirstLastPara="1" wrap="square" lIns="91425" tIns="91425" rIns="91425" bIns="91425" anchor="t" anchorCtr="0">
             <a:noAutofit/>
           </a:bodyPr>
           <a:lstStyle/>
           <a:p>
-            <a:pPr indent="0" lvl="0" marL="0" rtl="0" algn="l">
+            <a:pPr marL="0" lvl="0" indent="0" algn="l" rtl="0">
               <a:spcBef>
                 <a:spcPts val="0"/>
               </a:spcBef>
@@ -9994,7 +10106,7 @@
             <a:endParaRPr/>
           </a:p>
           <a:p>
-            <a:pPr indent="0" lvl="0" marL="0" rtl="0" algn="l">
+            <a:pPr marL="0" lvl="0" indent="0" algn="l" rtl="0">
               <a:spcBef>
                 <a:spcPts val="0"/>
               </a:spcBef>
@@ -10003,9 +10115,6 @@
               </a:spcAft>
               <a:buNone/>
             </a:pPr>
-            <a:r>
-              <a:t/>
-            </a:r>
             <a:endParaRPr/>
           </a:p>
         </p:txBody>
@@ -10013,9 +10122,11 @@
       <p:sp>
         <p:nvSpPr>
           <p:cNvPr id="129" name="Google Shape;129;p18"/>
-          <p:cNvSpPr txBox="1"/>
+          <p:cNvSpPr txBox="1">
+            <a:spLocks noGrp="1"/>
+          </p:cNvSpPr>
           <p:nvPr>
-            <p:ph idx="1" type="body"/>
+            <p:ph type="body" idx="1"/>
           </p:nvPr>
         </p:nvSpPr>
         <p:spPr>
@@ -10028,12 +10139,12 @@
           </a:prstGeom>
         </p:spPr>
         <p:txBody>
-          <a:bodyPr anchorCtr="0" anchor="t" bIns="91425" lIns="91425" spcFirstLastPara="1" rIns="91425" wrap="square" tIns="91425">
+          <a:bodyPr spcFirstLastPara="1" wrap="square" lIns="91425" tIns="91425" rIns="91425" bIns="91425" anchor="t" anchorCtr="0">
             <a:noAutofit/>
           </a:bodyPr>
           <a:lstStyle/>
           <a:p>
-            <a:pPr indent="0" lvl="0" marL="0" rtl="0" algn="l">
+            <a:pPr marL="0" lvl="0" indent="0" algn="l" rtl="0">
               <a:lnSpc>
                 <a:spcPct val="150000"/>
               </a:lnSpc>
@@ -10046,21 +10157,21 @@
               <a:buNone/>
             </a:pPr>
             <a:r>
-              <a:rPr b="1" lang="en" sz="1200">
+              <a:rPr lang="en" sz="1200" b="1">
                 <a:solidFill>
                   <a:srgbClr val="000000"/>
                 </a:solidFill>
               </a:rPr>
               <a:t>Key Insight : The "City Proper" Anomaly</a:t>
             </a:r>
-            <a:endParaRPr b="1" sz="1200">
+            <a:endParaRPr sz="1200" b="1">
               <a:solidFill>
                 <a:srgbClr val="000000"/>
               </a:solidFill>
             </a:endParaRPr>
           </a:p>
           <a:p>
-            <a:pPr indent="-304800" lvl="0" marL="457200" rtl="0" algn="l">
+            <a:pPr marL="457200" lvl="0" indent="-304800" algn="l" rtl="0">
               <a:lnSpc>
                 <a:spcPct val="150000"/>
               </a:lnSpc>
@@ -10078,7 +10189,7 @@
               <a:buChar char="●"/>
             </a:pPr>
             <a:r>
-              <a:rPr i="1" lang="en" sz="1200">
+              <a:rPr lang="en" sz="1200" i="1">
                 <a:solidFill>
                   <a:srgbClr val="000000"/>
                 </a:solidFill>
@@ -10100,7 +10211,7 @@
             </a:endParaRPr>
           </a:p>
           <a:p>
-            <a:pPr indent="-304800" lvl="0" marL="457200" rtl="0" algn="l">
+            <a:pPr marL="457200" lvl="0" indent="-304800" algn="l" rtl="0">
               <a:lnSpc>
                 <a:spcPct val="150000"/>
               </a:lnSpc>
@@ -10132,7 +10243,7 @@
             </a:endParaRPr>
           </a:p>
           <a:p>
-            <a:pPr indent="0" lvl="0" marL="0" rtl="0" algn="l">
+            <a:pPr marL="0" lvl="0" indent="0" algn="l" rtl="0">
               <a:spcBef>
                 <a:spcPts val="1200"/>
               </a:spcBef>
@@ -10141,13 +10252,10 @@
               </a:spcAft>
               <a:buNone/>
             </a:pPr>
-            <a:r>
-              <a:t/>
-            </a:r>
             <a:endParaRPr/>
           </a:p>
           <a:p>
-            <a:pPr indent="0" lvl="0" marL="0" rtl="0" algn="l">
+            <a:pPr marL="0" lvl="0" indent="0" algn="l" rtl="0">
               <a:spcBef>
                 <a:spcPts val="1600"/>
               </a:spcBef>
@@ -10156,9 +10264,6 @@
               </a:spcAft>
               <a:buNone/>
             </a:pPr>
-            <a:r>
-              <a:t/>
-            </a:r>
             <a:endParaRPr/>
           </a:p>
         </p:txBody>
@@ -10204,27 +10309,27 @@
           </a:xfrm>
           <a:prstGeom prst="roundRect">
             <a:avLst>
-              <a:gd fmla="val 16667" name="adj"/>
+              <a:gd name="adj" fmla="val 16667"/>
             </a:avLst>
           </a:prstGeom>
           <a:noFill/>
-          <a:ln cap="flat" cmpd="sng" w="9525">
+          <a:ln w="9525" cap="flat" cmpd="sng">
             <a:solidFill>
               <a:srgbClr val="FF0000"/>
             </a:solidFill>
             <a:prstDash val="solid"/>
             <a:round/>
-            <a:headEnd len="sm" w="sm" type="none"/>
-            <a:tailEnd len="sm" w="sm" type="none"/>
+            <a:headEnd type="none" w="sm" len="sm"/>
+            <a:tailEnd type="none" w="sm" len="sm"/>
           </a:ln>
         </p:spPr>
         <p:txBody>
-          <a:bodyPr anchorCtr="0" anchor="ctr" bIns="91425" lIns="91425" spcFirstLastPara="1" rIns="91425" wrap="square" tIns="91425">
+          <a:bodyPr spcFirstLastPara="1" wrap="square" lIns="91425" tIns="91425" rIns="91425" bIns="91425" anchor="ctr" anchorCtr="0">
             <a:noAutofit/>
           </a:bodyPr>
           <a:lstStyle/>
           <a:p>
-            <a:pPr indent="0" lvl="0" marL="0" rtl="0" algn="ctr">
+            <a:pPr marL="0" lvl="0" indent="0" algn="ctr" rtl="0">
               <a:spcBef>
                 <a:spcPts val="0"/>
               </a:spcBef>
@@ -10233,9 +10338,6 @@
               </a:spcAft>
               <a:buNone/>
             </a:pPr>
-            <a:r>
-              <a:t/>
-            </a:r>
             <a:endParaRPr>
               <a:latin typeface="Roboto"/>
               <a:ea typeface="Roboto"/>
@@ -10254,11 +10356,11 @@
 </file>
 
 <file path=ppt/slides/slide7.xml><?xml version="1.0" encoding="utf-8"?>
-<p:sld xmlns:a="http://schemas.openxmlformats.org/drawingml/2006/main" xmlns:r="http://schemas.openxmlformats.org/officeDocument/2006/relationships" xmlns:mc="http://schemas.openxmlformats.org/markup-compatibility/2006" xmlns:mv="urn:schemas-microsoft-com:mac:vml" xmlns:p="http://schemas.openxmlformats.org/presentationml/2006/main" xmlns:c="http://schemas.openxmlformats.org/drawingml/2006/chart" xmlns:dgm="http://schemas.openxmlformats.org/drawingml/2006/diagram" xmlns:o="urn:schemas-microsoft-com:office:office" xmlns:v="urn:schemas-microsoft-com:vml" xmlns:pvml="urn:schemas-microsoft-com:office:powerpoint" xmlns:com="http://schemas.openxmlformats.org/drawingml/2006/compatibility" xmlns:p14="http://schemas.microsoft.com/office/powerpoint/2010/main" xmlns:p15="http://schemas.microsoft.com/office/powerpoint/2012/main" xmlns:ahyp="http://schemas.microsoft.com/office/drawing/2018/hyperlinkcolor">
+<p:sld xmlns:a="http://schemas.openxmlformats.org/drawingml/2006/main" xmlns:r="http://schemas.openxmlformats.org/officeDocument/2006/relationships" xmlns:p="http://schemas.openxmlformats.org/presentationml/2006/main">
   <p:cSld>
     <p:spTree>
       <p:nvGrpSpPr>
-        <p:cNvPr id="135" name="Shape 135"/>
+        <p:cNvPr id="1" name="Shape 135"/>
         <p:cNvGrpSpPr/>
         <p:nvPr/>
       </p:nvGrpSpPr>
@@ -10273,7 +10375,9 @@
       <p:sp>
         <p:nvSpPr>
           <p:cNvPr id="136" name="Google Shape;136;p19"/>
-          <p:cNvSpPr txBox="1"/>
+          <p:cNvSpPr txBox="1">
+            <a:spLocks noGrp="1"/>
+          </p:cNvSpPr>
           <p:nvPr>
             <p:ph type="title"/>
           </p:nvPr>
@@ -10288,12 +10392,12 @@
           </a:prstGeom>
         </p:spPr>
         <p:txBody>
-          <a:bodyPr anchorCtr="0" anchor="t" bIns="91425" lIns="91425" spcFirstLastPara="1" rIns="91425" wrap="square" tIns="91425">
+          <a:bodyPr spcFirstLastPara="1" wrap="square" lIns="91425" tIns="91425" rIns="91425" bIns="91425" anchor="t" anchorCtr="0">
             <a:noAutofit/>
           </a:bodyPr>
           <a:lstStyle/>
           <a:p>
-            <a:pPr indent="0" lvl="0" marL="0" rtl="0" algn="l">
+            <a:pPr marL="0" lvl="0" indent="0" algn="l" rtl="0">
               <a:spcBef>
                 <a:spcPts val="0"/>
               </a:spcBef>
@@ -10403,11 +10507,11 @@
 </file>
 
 <file path=ppt/slides/slide8.xml><?xml version="1.0" encoding="utf-8"?>
-<p:sld xmlns:a="http://schemas.openxmlformats.org/drawingml/2006/main" xmlns:r="http://schemas.openxmlformats.org/officeDocument/2006/relationships" xmlns:mc="http://schemas.openxmlformats.org/markup-compatibility/2006" xmlns:mv="urn:schemas-microsoft-com:mac:vml" xmlns:p="http://schemas.openxmlformats.org/presentationml/2006/main" xmlns:c="http://schemas.openxmlformats.org/drawingml/2006/chart" xmlns:dgm="http://schemas.openxmlformats.org/drawingml/2006/diagram" xmlns:o="urn:schemas-microsoft-com:office:office" xmlns:v="urn:schemas-microsoft-com:vml" xmlns:pvml="urn:schemas-microsoft-com:office:powerpoint" xmlns:com="http://schemas.openxmlformats.org/drawingml/2006/compatibility" xmlns:p14="http://schemas.microsoft.com/office/powerpoint/2010/main" xmlns:p15="http://schemas.microsoft.com/office/powerpoint/2012/main" xmlns:ahyp="http://schemas.microsoft.com/office/drawing/2018/hyperlinkcolor">
+<p:sld xmlns:a="http://schemas.openxmlformats.org/drawingml/2006/main" xmlns:r="http://schemas.openxmlformats.org/officeDocument/2006/relationships" xmlns:p="http://schemas.openxmlformats.org/presentationml/2006/main">
   <p:cSld>
     <p:spTree>
       <p:nvGrpSpPr>
-        <p:cNvPr id="143" name="Shape 143"/>
+        <p:cNvPr id="1" name="Shape 143"/>
         <p:cNvGrpSpPr/>
         <p:nvPr/>
       </p:nvGrpSpPr>
@@ -10422,7 +10526,9 @@
       <p:sp>
         <p:nvSpPr>
           <p:cNvPr id="144" name="Google Shape;144;p20"/>
-          <p:cNvSpPr txBox="1"/>
+          <p:cNvSpPr txBox="1">
+            <a:spLocks noGrp="1"/>
+          </p:cNvSpPr>
           <p:nvPr>
             <p:ph type="title"/>
           </p:nvPr>
@@ -10437,12 +10543,12 @@
           </a:prstGeom>
         </p:spPr>
         <p:txBody>
-          <a:bodyPr anchorCtr="0" anchor="t" bIns="91425" lIns="91425" spcFirstLastPara="1" rIns="91425" wrap="square" tIns="91425">
+          <a:bodyPr spcFirstLastPara="1" wrap="square" lIns="91425" tIns="91425" rIns="91425" bIns="91425" anchor="t" anchorCtr="0">
             <a:noAutofit/>
           </a:bodyPr>
           <a:lstStyle/>
           <a:p>
-            <a:pPr indent="0" lvl="0" marL="0" rtl="0" algn="l">
+            <a:pPr marL="0" lvl="0" indent="0" algn="l" rtl="0">
               <a:spcBef>
                 <a:spcPts val="0"/>
               </a:spcBef>
@@ -10462,9 +10568,11 @@
       <p:sp>
         <p:nvSpPr>
           <p:cNvPr id="145" name="Google Shape;145;p20"/>
-          <p:cNvSpPr txBox="1"/>
+          <p:cNvSpPr txBox="1">
+            <a:spLocks noGrp="1"/>
+          </p:cNvSpPr>
           <p:nvPr>
-            <p:ph idx="1" type="body"/>
+            <p:ph type="body" idx="1"/>
           </p:nvPr>
         </p:nvSpPr>
         <p:spPr>
@@ -10477,12 +10585,12 @@
           </a:prstGeom>
         </p:spPr>
         <p:txBody>
-          <a:bodyPr anchorCtr="0" anchor="t" bIns="91425" lIns="91425" spcFirstLastPara="1" rIns="91425" wrap="square" tIns="91425">
+          <a:bodyPr spcFirstLastPara="1" wrap="square" lIns="91425" tIns="91425" rIns="91425" bIns="91425" anchor="t" anchorCtr="0">
             <a:noAutofit/>
           </a:bodyPr>
           <a:lstStyle/>
           <a:p>
-            <a:pPr indent="0" lvl="0" marL="0" rtl="0" algn="l">
+            <a:pPr marL="0" lvl="0" indent="0" algn="l" rtl="0">
               <a:lnSpc>
                 <a:spcPct val="150000"/>
               </a:lnSpc>
@@ -10495,21 +10603,21 @@
               <a:buNone/>
             </a:pPr>
             <a:r>
-              <a:rPr b="1" lang="en" sz="1200">
+              <a:rPr lang="en" sz="1200" b="1">
                 <a:solidFill>
                   <a:srgbClr val="000000"/>
                 </a:solidFill>
               </a:rPr>
               <a:t>Why Log Scale?</a:t>
             </a:r>
-            <a:endParaRPr b="1" sz="1200">
+            <a:endParaRPr sz="1200" b="1">
               <a:solidFill>
                 <a:srgbClr val="000000"/>
               </a:solidFill>
             </a:endParaRPr>
           </a:p>
           <a:p>
-            <a:pPr indent="-304800" lvl="0" marL="457200" rtl="0" algn="l">
+            <a:pPr marL="457200" lvl="0" indent="-304800" algn="l" rtl="0">
               <a:lnSpc>
                 <a:spcPct val="150000"/>
               </a:lnSpc>
@@ -10541,7 +10649,7 @@
             </a:endParaRPr>
           </a:p>
           <a:p>
-            <a:pPr indent="0" lvl="0" marL="0" rtl="0" algn="l">
+            <a:pPr marL="0" lvl="0" indent="0" algn="l" rtl="0">
               <a:lnSpc>
                 <a:spcPct val="150000"/>
               </a:lnSpc>
@@ -10554,21 +10662,21 @@
               <a:buNone/>
             </a:pPr>
             <a:r>
-              <a:rPr b="1" lang="en" sz="1200">
+              <a:rPr lang="en" sz="1200" b="1">
                 <a:solidFill>
                   <a:srgbClr val="000000"/>
                 </a:solidFill>
               </a:rPr>
               <a:t>Plot A: Urban Area (Population vs. Area)</a:t>
             </a:r>
-            <a:endParaRPr b="1" sz="1200">
+            <a:endParaRPr sz="1200" b="1">
               <a:solidFill>
                 <a:srgbClr val="000000"/>
               </a:solidFill>
             </a:endParaRPr>
           </a:p>
           <a:p>
-            <a:pPr indent="-304800" lvl="0" marL="457200" rtl="0" algn="l">
+            <a:pPr marL="457200" lvl="0" indent="-304800" algn="l" rtl="0">
               <a:lnSpc>
                 <a:spcPct val="150000"/>
               </a:lnSpc>
@@ -10600,7 +10708,7 @@
             </a:endParaRPr>
           </a:p>
           <a:p>
-            <a:pPr indent="0" lvl="0" marL="0" rtl="0" algn="l">
+            <a:pPr marL="0" lvl="0" indent="0" algn="l" rtl="0">
               <a:lnSpc>
                 <a:spcPct val="150000"/>
               </a:lnSpc>
@@ -10613,21 +10721,21 @@
               <a:buNone/>
             </a:pPr>
             <a:r>
-              <a:rPr b="1" lang="en" sz="1200">
+              <a:rPr lang="en" sz="1200" b="1">
                 <a:solidFill>
                   <a:srgbClr val="000000"/>
                 </a:solidFill>
               </a:rPr>
               <a:t>Plot B: City Proper (Population vs. Area)</a:t>
             </a:r>
-            <a:endParaRPr b="1" sz="1200">
+            <a:endParaRPr sz="1200" b="1">
               <a:solidFill>
                 <a:srgbClr val="000000"/>
               </a:solidFill>
             </a:endParaRPr>
           </a:p>
           <a:p>
-            <a:pPr indent="-304800" lvl="0" marL="457200" rtl="0" algn="l">
+            <a:pPr marL="457200" lvl="0" indent="-304800" algn="l" rtl="0">
               <a:lnSpc>
                 <a:spcPct val="150000"/>
               </a:lnSpc>
@@ -10645,7 +10753,7 @@
               <a:buChar char="●"/>
             </a:pPr>
             <a:r>
-              <a:rPr i="1" lang="en" sz="1200">
+              <a:rPr lang="en" sz="1200" i="1">
                 <a:solidFill>
                   <a:srgbClr val="000000"/>
                 </a:solidFill>
@@ -10667,7 +10775,7 @@
             </a:endParaRPr>
           </a:p>
           <a:p>
-            <a:pPr indent="0" lvl="0" marL="0" rtl="0" algn="l">
+            <a:pPr marL="0" lvl="0" indent="0" algn="l" rtl="0">
               <a:spcBef>
                 <a:spcPts val="1200"/>
               </a:spcBef>
@@ -10676,9 +10784,6 @@
               </a:spcAft>
               <a:buNone/>
             </a:pPr>
-            <a:r>
-              <a:t/>
-            </a:r>
             <a:endParaRPr sz="1100">
               <a:solidFill>
                 <a:srgbClr val="000000"/>
@@ -10690,7 +10795,7 @@
             </a:endParaRPr>
           </a:p>
           <a:p>
-            <a:pPr indent="0" lvl="0" marL="0" rtl="0" algn="l">
+            <a:pPr marL="0" lvl="0" indent="0" algn="l" rtl="0">
               <a:lnSpc>
                 <a:spcPct val="150000"/>
               </a:lnSpc>
@@ -10702,9 +10807,6 @@
               </a:spcAft>
               <a:buNone/>
             </a:pPr>
-            <a:r>
-              <a:t/>
-            </a:r>
             <a:endParaRPr sz="1200">
               <a:solidFill>
                 <a:srgbClr val="000000"/>
@@ -10712,7 +10814,7 @@
             </a:endParaRPr>
           </a:p>
           <a:p>
-            <a:pPr indent="0" lvl="0" marL="0" rtl="0" algn="l">
+            <a:pPr marL="0" lvl="0" indent="0" algn="l" rtl="0">
               <a:spcBef>
                 <a:spcPts val="1200"/>
               </a:spcBef>
@@ -10721,9 +10823,6 @@
               </a:spcAft>
               <a:buNone/>
             </a:pPr>
-            <a:r>
-              <a:t/>
-            </a:r>
             <a:endParaRPr/>
           </a:p>
         </p:txBody>
@@ -10737,11 +10836,11 @@
 </file>
 
 <file path=ppt/slides/slide9.xml><?xml version="1.0" encoding="utf-8"?>
-<p:sld xmlns:a="http://schemas.openxmlformats.org/drawingml/2006/main" xmlns:r="http://schemas.openxmlformats.org/officeDocument/2006/relationships" xmlns:mc="http://schemas.openxmlformats.org/markup-compatibility/2006" xmlns:mv="urn:schemas-microsoft-com:mac:vml" xmlns:p="http://schemas.openxmlformats.org/presentationml/2006/main" xmlns:c="http://schemas.openxmlformats.org/drawingml/2006/chart" xmlns:dgm="http://schemas.openxmlformats.org/drawingml/2006/diagram" xmlns:o="urn:schemas-microsoft-com:office:office" xmlns:v="urn:schemas-microsoft-com:vml" xmlns:pvml="urn:schemas-microsoft-com:office:powerpoint" xmlns:com="http://schemas.openxmlformats.org/drawingml/2006/compatibility" xmlns:p14="http://schemas.microsoft.com/office/powerpoint/2010/main" xmlns:p15="http://schemas.microsoft.com/office/powerpoint/2012/main" xmlns:ahyp="http://schemas.microsoft.com/office/drawing/2018/hyperlinkcolor">
+<p:sld xmlns:a="http://schemas.openxmlformats.org/drawingml/2006/main" xmlns:r="http://schemas.openxmlformats.org/officeDocument/2006/relationships" xmlns:p="http://schemas.openxmlformats.org/presentationml/2006/main">
   <p:cSld>
     <p:spTree>
       <p:nvGrpSpPr>
-        <p:cNvPr id="149" name="Shape 149"/>
+        <p:cNvPr id="1" name="Shape 149"/>
         <p:cNvGrpSpPr/>
         <p:nvPr/>
       </p:nvGrpSpPr>
@@ -10756,7 +10855,9 @@
       <p:sp>
         <p:nvSpPr>
           <p:cNvPr id="150" name="Google Shape;150;p21"/>
-          <p:cNvSpPr txBox="1"/>
+          <p:cNvSpPr txBox="1">
+            <a:spLocks noGrp="1"/>
+          </p:cNvSpPr>
           <p:nvPr>
             <p:ph type="title"/>
           </p:nvPr>
@@ -10771,12 +10872,12 @@
           </a:prstGeom>
         </p:spPr>
         <p:txBody>
-          <a:bodyPr anchorCtr="0" anchor="t" bIns="91425" lIns="91425" spcFirstLastPara="1" rIns="91425" wrap="square" tIns="91425">
+          <a:bodyPr spcFirstLastPara="1" wrap="square" lIns="91425" tIns="91425" rIns="91425" bIns="91425" anchor="t" anchorCtr="0">
             <a:noAutofit/>
           </a:bodyPr>
           <a:lstStyle/>
           <a:p>
-            <a:pPr indent="0" lvl="0" marL="0" rtl="0" algn="l">
+            <a:pPr marL="0" lvl="0" indent="0" algn="l" rtl="0">
               <a:spcBef>
                 <a:spcPts val="0"/>
               </a:spcBef>
@@ -10796,9 +10897,11 @@
       <p:sp>
         <p:nvSpPr>
           <p:cNvPr id="151" name="Google Shape;151;p21"/>
-          <p:cNvSpPr txBox="1"/>
+          <p:cNvSpPr txBox="1">
+            <a:spLocks noGrp="1"/>
+          </p:cNvSpPr>
           <p:nvPr>
-            <p:ph idx="1" type="body"/>
+            <p:ph type="body" idx="1"/>
           </p:nvPr>
         </p:nvSpPr>
         <p:spPr>
@@ -10811,12 +10914,12 @@
           </a:prstGeom>
         </p:spPr>
         <p:txBody>
-          <a:bodyPr anchorCtr="0" anchor="t" bIns="91425" lIns="91425" spcFirstLastPara="1" rIns="91425" wrap="square" tIns="91425">
+          <a:bodyPr spcFirstLastPara="1" wrap="square" lIns="91425" tIns="91425" rIns="91425" bIns="91425" anchor="t" anchorCtr="0">
             <a:noAutofit/>
           </a:bodyPr>
           <a:lstStyle/>
           <a:p>
-            <a:pPr indent="0" lvl="0" marL="0" rtl="0" algn="l">
+            <a:pPr marL="0" lvl="0" indent="0" algn="l" rtl="0">
               <a:lnSpc>
                 <a:spcPct val="200000"/>
               </a:lnSpc>
@@ -10829,21 +10932,21 @@
               <a:buNone/>
             </a:pPr>
             <a:r>
-              <a:rPr b="1" lang="en" sz="1200">
+              <a:rPr lang="en" sz="1200" b="1">
                 <a:solidFill>
                   <a:srgbClr val="000000"/>
                 </a:solidFill>
               </a:rPr>
               <a:t>Summary</a:t>
             </a:r>
-            <a:endParaRPr b="1" sz="1200">
+            <a:endParaRPr sz="1200" b="1">
               <a:solidFill>
                 <a:srgbClr val="000000"/>
               </a:solidFill>
             </a:endParaRPr>
           </a:p>
           <a:p>
-            <a:pPr indent="-304800" lvl="0" marL="457200" rtl="0" algn="l">
+            <a:pPr marL="457200" lvl="0" indent="-304800" algn="l" rtl="0">
               <a:lnSpc>
                 <a:spcPct val="200000"/>
               </a:lnSpc>
@@ -10868,7 +10971,7 @@
               <a:t>City Proper" is a political term; "Urban Area" is a geographical term. When comparing global urbanization, </a:t>
             </a:r>
             <a:r>
-              <a:rPr b="1" lang="en" sz="1200">
+              <a:rPr lang="en" sz="1200" b="1">
                 <a:solidFill>
                   <a:srgbClr val="000000"/>
                 </a:solidFill>
@@ -10890,7 +10993,7 @@
             </a:endParaRPr>
           </a:p>
           <a:p>
-            <a:pPr indent="0" lvl="0" marL="0" rtl="0" algn="l">
+            <a:pPr marL="0" lvl="0" indent="0" algn="l" rtl="0">
               <a:lnSpc>
                 <a:spcPct val="200000"/>
               </a:lnSpc>
@@ -10903,21 +11006,21 @@
               <a:buNone/>
             </a:pPr>
             <a:r>
-              <a:rPr b="1" lang="en" sz="1200">
+              <a:rPr lang="en" sz="1200" b="1">
                 <a:solidFill>
                   <a:srgbClr val="000000"/>
                 </a:solidFill>
               </a:rPr>
               <a:t>Plans</a:t>
             </a:r>
-            <a:endParaRPr b="1" sz="1200">
+            <a:endParaRPr sz="1200" b="1">
               <a:solidFill>
                 <a:srgbClr val="000000"/>
               </a:solidFill>
             </a:endParaRPr>
           </a:p>
           <a:p>
-            <a:pPr indent="-304800" lvl="0" marL="457200" rtl="0" algn="l">
+            <a:pPr marL="457200" lvl="0" indent="-304800" algn="l" rtl="0">
               <a:lnSpc>
                 <a:spcPct val="200000"/>
               </a:lnSpc>
@@ -10948,7 +11051,7 @@
             </a:endParaRPr>
           </a:p>
           <a:p>
-            <a:pPr indent="-304800" lvl="0" marL="457200" rtl="0" algn="l">
+            <a:pPr marL="457200" lvl="0" indent="-304800" algn="l" rtl="0">
               <a:lnSpc>
                 <a:spcPct val="200000"/>
               </a:lnSpc>
@@ -10979,7 +11082,7 @@
             </a:endParaRPr>
           </a:p>
           <a:p>
-            <a:pPr indent="0" lvl="0" marL="457200" rtl="0" algn="l">
+            <a:pPr marL="457200" lvl="0" indent="0" algn="l" rtl="0">
               <a:spcBef>
                 <a:spcPts val="1600"/>
               </a:spcBef>
@@ -10988,13 +11091,10 @@
               </a:spcAft>
               <a:buNone/>
             </a:pPr>
-            <a:r>
-              <a:t/>
-            </a:r>
             <a:endParaRPr/>
           </a:p>
           <a:p>
-            <a:pPr indent="0" lvl="0" marL="0" rtl="0" algn="l">
+            <a:pPr marL="0" lvl="0" indent="0" algn="l" rtl="0">
               <a:spcBef>
                 <a:spcPts val="1600"/>
               </a:spcBef>
@@ -11003,9 +11103,6 @@
               </a:spcAft>
               <a:buNone/>
             </a:pPr>
-            <a:r>
-              <a:t/>
-            </a:r>
             <a:endParaRPr/>
           </a:p>
         </p:txBody>
@@ -11019,7 +11116,7 @@
 </file>
 
 <file path=ppt/theme/theme1.xml><?xml version="1.0" encoding="utf-8"?>
-<a:theme xmlns:a="http://schemas.openxmlformats.org/drawingml/2006/main" xmlns:r="http://schemas.openxmlformats.org/officeDocument/2006/relationships" name="Geometric">
+<a:theme xmlns:a="http://schemas.openxmlformats.org/drawingml/2006/main" name="Geometric">
   <a:themeElements>
     <a:clrScheme name="Geometric">
       <a:dk1>
@@ -11294,11 +11391,13 @@
       </a:bgFillStyleLst>
     </a:fmtScheme>
   </a:themeElements>
+  <a:objectDefaults/>
+  <a:extraClrSchemeLst/>
 </a:theme>
 </file>
 
 <file path=ppt/theme/theme2.xml><?xml version="1.0" encoding="utf-8"?>
-<a:theme xmlns:a="http://schemas.openxmlformats.org/drawingml/2006/main" xmlns:r="http://schemas.openxmlformats.org/officeDocument/2006/relationships">
+<a:theme xmlns:a="http://schemas.openxmlformats.org/drawingml/2006/main">
   <a:themeElements>
     <a:clrScheme name="Default">
       <a:dk1>
@@ -11573,5 +11672,7 @@
       </a:bgFillStyleLst>
     </a:fmtScheme>
   </a:themeElements>
+  <a:objectDefaults/>
+  <a:extraClrSchemeLst/>
 </a:theme>
 </file>